--- a/docs/HTML.pptx
+++ b/docs/HTML.pptx
@@ -5,7 +5,7 @@
     <p:sldMasterId id="2147483659" r:id="rId1"/>
   </p:sldMasterIdLst>
   <p:notesMasterIdLst>
-    <p:notesMasterId r:id="rId32"/>
+    <p:notesMasterId r:id="rId33"/>
   </p:notesMasterIdLst>
   <p:sldIdLst>
     <p:sldId id="256" r:id="rId2"/>
@@ -38,16 +38,17 @@
     <p:sldId id="316" r:id="rId29"/>
     <p:sldId id="317" r:id="rId30"/>
     <p:sldId id="318" r:id="rId31"/>
+    <p:sldId id="319" r:id="rId32"/>
   </p:sldIdLst>
   <p:sldSz cx="9144000" cy="5143500" type="screen16x9"/>
   <p:notesSz cx="6858000" cy="9144000"/>
   <p:embeddedFontLst>
     <p:embeddedFont>
       <p:font typeface="Calibri" panose="020F0502020204030204" pitchFamily="34" charset="0"/>
-      <p:regular r:id="rId33"/>
-      <p:bold r:id="rId34"/>
-      <p:italic r:id="rId35"/>
-      <p:boldItalic r:id="rId36"/>
+      <p:regular r:id="rId34"/>
+      <p:bold r:id="rId35"/>
+      <p:italic r:id="rId36"/>
+      <p:boldItalic r:id="rId37"/>
     </p:embeddedFont>
   </p:embeddedFontLst>
   <p:defaultTextStyle>
@@ -15385,6 +15386,30 @@
           </a:p>
         </p:txBody>
       </p:sp>
+      <p:pic>
+        <p:nvPicPr>
+          <p:cNvPr id="4" name="Picture 3"/>
+          <p:cNvPicPr>
+            <a:picLocks noChangeAspect="1"/>
+          </p:cNvPicPr>
+          <p:nvPr/>
+        </p:nvPicPr>
+        <p:blipFill>
+          <a:blip r:embed="rId2"/>
+          <a:stretch>
+            <a:fillRect/>
+          </a:stretch>
+        </p:blipFill>
+        <p:spPr>
+          <a:xfrm>
+            <a:off x="1123435" y="3516169"/>
+            <a:ext cx="3467100" cy="1571625"/>
+          </a:xfrm>
+          <a:prstGeom prst="rect">
+            <a:avLst/>
+          </a:prstGeom>
+        </p:spPr>
+      </p:pic>
     </p:spTree>
     <p:extLst>
       <p:ext uri="{BB962C8B-B14F-4D97-AF65-F5344CB8AC3E}">
@@ -18957,7 +18982,6 @@
               <a:rPr lang="en-US" dirty="0"/>
               <a:t>&lt;!DOCTYPE html PUBLIC "-//W3C//DTD XHTML 1.0 Strict//EN" "http://www.w3.org/TR/xhtml1/DTD/xhtml1-strict.dtd"&gt;</a:t>
             </a:r>
-            <a:endParaRPr lang="en-US" dirty="0"/>
           </a:p>
           <a:p>
             <a:r>
@@ -19362,7 +19386,6 @@
               <a:rPr lang="en-US" dirty="0"/>
               <a:t> it makes it harder to update and maintain a website.</a:t>
             </a:r>
-            <a:endParaRPr lang="en-US" dirty="0"/>
           </a:p>
         </p:txBody>
       </p:sp>
@@ -20053,61 +20076,34 @@
           </a:p>
           <a:p>
             <a:r>
-              <a:rPr lang="en-US" dirty="0" smtClean="0">
-                <a:hlinkClick r:id="rId3"/>
-              </a:rPr>
-              <a:t>https</a:t>
-            </a:r>
-            <a:r>
-              <a:rPr lang="en-US" dirty="0">
-                <a:hlinkClick r:id="rId3"/>
-              </a:rPr>
-              <a:t>://</a:t>
-            </a:r>
-            <a:r>
-              <a:rPr lang="en-US" dirty="0" smtClean="0">
-                <a:hlinkClick r:id="rId3"/>
-              </a:rPr>
-              <a:t>developer.mozilla.org/en-US/docs/Learn/CSS/First_steps/How_CSS_is_structured</a:t>
-            </a:r>
-            <a:endParaRPr lang="vi-VN" dirty="0" smtClean="0"/>
-          </a:p>
-          <a:p>
-            <a:r>
               <a:rPr lang="en-US" dirty="0">
                 <a:hlinkClick r:id="rId4"/>
               </a:rPr>
-              <a:t>https://</a:t>
-            </a:r>
-            <a:r>
-              <a:rPr lang="en-US" dirty="0" smtClean="0">
-                <a:hlinkClick r:id="rId4"/>
-              </a:rPr>
-              <a:t>www.w3schools.com/css</a:t>
+              <a:t>https://www.w3schools.com/html </a:t>
             </a:r>
             <a:endParaRPr lang="vi-VN" dirty="0" smtClean="0"/>
           </a:p>
           <a:p>
-            <a:r>
-              <a:rPr lang="en-US" dirty="0">
-                <a:hlinkClick r:id="rId5"/>
-              </a:rPr>
-              <a:t>https://</a:t>
-            </a:r>
             <a:r>
               <a:rPr lang="en-US" dirty="0" smtClean="0">
                 <a:hlinkClick r:id="rId5"/>
               </a:rPr>
-              <a:t>www.learn-html.org</a:t>
+              <a:t>https://www.learn-html.org</a:t>
             </a:r>
             <a:endParaRPr lang="vi-VN" dirty="0" smtClean="0"/>
           </a:p>
           <a:p>
+            <a:r>
+              <a:rPr lang="en-US" dirty="0" smtClean="0">
+                <a:hlinkClick r:id="rId6"/>
+              </a:rPr>
+              <a:t>https</a:t>
+            </a:r>
             <a:r>
               <a:rPr lang="en-US" dirty="0">
                 <a:hlinkClick r:id="rId6"/>
               </a:rPr>
-              <a:t>https://techmaster.vn/posts/35050/co-gi-moi-trong-html5</a:t>
+              <a:t>://techmaster.vn/posts/35050/co-gi-moi-trong-html5</a:t>
             </a:r>
             <a:endParaRPr lang="en-US" dirty="0"/>
           </a:p>
@@ -20247,6 +20243,158 @@
     <p:extLst>
       <p:ext uri="{BB962C8B-B14F-4D97-AF65-F5344CB8AC3E}">
         <p14:creationId xmlns:p14="http://schemas.microsoft.com/office/powerpoint/2010/main" val="3505754921"/>
+      </p:ext>
+    </p:extLst>
+  </p:cSld>
+  <p:clrMapOvr>
+    <a:masterClrMapping/>
+  </p:clrMapOvr>
+  <p:timing>
+    <p:tnLst>
+      <p:par>
+        <p:cTn id="1" dur="indefinite" restart="never" nodeType="tmRoot"/>
+      </p:par>
+    </p:tnLst>
+  </p:timing>
+</p:sld>
+</file>
+
+<file path=ppt/slides/slide31.xml><?xml version="1.0" encoding="utf-8"?>
+<p:sld xmlns:a="http://schemas.openxmlformats.org/drawingml/2006/main" xmlns:r="http://schemas.openxmlformats.org/officeDocument/2006/relationships" xmlns:p="http://schemas.openxmlformats.org/presentationml/2006/main">
+  <p:cSld>
+    <p:spTree>
+      <p:nvGrpSpPr>
+        <p:cNvPr id="1" name=""/>
+        <p:cNvGrpSpPr/>
+        <p:nvPr/>
+      </p:nvGrpSpPr>
+      <p:grpSpPr>
+        <a:xfrm>
+          <a:off x="0" y="0"/>
+          <a:ext cx="0" cy="0"/>
+          <a:chOff x="0" y="0"/>
+          <a:chExt cx="0" cy="0"/>
+        </a:xfrm>
+      </p:grpSpPr>
+      <p:sp>
+        <p:nvSpPr>
+          <p:cNvPr id="2" name="Title 1"/>
+          <p:cNvSpPr>
+            <a:spLocks noGrp="1"/>
+          </p:cNvSpPr>
+          <p:nvPr>
+            <p:ph type="title"/>
+          </p:nvPr>
+        </p:nvSpPr>
+        <p:spPr/>
+        <p:txBody>
+          <a:bodyPr/>
+          <a:lstStyle/>
+          <a:p>
+            <a:r>
+              <a:rPr lang="vi-VN" dirty="0" smtClean="0"/>
+              <a:t>Excercise</a:t>
+            </a:r>
+            <a:endParaRPr lang="en-US" dirty="0"/>
+          </a:p>
+        </p:txBody>
+      </p:sp>
+      <p:sp>
+        <p:nvSpPr>
+          <p:cNvPr id="3" name="Text Placeholder 2"/>
+          <p:cNvSpPr>
+            <a:spLocks noGrp="1"/>
+          </p:cNvSpPr>
+          <p:nvPr>
+            <p:ph type="body" idx="1"/>
+          </p:nvPr>
+        </p:nvSpPr>
+        <p:spPr/>
+        <p:txBody>
+          <a:bodyPr/>
+          <a:lstStyle/>
+          <a:p>
+            <a:r>
+              <a:rPr lang="en-US" dirty="0"/>
+              <a:t>Try it Yourself</a:t>
+            </a:r>
+            <a:endParaRPr lang="vi-VN" dirty="0" smtClean="0">
+              <a:hlinkClick r:id="rId2"/>
+            </a:endParaRPr>
+          </a:p>
+          <a:p>
+            <a:pPr lvl="1"/>
+            <a:r>
+              <a:rPr lang="en-US" dirty="0" smtClean="0">
+                <a:hlinkClick r:id="rId2"/>
+              </a:rPr>
+              <a:t>https</a:t>
+            </a:r>
+            <a:r>
+              <a:rPr lang="en-US" dirty="0">
+                <a:hlinkClick r:id="rId2"/>
+              </a:rPr>
+              <a:t>://www.w3schools.com/html</a:t>
+            </a:r>
+            <a:r>
+              <a:rPr lang="en-US" dirty="0" smtClean="0">
+                <a:hlinkClick r:id="rId2"/>
+              </a:rPr>
+              <a:t>/</a:t>
+            </a:r>
+            <a:endParaRPr lang="vi-VN" dirty="0" smtClean="0"/>
+          </a:p>
+          <a:p>
+            <a:r>
+              <a:rPr lang="vi-VN" dirty="0" smtClean="0"/>
+              <a:t>Demo on </a:t>
+            </a:r>
+            <a:r>
+              <a:rPr lang="vi-VN" dirty="0" smtClean="0"/>
+              <a:t>Github</a:t>
+            </a:r>
+          </a:p>
+          <a:p>
+            <a:pPr lvl="1"/>
+            <a:r>
+              <a:rPr lang="vi-VN">
+                <a:hlinkClick r:id="rId3"/>
+              </a:rPr>
+              <a:t>https</a:t>
+            </a:r>
+            <a:r>
+              <a:rPr lang="vi-VN">
+                <a:hlinkClick r:id="rId3"/>
+              </a:rPr>
+              <a:t>://</a:t>
+            </a:r>
+            <a:r>
+              <a:rPr lang="vi-VN" smtClean="0">
+                <a:hlinkClick r:id="rId3"/>
+              </a:rPr>
+              <a:t>github.com/giaule91/basic-html.git</a:t>
+            </a:r>
+            <a:endParaRPr lang="vi-VN" smtClean="0"/>
+          </a:p>
+          <a:p>
+            <a:pPr marL="571500" lvl="1" indent="0">
+              <a:buNone/>
+            </a:pPr>
+            <a:endParaRPr lang="vi-VN" dirty="0" smtClean="0"/>
+          </a:p>
+          <a:p>
+            <a:pPr lvl="1"/>
+            <a:endParaRPr lang="vi-VN" dirty="0" smtClean="0"/>
+          </a:p>
+          <a:p>
+            <a:endParaRPr lang="en-US" dirty="0"/>
+          </a:p>
+        </p:txBody>
+      </p:sp>
+    </p:spTree>
+    <p:extLst>
+      <p:ext uri="{BB962C8B-B14F-4D97-AF65-F5344CB8AC3E}">
+        <p14:creationId xmlns:p14="http://schemas.microsoft.com/office/powerpoint/2010/main" val="681554466"/>
       </p:ext>
     </p:extLst>
   </p:cSld>

--- a/docs/HTML.pptx
+++ b/docs/HTML.pptx
@@ -5,7 +5,7 @@
     <p:sldMasterId id="2147483659" r:id="rId1"/>
   </p:sldMasterIdLst>
   <p:notesMasterIdLst>
-    <p:notesMasterId r:id="rId33"/>
+    <p:notesMasterId r:id="rId34"/>
   </p:notesMasterIdLst>
   <p:sldIdLst>
     <p:sldId id="256" r:id="rId2"/>
@@ -13,42 +13,43 @@
     <p:sldId id="262" r:id="rId4"/>
     <p:sldId id="263" r:id="rId5"/>
     <p:sldId id="264" r:id="rId6"/>
-    <p:sldId id="265" r:id="rId7"/>
-    <p:sldId id="266" r:id="rId8"/>
-    <p:sldId id="305" r:id="rId9"/>
-    <p:sldId id="267" r:id="rId10"/>
-    <p:sldId id="268" r:id="rId11"/>
-    <p:sldId id="269" r:id="rId12"/>
-    <p:sldId id="270" r:id="rId13"/>
-    <p:sldId id="271" r:id="rId14"/>
-    <p:sldId id="272" r:id="rId15"/>
-    <p:sldId id="273" r:id="rId16"/>
-    <p:sldId id="274" r:id="rId17"/>
-    <p:sldId id="275" r:id="rId18"/>
-    <p:sldId id="276" r:id="rId19"/>
-    <p:sldId id="277" r:id="rId20"/>
-    <p:sldId id="278" r:id="rId21"/>
-    <p:sldId id="279" r:id="rId22"/>
-    <p:sldId id="310" r:id="rId23"/>
-    <p:sldId id="311" r:id="rId24"/>
-    <p:sldId id="312" r:id="rId25"/>
-    <p:sldId id="313" r:id="rId26"/>
-    <p:sldId id="314" r:id="rId27"/>
-    <p:sldId id="315" r:id="rId28"/>
-    <p:sldId id="316" r:id="rId29"/>
-    <p:sldId id="317" r:id="rId30"/>
-    <p:sldId id="318" r:id="rId31"/>
-    <p:sldId id="319" r:id="rId32"/>
+    <p:sldId id="320" r:id="rId7"/>
+    <p:sldId id="265" r:id="rId8"/>
+    <p:sldId id="266" r:id="rId9"/>
+    <p:sldId id="305" r:id="rId10"/>
+    <p:sldId id="267" r:id="rId11"/>
+    <p:sldId id="268" r:id="rId12"/>
+    <p:sldId id="269" r:id="rId13"/>
+    <p:sldId id="270" r:id="rId14"/>
+    <p:sldId id="271" r:id="rId15"/>
+    <p:sldId id="272" r:id="rId16"/>
+    <p:sldId id="273" r:id="rId17"/>
+    <p:sldId id="274" r:id="rId18"/>
+    <p:sldId id="275" r:id="rId19"/>
+    <p:sldId id="276" r:id="rId20"/>
+    <p:sldId id="277" r:id="rId21"/>
+    <p:sldId id="278" r:id="rId22"/>
+    <p:sldId id="279" r:id="rId23"/>
+    <p:sldId id="310" r:id="rId24"/>
+    <p:sldId id="311" r:id="rId25"/>
+    <p:sldId id="312" r:id="rId26"/>
+    <p:sldId id="313" r:id="rId27"/>
+    <p:sldId id="314" r:id="rId28"/>
+    <p:sldId id="315" r:id="rId29"/>
+    <p:sldId id="316" r:id="rId30"/>
+    <p:sldId id="317" r:id="rId31"/>
+    <p:sldId id="318" r:id="rId32"/>
+    <p:sldId id="319" r:id="rId33"/>
   </p:sldIdLst>
   <p:sldSz cx="9144000" cy="5143500" type="screen16x9"/>
   <p:notesSz cx="6858000" cy="9144000"/>
   <p:embeddedFontLst>
     <p:embeddedFont>
       <p:font typeface="Calibri" panose="020F0502020204030204" pitchFamily="34" charset="0"/>
-      <p:regular r:id="rId34"/>
-      <p:bold r:id="rId35"/>
-      <p:italic r:id="rId36"/>
-      <p:boldItalic r:id="rId37"/>
+      <p:regular r:id="rId35"/>
+      <p:bold r:id="rId36"/>
+      <p:italic r:id="rId37"/>
+      <p:boldItalic r:id="rId38"/>
     </p:embeddedFont>
   </p:embeddedFontLst>
   <p:defaultTextStyle>
@@ -15166,6 +15167,599 @@
         </p:nvSpPr>
         <p:spPr>
           <a:xfrm>
+            <a:off x="2514600" y="273844"/>
+            <a:ext cx="6000805" cy="640200"/>
+          </a:xfrm>
+        </p:spPr>
+        <p:txBody>
+          <a:bodyPr/>
+          <a:lstStyle/>
+          <a:p>
+            <a:pPr lvl="0">
+              <a:lnSpc>
+                <a:spcPct val="115000"/>
+              </a:lnSpc>
+            </a:pPr>
+            <a:r>
+              <a:rPr lang="vi-VN" sz="3600" b="1" dirty="0">
+                <a:latin typeface="Arial"/>
+                <a:ea typeface="Arial"/>
+                <a:cs typeface="Arial"/>
+                <a:sym typeface="Arial"/>
+              </a:rPr>
+              <a:t>Head elements and scripts</a:t>
+            </a:r>
+          </a:p>
+        </p:txBody>
+      </p:sp>
+      <p:sp>
+        <p:nvSpPr>
+          <p:cNvPr id="3" name="Text Placeholder 2"/>
+          <p:cNvSpPr>
+            <a:spLocks noGrp="1"/>
+          </p:cNvSpPr>
+          <p:nvPr>
+            <p:ph type="body" idx="1"/>
+          </p:nvPr>
+        </p:nvSpPr>
+        <p:spPr>
+          <a:xfrm>
+            <a:off x="628650" y="1369218"/>
+            <a:ext cx="7886700" cy="3564731"/>
+          </a:xfrm>
+        </p:spPr>
+        <p:txBody>
+          <a:bodyPr/>
+          <a:lstStyle/>
+          <a:p>
+            <a:r>
+              <a:rPr lang="en-US" dirty="0" smtClean="0"/>
+              <a:t>The</a:t>
+            </a:r>
+            <a:r>
+              <a:rPr lang="vi-VN" dirty="0" smtClean="0"/>
+              <a:t> head </a:t>
+            </a:r>
+            <a:r>
+              <a:rPr lang="en-US" dirty="0" smtClean="0"/>
+              <a:t>of </a:t>
+            </a:r>
+            <a:r>
+              <a:rPr lang="en-US" dirty="0"/>
+              <a:t>an HTML document is the part that is not displayed in the web browser when the page is loaded.</a:t>
+            </a:r>
+          </a:p>
+          <a:p>
+            <a:r>
+              <a:rPr lang="en-US" dirty="0"/>
+              <a:t>The </a:t>
+            </a:r>
+            <a:r>
+              <a:rPr lang="en-US" dirty="0">
+                <a:hlinkClick r:id="rId2"/>
+              </a:rPr>
+              <a:t>&lt;title&gt;</a:t>
+            </a:r>
+            <a:r>
+              <a:rPr lang="en-US" dirty="0"/>
+              <a:t> element is metadata that represents the title of the overall HTML document (not the document's content</a:t>
+            </a:r>
+            <a:r>
+              <a:rPr lang="en-US" dirty="0" smtClean="0"/>
+              <a:t>.)</a:t>
+            </a:r>
+            <a:endParaRPr lang="vi-VN" dirty="0" smtClean="0"/>
+          </a:p>
+          <a:p>
+            <a:pPr marL="95250" indent="0">
+              <a:buNone/>
+            </a:pPr>
+            <a:r>
+              <a:rPr lang="en-US" sz="1200" dirty="0">
+                <a:solidFill>
+                  <a:srgbClr val="2B91AF"/>
+                </a:solidFill>
+                <a:latin typeface="Monaco"/>
+              </a:rPr>
+              <a:t>&lt;!DOCTYPE html&gt;</a:t>
+            </a:r>
+            <a:r>
+              <a:rPr lang="en-US" sz="1200" dirty="0">
+                <a:solidFill>
+                  <a:srgbClr val="000000"/>
+                </a:solidFill>
+                <a:latin typeface="Monaco"/>
+              </a:rPr>
+              <a:t> </a:t>
+            </a:r>
+            <a:endParaRPr lang="vi-VN" sz="1200" dirty="0" smtClean="0">
+              <a:solidFill>
+                <a:srgbClr val="000000"/>
+              </a:solidFill>
+              <a:latin typeface="Monaco"/>
+            </a:endParaRPr>
+          </a:p>
+          <a:p>
+            <a:pPr marL="95250" indent="0">
+              <a:buNone/>
+            </a:pPr>
+            <a:r>
+              <a:rPr lang="en-US" sz="1200" dirty="0" smtClean="0">
+                <a:solidFill>
+                  <a:srgbClr val="0000FF"/>
+                </a:solidFill>
+                <a:latin typeface="Monaco"/>
+              </a:rPr>
+              <a:t>&lt;</a:t>
+            </a:r>
+            <a:r>
+              <a:rPr lang="en-US" sz="1200" dirty="0">
+                <a:solidFill>
+                  <a:srgbClr val="0000FF"/>
+                </a:solidFill>
+                <a:latin typeface="Monaco"/>
+              </a:rPr>
+              <a:t>html&gt;</a:t>
+            </a:r>
+            <a:r>
+              <a:rPr lang="en-US" sz="1200" dirty="0">
+                <a:solidFill>
+                  <a:srgbClr val="000000"/>
+                </a:solidFill>
+                <a:latin typeface="Monaco"/>
+              </a:rPr>
+              <a:t> </a:t>
+            </a:r>
+            <a:endParaRPr lang="vi-VN" sz="1200" dirty="0" smtClean="0">
+              <a:solidFill>
+                <a:srgbClr val="000000"/>
+              </a:solidFill>
+              <a:latin typeface="Monaco"/>
+            </a:endParaRPr>
+          </a:p>
+          <a:p>
+            <a:pPr marL="95250" indent="0">
+              <a:buNone/>
+            </a:pPr>
+            <a:r>
+              <a:rPr lang="vi-VN" sz="1200" dirty="0">
+                <a:solidFill>
+                  <a:srgbClr val="000000"/>
+                </a:solidFill>
+                <a:latin typeface="Monaco"/>
+              </a:rPr>
+              <a:t>	</a:t>
+            </a:r>
+            <a:r>
+              <a:rPr lang="en-US" sz="1200" dirty="0" smtClean="0">
+                <a:solidFill>
+                  <a:srgbClr val="0000FF"/>
+                </a:solidFill>
+                <a:latin typeface="Monaco"/>
+              </a:rPr>
+              <a:t>&lt;</a:t>
+            </a:r>
+            <a:r>
+              <a:rPr lang="en-US" sz="1200" dirty="0">
+                <a:solidFill>
+                  <a:srgbClr val="0000FF"/>
+                </a:solidFill>
+                <a:latin typeface="Monaco"/>
+              </a:rPr>
+              <a:t>head&gt;</a:t>
+            </a:r>
+            <a:r>
+              <a:rPr lang="en-US" sz="1200" dirty="0">
+                <a:solidFill>
+                  <a:srgbClr val="000000"/>
+                </a:solidFill>
+                <a:latin typeface="Monaco"/>
+              </a:rPr>
+              <a:t> </a:t>
+            </a:r>
+            <a:endParaRPr lang="vi-VN" sz="1200" dirty="0" smtClean="0">
+              <a:solidFill>
+                <a:srgbClr val="000000"/>
+              </a:solidFill>
+              <a:latin typeface="Monaco"/>
+            </a:endParaRPr>
+          </a:p>
+          <a:p>
+            <a:pPr marL="95250" indent="0">
+              <a:buNone/>
+            </a:pPr>
+            <a:r>
+              <a:rPr lang="vi-VN" sz="1200" dirty="0">
+                <a:solidFill>
+                  <a:srgbClr val="000000"/>
+                </a:solidFill>
+                <a:latin typeface="Monaco"/>
+              </a:rPr>
+              <a:t>	</a:t>
+            </a:r>
+            <a:r>
+              <a:rPr lang="vi-VN" sz="1200" dirty="0" smtClean="0">
+                <a:solidFill>
+                  <a:srgbClr val="000000"/>
+                </a:solidFill>
+                <a:latin typeface="Monaco"/>
+              </a:rPr>
+              <a:t>	</a:t>
+            </a:r>
+            <a:r>
+              <a:rPr lang="en-US" sz="1200" dirty="0" smtClean="0">
+                <a:solidFill>
+                  <a:srgbClr val="0000FF"/>
+                </a:solidFill>
+                <a:latin typeface="Monaco"/>
+              </a:rPr>
+              <a:t>&lt;</a:t>
+            </a:r>
+            <a:r>
+              <a:rPr lang="en-US" sz="1200" dirty="0">
+                <a:solidFill>
+                  <a:srgbClr val="0000FF"/>
+                </a:solidFill>
+                <a:latin typeface="Monaco"/>
+              </a:rPr>
+              <a:t>meta </a:t>
+            </a:r>
+            <a:r>
+              <a:rPr lang="en-US" sz="1200" dirty="0">
+                <a:solidFill>
+                  <a:srgbClr val="FF0000"/>
+                </a:solidFill>
+                <a:latin typeface="Monaco"/>
+              </a:rPr>
+              <a:t>charset</a:t>
+            </a:r>
+            <a:r>
+              <a:rPr lang="en-US" sz="1200" dirty="0">
+                <a:solidFill>
+                  <a:srgbClr val="0000FF"/>
+                </a:solidFill>
+                <a:latin typeface="Monaco"/>
+              </a:rPr>
+              <a:t>=</a:t>
+            </a:r>
+            <a:r>
+              <a:rPr lang="en-US" sz="1200" dirty="0">
+                <a:solidFill>
+                  <a:srgbClr val="A31515"/>
+                </a:solidFill>
+                <a:latin typeface="Monaco"/>
+              </a:rPr>
+              <a:t>"utf-8"</a:t>
+            </a:r>
+            <a:r>
+              <a:rPr lang="en-US" sz="1200" dirty="0">
+                <a:solidFill>
+                  <a:srgbClr val="0000FF"/>
+                </a:solidFill>
+                <a:latin typeface="Monaco"/>
+              </a:rPr>
+              <a:t>&gt;</a:t>
+            </a:r>
+            <a:r>
+              <a:rPr lang="en-US" sz="1200" dirty="0">
+                <a:solidFill>
+                  <a:srgbClr val="000000"/>
+                </a:solidFill>
+                <a:latin typeface="Monaco"/>
+              </a:rPr>
+              <a:t> </a:t>
+            </a:r>
+            <a:endParaRPr lang="vi-VN" sz="1200" dirty="0" smtClean="0">
+              <a:solidFill>
+                <a:srgbClr val="000000"/>
+              </a:solidFill>
+              <a:latin typeface="Monaco"/>
+            </a:endParaRPr>
+          </a:p>
+          <a:p>
+            <a:pPr marL="95250" indent="0">
+              <a:buNone/>
+            </a:pPr>
+            <a:r>
+              <a:rPr lang="vi-VN" sz="1200" dirty="0">
+                <a:solidFill>
+                  <a:srgbClr val="000000"/>
+                </a:solidFill>
+                <a:latin typeface="Monaco"/>
+              </a:rPr>
+              <a:t>	</a:t>
+            </a:r>
+            <a:r>
+              <a:rPr lang="vi-VN" sz="1200" dirty="0" smtClean="0">
+                <a:solidFill>
+                  <a:srgbClr val="000000"/>
+                </a:solidFill>
+                <a:latin typeface="Monaco"/>
+              </a:rPr>
+              <a:t>	</a:t>
+            </a:r>
+            <a:r>
+              <a:rPr lang="en-US" sz="1200" dirty="0" smtClean="0">
+                <a:solidFill>
+                  <a:srgbClr val="0000FF"/>
+                </a:solidFill>
+                <a:latin typeface="Monaco"/>
+              </a:rPr>
+              <a:t>&lt;</a:t>
+            </a:r>
+            <a:r>
+              <a:rPr lang="en-US" sz="1200" dirty="0">
+                <a:solidFill>
+                  <a:srgbClr val="0000FF"/>
+                </a:solidFill>
+                <a:latin typeface="Monaco"/>
+              </a:rPr>
+              <a:t>title&gt;</a:t>
+            </a:r>
+            <a:r>
+              <a:rPr lang="en-US" sz="1200" dirty="0">
+                <a:solidFill>
+                  <a:srgbClr val="000000"/>
+                </a:solidFill>
+                <a:latin typeface="Monaco"/>
+              </a:rPr>
+              <a:t>My test page</a:t>
+            </a:r>
+            <a:r>
+              <a:rPr lang="en-US" sz="1200" dirty="0">
+                <a:solidFill>
+                  <a:srgbClr val="0000FF"/>
+                </a:solidFill>
+                <a:latin typeface="Monaco"/>
+              </a:rPr>
+              <a:t>&lt;/title&gt;</a:t>
+            </a:r>
+            <a:r>
+              <a:rPr lang="en-US" sz="1200" dirty="0">
+                <a:solidFill>
+                  <a:srgbClr val="000000"/>
+                </a:solidFill>
+                <a:latin typeface="Monaco"/>
+              </a:rPr>
+              <a:t> </a:t>
+            </a:r>
+            <a:endParaRPr lang="vi-VN" sz="1200" dirty="0" smtClean="0">
+              <a:solidFill>
+                <a:srgbClr val="000000"/>
+              </a:solidFill>
+              <a:latin typeface="Monaco"/>
+            </a:endParaRPr>
+          </a:p>
+          <a:p>
+            <a:pPr marL="95250" indent="0">
+              <a:buNone/>
+            </a:pPr>
+            <a:r>
+              <a:rPr lang="vi-VN" sz="1200" dirty="0">
+                <a:solidFill>
+                  <a:srgbClr val="000000"/>
+                </a:solidFill>
+                <a:latin typeface="Monaco"/>
+              </a:rPr>
+              <a:t>	</a:t>
+            </a:r>
+            <a:r>
+              <a:rPr lang="en-US" sz="1200" dirty="0" smtClean="0">
+                <a:solidFill>
+                  <a:srgbClr val="0000FF"/>
+                </a:solidFill>
+                <a:latin typeface="Monaco"/>
+              </a:rPr>
+              <a:t>&lt;/</a:t>
+            </a:r>
+            <a:r>
+              <a:rPr lang="en-US" sz="1200" dirty="0">
+                <a:solidFill>
+                  <a:srgbClr val="0000FF"/>
+                </a:solidFill>
+                <a:latin typeface="Monaco"/>
+              </a:rPr>
+              <a:t>head&gt;</a:t>
+            </a:r>
+            <a:r>
+              <a:rPr lang="en-US" sz="1200" dirty="0">
+                <a:solidFill>
+                  <a:srgbClr val="000000"/>
+                </a:solidFill>
+                <a:latin typeface="Monaco"/>
+              </a:rPr>
+              <a:t> </a:t>
+            </a:r>
+            <a:endParaRPr lang="vi-VN" sz="1200" dirty="0" smtClean="0">
+              <a:solidFill>
+                <a:srgbClr val="000000"/>
+              </a:solidFill>
+              <a:latin typeface="Monaco"/>
+            </a:endParaRPr>
+          </a:p>
+          <a:p>
+            <a:pPr marL="95250" indent="0">
+              <a:buNone/>
+            </a:pPr>
+            <a:r>
+              <a:rPr lang="vi-VN" sz="1200" dirty="0">
+                <a:solidFill>
+                  <a:srgbClr val="000000"/>
+                </a:solidFill>
+                <a:latin typeface="Monaco"/>
+              </a:rPr>
+              <a:t>	</a:t>
+            </a:r>
+            <a:r>
+              <a:rPr lang="en-US" sz="1200" dirty="0" smtClean="0">
+                <a:solidFill>
+                  <a:srgbClr val="0000FF"/>
+                </a:solidFill>
+                <a:latin typeface="Monaco"/>
+              </a:rPr>
+              <a:t>&lt;</a:t>
+            </a:r>
+            <a:r>
+              <a:rPr lang="en-US" sz="1200" dirty="0">
+                <a:solidFill>
+                  <a:srgbClr val="0000FF"/>
+                </a:solidFill>
+                <a:latin typeface="Monaco"/>
+              </a:rPr>
+              <a:t>body&gt;</a:t>
+            </a:r>
+            <a:r>
+              <a:rPr lang="en-US" sz="1200" dirty="0">
+                <a:solidFill>
+                  <a:srgbClr val="000000"/>
+                </a:solidFill>
+                <a:latin typeface="Monaco"/>
+              </a:rPr>
+              <a:t> </a:t>
+            </a:r>
+            <a:r>
+              <a:rPr lang="en-US" sz="1200" dirty="0">
+                <a:solidFill>
+                  <a:srgbClr val="0000FF"/>
+                </a:solidFill>
+                <a:latin typeface="Monaco"/>
+              </a:rPr>
+              <a:t>&lt;p&gt;</a:t>
+            </a:r>
+            <a:r>
+              <a:rPr lang="en-US" sz="1200" dirty="0">
+                <a:solidFill>
+                  <a:srgbClr val="000000"/>
+                </a:solidFill>
+                <a:latin typeface="Monaco"/>
+              </a:rPr>
+              <a:t>This is my page</a:t>
+            </a:r>
+            <a:r>
+              <a:rPr lang="en-US" sz="1200" dirty="0">
+                <a:solidFill>
+                  <a:srgbClr val="0000FF"/>
+                </a:solidFill>
+                <a:latin typeface="Monaco"/>
+              </a:rPr>
+              <a:t>&lt;/p&gt;</a:t>
+            </a:r>
+            <a:r>
+              <a:rPr lang="en-US" sz="1200" dirty="0">
+                <a:solidFill>
+                  <a:srgbClr val="000000"/>
+                </a:solidFill>
+                <a:latin typeface="Monaco"/>
+              </a:rPr>
+              <a:t> </a:t>
+            </a:r>
+            <a:r>
+              <a:rPr lang="en-US" sz="1200" dirty="0">
+                <a:solidFill>
+                  <a:srgbClr val="0000FF"/>
+                </a:solidFill>
+                <a:latin typeface="Monaco"/>
+              </a:rPr>
+              <a:t>&lt;/body&gt;</a:t>
+            </a:r>
+            <a:r>
+              <a:rPr lang="en-US" sz="1200" dirty="0">
+                <a:solidFill>
+                  <a:srgbClr val="000000"/>
+                </a:solidFill>
+                <a:latin typeface="Monaco"/>
+              </a:rPr>
+              <a:t> </a:t>
+            </a:r>
+            <a:endParaRPr lang="vi-VN" sz="1200" dirty="0" smtClean="0">
+              <a:solidFill>
+                <a:srgbClr val="000000"/>
+              </a:solidFill>
+              <a:latin typeface="Monaco"/>
+            </a:endParaRPr>
+          </a:p>
+          <a:p>
+            <a:pPr marL="95250" indent="0">
+              <a:buNone/>
+            </a:pPr>
+            <a:r>
+              <a:rPr lang="en-US" sz="1200" dirty="0" smtClean="0">
+                <a:solidFill>
+                  <a:srgbClr val="0000FF"/>
+                </a:solidFill>
+                <a:latin typeface="Monaco"/>
+              </a:rPr>
+              <a:t>&lt;/</a:t>
+            </a:r>
+            <a:r>
+              <a:rPr lang="en-US" sz="1200" dirty="0">
+                <a:solidFill>
+                  <a:srgbClr val="0000FF"/>
+                </a:solidFill>
+                <a:latin typeface="Monaco"/>
+              </a:rPr>
+              <a:t>html&gt;</a:t>
+            </a:r>
+            <a:r>
+              <a:rPr lang="en-US" dirty="0" smtClean="0"/>
+              <a:t/>
+            </a:r>
+            <a:br>
+              <a:rPr lang="en-US" dirty="0" smtClean="0"/>
+            </a:br>
+            <a:endParaRPr lang="en-US" dirty="0"/>
+          </a:p>
+        </p:txBody>
+      </p:sp>
+    </p:spTree>
+    <p:extLst>
+      <p:ext uri="{BB962C8B-B14F-4D97-AF65-F5344CB8AC3E}">
+        <p14:creationId xmlns:p14="http://schemas.microsoft.com/office/powerpoint/2010/main" val="2881551354"/>
+      </p:ext>
+    </p:extLst>
+  </p:cSld>
+  <p:clrMapOvr>
+    <a:masterClrMapping/>
+  </p:clrMapOvr>
+  <p:timing>
+    <p:tnLst>
+      <p:par>
+        <p:cTn id="1" dur="indefinite" restart="never" nodeType="tmRoot"/>
+      </p:par>
+    </p:tnLst>
+  </p:timing>
+</p:sld>
+</file>
+
+<file path=ppt/slides/slide11.xml><?xml version="1.0" encoding="utf-8"?>
+<p:sld xmlns:a="http://schemas.openxmlformats.org/drawingml/2006/main" xmlns:r="http://schemas.openxmlformats.org/officeDocument/2006/relationships" xmlns:p="http://schemas.openxmlformats.org/presentationml/2006/main">
+  <p:cSld>
+    <p:spTree>
+      <p:nvGrpSpPr>
+        <p:cNvPr id="1" name=""/>
+        <p:cNvGrpSpPr/>
+        <p:nvPr/>
+      </p:nvGrpSpPr>
+      <p:grpSpPr>
+        <a:xfrm>
+          <a:off x="0" y="0"/>
+          <a:ext cx="0" cy="0"/>
+          <a:chOff x="0" y="0"/>
+          <a:chExt cx="0" cy="0"/>
+        </a:xfrm>
+      </p:grpSpPr>
+      <p:sp>
+        <p:nvSpPr>
+          <p:cNvPr id="2" name="Title 1"/>
+          <p:cNvSpPr>
+            <a:spLocks noGrp="1"/>
+          </p:cNvSpPr>
+          <p:nvPr>
+            <p:ph type="title"/>
+          </p:nvPr>
+        </p:nvSpPr>
+        <p:spPr>
+          <a:xfrm>
             <a:off x="2743200" y="273844"/>
             <a:ext cx="5772205" cy="640200"/>
           </a:xfrm>
@@ -15430,7 +16024,7 @@
 </p:sld>
 </file>
 
-<file path=ppt/slides/slide11.xml><?xml version="1.0" encoding="utf-8"?>
+<file path=ppt/slides/slide12.xml><?xml version="1.0" encoding="utf-8"?>
 <p:sld xmlns:a="http://schemas.openxmlformats.org/drawingml/2006/main" xmlns:r="http://schemas.openxmlformats.org/officeDocument/2006/relationships" xmlns:p="http://schemas.openxmlformats.org/presentationml/2006/main">
   <p:cSld>
     <p:spTree>
@@ -15936,184 +16530,6 @@
     <p:extLst>
       <p:ext uri="{BB962C8B-B14F-4D97-AF65-F5344CB8AC3E}">
         <p14:creationId xmlns:p14="http://schemas.microsoft.com/office/powerpoint/2010/main" val="1521635283"/>
-      </p:ext>
-    </p:extLst>
-  </p:cSld>
-  <p:clrMapOvr>
-    <a:masterClrMapping/>
-  </p:clrMapOvr>
-  <p:timing>
-    <p:tnLst>
-      <p:par>
-        <p:cTn id="1" dur="indefinite" restart="never" nodeType="tmRoot"/>
-      </p:par>
-    </p:tnLst>
-  </p:timing>
-</p:sld>
-</file>
-
-<file path=ppt/slides/slide12.xml><?xml version="1.0" encoding="utf-8"?>
-<p:sld xmlns:a="http://schemas.openxmlformats.org/drawingml/2006/main" xmlns:r="http://schemas.openxmlformats.org/officeDocument/2006/relationships" xmlns:p="http://schemas.openxmlformats.org/presentationml/2006/main">
-  <p:cSld>
-    <p:spTree>
-      <p:nvGrpSpPr>
-        <p:cNvPr id="1" name=""/>
-        <p:cNvGrpSpPr/>
-        <p:nvPr/>
-      </p:nvGrpSpPr>
-      <p:grpSpPr>
-        <a:xfrm>
-          <a:off x="0" y="0"/>
-          <a:ext cx="0" cy="0"/>
-          <a:chOff x="0" y="0"/>
-          <a:chExt cx="0" cy="0"/>
-        </a:xfrm>
-      </p:grpSpPr>
-      <p:sp>
-        <p:nvSpPr>
-          <p:cNvPr id="2" name="Title 1"/>
-          <p:cNvSpPr>
-            <a:spLocks noGrp="1"/>
-          </p:cNvSpPr>
-          <p:nvPr>
-            <p:ph type="title"/>
-          </p:nvPr>
-        </p:nvSpPr>
-        <p:spPr/>
-        <p:txBody>
-          <a:bodyPr/>
-          <a:lstStyle/>
-          <a:p>
-            <a:r>
-              <a:rPr lang="en-US" dirty="0"/>
-              <a:t>Basic </a:t>
-            </a:r>
-            <a:r>
-              <a:rPr lang="en-US" dirty="0" smtClean="0"/>
-              <a:t>Elements</a:t>
-            </a:r>
-            <a:endParaRPr lang="en-US" dirty="0"/>
-          </a:p>
-        </p:txBody>
-      </p:sp>
-      <p:sp>
-        <p:nvSpPr>
-          <p:cNvPr id="3" name="Text Placeholder 2"/>
-          <p:cNvSpPr>
-            <a:spLocks noGrp="1"/>
-          </p:cNvSpPr>
-          <p:nvPr>
-            <p:ph type="body" idx="1"/>
-          </p:nvPr>
-        </p:nvSpPr>
-        <p:spPr>
-          <a:xfrm>
-            <a:off x="628705" y="1200150"/>
-            <a:ext cx="7886700" cy="3774281"/>
-          </a:xfrm>
-        </p:spPr>
-        <p:txBody>
-          <a:bodyPr/>
-          <a:lstStyle/>
-          <a:p>
-            <a:r>
-              <a:rPr lang="en-US" dirty="0"/>
-              <a:t>A text header, denoted using the &lt;h1&gt;, &lt;h2&gt;, &lt;h3&gt;, &lt;h4&gt;, &lt;h5&gt;, &lt;h6&gt; tags.</a:t>
-            </a:r>
-          </a:p>
-          <a:p>
-            <a:r>
-              <a:rPr lang="en-US" dirty="0"/>
-              <a:t>A paragraph, denoted using the &lt;p&gt; tag.</a:t>
-            </a:r>
-          </a:p>
-          <a:p>
-            <a:r>
-              <a:rPr lang="en-US" dirty="0"/>
-              <a:t>A horizontal ruler, denoted using the &lt;</a:t>
-            </a:r>
-            <a:r>
-              <a:rPr lang="en-US" dirty="0" err="1"/>
-              <a:t>hr</a:t>
-            </a:r>
-            <a:r>
-              <a:rPr lang="en-US" dirty="0"/>
-              <a:t>&gt; tag.</a:t>
-            </a:r>
-          </a:p>
-          <a:p>
-            <a:r>
-              <a:rPr lang="en-US" dirty="0"/>
-              <a:t>A link, denoted using the &lt;a&gt; (anchor) tag.</a:t>
-            </a:r>
-          </a:p>
-          <a:p>
-            <a:r>
-              <a:rPr lang="en-US" dirty="0"/>
-              <a:t>A list, denoted using the &lt;</a:t>
-            </a:r>
-            <a:r>
-              <a:rPr lang="en-US" dirty="0" err="1"/>
-              <a:t>ul</a:t>
-            </a:r>
-            <a:r>
-              <a:rPr lang="en-US" dirty="0"/>
-              <a:t>&gt; (unordered list), &lt;</a:t>
-            </a:r>
-            <a:r>
-              <a:rPr lang="en-US" dirty="0" err="1"/>
-              <a:t>ol</a:t>
-            </a:r>
-            <a:r>
-              <a:rPr lang="en-US" dirty="0"/>
-              <a:t>&gt; (ordered list) and &lt;li&gt; (list element) tags.</a:t>
-            </a:r>
-          </a:p>
-          <a:p>
-            <a:r>
-              <a:rPr lang="en-US" dirty="0"/>
-              <a:t>An image, denoted using the &lt;</a:t>
-            </a:r>
-            <a:r>
-              <a:rPr lang="en-US" dirty="0" err="1"/>
-              <a:t>img</a:t>
-            </a:r>
-            <a:r>
-              <a:rPr lang="en-US" dirty="0"/>
-              <a:t>&gt; tag</a:t>
-            </a:r>
-          </a:p>
-          <a:p>
-            <a:r>
-              <a:rPr lang="en-US" dirty="0"/>
-              <a:t>A divider, denoted using the &lt;div&gt; tag</a:t>
-            </a:r>
-          </a:p>
-          <a:p>
-            <a:r>
-              <a:rPr lang="en-US" dirty="0"/>
-              <a:t>A text span, denoted using the &lt;span&gt; tag</a:t>
-            </a:r>
-          </a:p>
-          <a:p>
-            <a:pPr marL="95250" indent="0">
-              <a:buNone/>
-            </a:pPr>
-            <a:r>
-              <a:rPr lang="en-US" dirty="0"/>
-              <a:t/>
-            </a:r>
-            <a:br>
-              <a:rPr lang="en-US" dirty="0"/>
-            </a:br>
-            <a:endParaRPr lang="en-US" dirty="0"/>
-          </a:p>
-        </p:txBody>
-      </p:sp>
-    </p:spTree>
-    <p:extLst>
-      <p:ext uri="{BB962C8B-B14F-4D97-AF65-F5344CB8AC3E}">
-        <p14:creationId xmlns:p14="http://schemas.microsoft.com/office/powerpoint/2010/main" val="3826549168"/>
       </p:ext>
     </p:extLst>
   </p:cSld>
@@ -16170,10 +16586,6 @@
               <a:rPr lang="en-US" dirty="0" smtClean="0"/>
               <a:t>Elements</a:t>
             </a:r>
-            <a:r>
-              <a:rPr lang="vi-VN" dirty="0" smtClean="0"/>
-              <a:t> (d)</a:t>
-            </a:r>
             <a:endParaRPr lang="en-US" dirty="0"/>
           </a:p>
         </p:txBody>
@@ -16188,38 +16600,106 @@
             <p:ph type="body" idx="1"/>
           </p:nvPr>
         </p:nvSpPr>
-        <p:spPr/>
+        <p:spPr>
+          <a:xfrm>
+            <a:off x="628705" y="1200150"/>
+            <a:ext cx="7886700" cy="3774281"/>
+          </a:xfrm>
+        </p:spPr>
         <p:txBody>
           <a:bodyPr/>
           <a:lstStyle/>
           <a:p>
             <a:r>
               <a:rPr lang="en-US" dirty="0"/>
-              <a:t>Each element can also have attributes - each element has a different set of attributes relevant to the element. There are a few global elements, the most common of them are:</a:t>
-            </a:r>
-          </a:p>
-          <a:p>
-            <a:pPr lvl="1" fontAlgn="base"/>
+              <a:t>A text header, denoted using the &lt;h1&gt;, &lt;h2&gt;, &lt;h3&gt;, &lt;h4&gt;, &lt;h5&gt;, &lt;h6&gt; tags.</a:t>
+            </a:r>
+          </a:p>
+          <a:p>
             <a:r>
               <a:rPr lang="en-US" dirty="0"/>
-              <a:t>id - Denotes the unique ID of an element in a page. Used for locating elements by using links, JavaScript, and more.</a:t>
-            </a:r>
-          </a:p>
-          <a:p>
-            <a:pPr lvl="1" fontAlgn="base"/>
+              <a:t>A paragraph, denoted using the &lt;p&gt; tag.</a:t>
+            </a:r>
+          </a:p>
+          <a:p>
             <a:r>
               <a:rPr lang="en-US" dirty="0"/>
-              <a:t>class - Denotes the CSS class of an element. </a:t>
-            </a:r>
-          </a:p>
-          <a:p>
-            <a:pPr lvl="1" fontAlgn="base"/>
+              <a:t>A horizontal ruler, denoted using the &lt;</a:t>
+            </a:r>
+            <a:r>
+              <a:rPr lang="en-US" dirty="0" err="1"/>
+              <a:t>hr</a:t>
+            </a:r>
             <a:r>
               <a:rPr lang="en-US" dirty="0"/>
-              <a:t>style - Denotes the CSS styles to apply to an element. </a:t>
-            </a:r>
-          </a:p>
-          <a:p>
+              <a:t>&gt; tag.</a:t>
+            </a:r>
+          </a:p>
+          <a:p>
+            <a:r>
+              <a:rPr lang="en-US" dirty="0"/>
+              <a:t>A link, denoted using the &lt;a&gt; (anchor) tag.</a:t>
+            </a:r>
+          </a:p>
+          <a:p>
+            <a:r>
+              <a:rPr lang="en-US" dirty="0"/>
+              <a:t>A list, denoted using the &lt;</a:t>
+            </a:r>
+            <a:r>
+              <a:rPr lang="en-US" dirty="0" err="1"/>
+              <a:t>ul</a:t>
+            </a:r>
+            <a:r>
+              <a:rPr lang="en-US" dirty="0"/>
+              <a:t>&gt; (unordered list), &lt;</a:t>
+            </a:r>
+            <a:r>
+              <a:rPr lang="en-US" dirty="0" err="1"/>
+              <a:t>ol</a:t>
+            </a:r>
+            <a:r>
+              <a:rPr lang="en-US" dirty="0"/>
+              <a:t>&gt; (ordered list) and &lt;li&gt; (list element) tags.</a:t>
+            </a:r>
+          </a:p>
+          <a:p>
+            <a:r>
+              <a:rPr lang="en-US" dirty="0"/>
+              <a:t>An image, denoted using the &lt;</a:t>
+            </a:r>
+            <a:r>
+              <a:rPr lang="en-US" dirty="0" err="1"/>
+              <a:t>img</a:t>
+            </a:r>
+            <a:r>
+              <a:rPr lang="en-US" dirty="0"/>
+              <a:t>&gt; tag</a:t>
+            </a:r>
+          </a:p>
+          <a:p>
+            <a:r>
+              <a:rPr lang="en-US" dirty="0"/>
+              <a:t>A divider, denoted using the &lt;div&gt; tag</a:t>
+            </a:r>
+          </a:p>
+          <a:p>
+            <a:r>
+              <a:rPr lang="en-US" dirty="0"/>
+              <a:t>A text span, denoted using the &lt;span&gt; tag</a:t>
+            </a:r>
+          </a:p>
+          <a:p>
+            <a:pPr marL="95250" indent="0">
+              <a:buNone/>
+            </a:pPr>
+            <a:r>
+              <a:rPr lang="en-US" dirty="0"/>
+              <a:t/>
+            </a:r>
+            <a:br>
+              <a:rPr lang="en-US" dirty="0"/>
+            </a:br>
             <a:endParaRPr lang="en-US" dirty="0"/>
           </a:p>
         </p:txBody>
@@ -16227,7 +16707,7 @@
     </p:spTree>
     <p:extLst>
       <p:ext uri="{BB962C8B-B14F-4D97-AF65-F5344CB8AC3E}">
-        <p14:creationId xmlns:p14="http://schemas.microsoft.com/office/powerpoint/2010/main" val="1744164550"/>
+        <p14:creationId xmlns:p14="http://schemas.microsoft.com/office/powerpoint/2010/main" val="3826549168"/>
       </p:ext>
     </p:extLst>
   </p:cSld>
@@ -16278,11 +16758,15 @@
           <a:p>
             <a:r>
               <a:rPr lang="en-US" dirty="0"/>
-              <a:t>Links, Lists, </a:t>
+              <a:t>Basic </a:t>
             </a:r>
             <a:r>
               <a:rPr lang="en-US" dirty="0" smtClean="0"/>
-              <a:t>Images</a:t>
+              <a:t>Elements</a:t>
+            </a:r>
+            <a:r>
+              <a:rPr lang="vi-VN" dirty="0" smtClean="0"/>
+              <a:t> (d)</a:t>
             </a:r>
             <a:endParaRPr lang="en-US" dirty="0"/>
           </a:p>
@@ -16305,255 +16789,31 @@
           <a:p>
             <a:r>
               <a:rPr lang="en-US" dirty="0"/>
-              <a:t>A link ("anchor") is a small span of text that will direct you to a different section in the page, or to a different page. </a:t>
-            </a:r>
-          </a:p>
-          <a:p>
-            <a:pPr>
-              <a:spcBef>
-                <a:spcPts val="500"/>
-              </a:spcBef>
-              <a:spcAft>
-                <a:spcPts val="500"/>
-              </a:spcAft>
-            </a:pPr>
-            <a:r>
-              <a:rPr lang="en-US" sz="1600" dirty="0">
-                <a:solidFill>
-                  <a:srgbClr val="999999"/>
-                </a:solidFill>
-                <a:latin typeface="Courier New" panose="02070309020205020404" pitchFamily="49" charset="0"/>
-              </a:rPr>
-              <a:t>&lt;</a:t>
-            </a:r>
-            <a:r>
-              <a:rPr lang="en-US" sz="1600" dirty="0">
-                <a:solidFill>
-                  <a:srgbClr val="990055"/>
-                </a:solidFill>
-                <a:latin typeface="Courier New" panose="02070309020205020404" pitchFamily="49" charset="0"/>
-              </a:rPr>
-              <a:t>a </a:t>
-            </a:r>
-            <a:r>
-              <a:rPr lang="en-US" sz="1600" dirty="0" err="1">
-                <a:solidFill>
-                  <a:srgbClr val="669900"/>
-                </a:solidFill>
-                <a:latin typeface="Courier New" panose="02070309020205020404" pitchFamily="49" charset="0"/>
-              </a:rPr>
-              <a:t>href</a:t>
-            </a:r>
-            <a:r>
-              <a:rPr lang="en-US" sz="1600" dirty="0">
-                <a:solidFill>
-                  <a:srgbClr val="999999"/>
-                </a:solidFill>
-                <a:latin typeface="Courier New" panose="02070309020205020404" pitchFamily="49" charset="0"/>
-              </a:rPr>
-              <a:t>="</a:t>
-            </a:r>
-            <a:r>
-              <a:rPr lang="en-US" sz="1600" dirty="0">
-                <a:solidFill>
-                  <a:srgbClr val="0077AA"/>
-                </a:solidFill>
-                <a:latin typeface="Courier New" panose="02070309020205020404" pitchFamily="49" charset="0"/>
-              </a:rPr>
-              <a:t>https://www.google.com</a:t>
-            </a:r>
-            <a:r>
-              <a:rPr lang="en-US" sz="1600" dirty="0">
-                <a:solidFill>
-                  <a:srgbClr val="999999"/>
-                </a:solidFill>
-                <a:latin typeface="Courier New" panose="02070309020205020404" pitchFamily="49" charset="0"/>
-              </a:rPr>
-              <a:t>"&gt;</a:t>
-            </a:r>
-            <a:r>
-              <a:rPr lang="en-US" sz="1600" dirty="0">
-                <a:solidFill>
-                  <a:srgbClr val="212529"/>
-                </a:solidFill>
-                <a:latin typeface="Courier New" panose="02070309020205020404" pitchFamily="49" charset="0"/>
-              </a:rPr>
-              <a:t>A link to Google</a:t>
-            </a:r>
-            <a:r>
-              <a:rPr lang="en-US" sz="1600" dirty="0">
-                <a:solidFill>
-                  <a:srgbClr val="999999"/>
-                </a:solidFill>
-                <a:latin typeface="Courier New" panose="02070309020205020404" pitchFamily="49" charset="0"/>
-              </a:rPr>
-              <a:t>&lt;/</a:t>
-            </a:r>
-            <a:r>
-              <a:rPr lang="en-US" sz="1600" dirty="0">
-                <a:solidFill>
-                  <a:srgbClr val="990055"/>
-                </a:solidFill>
-                <a:latin typeface="Courier New" panose="02070309020205020404" pitchFamily="49" charset="0"/>
-              </a:rPr>
-              <a:t>a</a:t>
-            </a:r>
-            <a:r>
-              <a:rPr lang="en-US" sz="1600" dirty="0">
-                <a:solidFill>
-                  <a:srgbClr val="999999"/>
-                </a:solidFill>
-                <a:latin typeface="Courier New" panose="02070309020205020404" pitchFamily="49" charset="0"/>
-              </a:rPr>
-              <a:t>&gt;</a:t>
-            </a:r>
-            <a:endParaRPr lang="en-US" sz="1600" dirty="0"/>
-          </a:p>
-          <a:p>
+              <a:t>Each element can also have attributes - each element has a different set of attributes relevant to the element. There are a few global elements, the most common of them are:</a:t>
+            </a:r>
+          </a:p>
+          <a:p>
+            <a:pPr lvl="1" fontAlgn="base"/>
             <a:r>
               <a:rPr lang="en-US" dirty="0"/>
-              <a:t>To create a link to a different section in the same page, you will need to use a hash sign along with the element ID to where you would like the browser to jump to. For example:</a:t>
-            </a:r>
-          </a:p>
-          <a:p>
-            <a:pPr>
-              <a:spcBef>
-                <a:spcPts val="500"/>
-              </a:spcBef>
-              <a:spcAft>
-                <a:spcPts val="500"/>
-              </a:spcAft>
-            </a:pPr>
-            <a:r>
-              <a:rPr lang="en-US" sz="1600" dirty="0">
-                <a:solidFill>
-                  <a:srgbClr val="999999"/>
-                </a:solidFill>
-                <a:latin typeface="Courier New" panose="02070309020205020404" pitchFamily="49" charset="0"/>
-              </a:rPr>
-              <a:t>&lt;</a:t>
-            </a:r>
-            <a:r>
-              <a:rPr lang="en-US" sz="1600" dirty="0">
-                <a:solidFill>
-                  <a:srgbClr val="990055"/>
-                </a:solidFill>
-                <a:latin typeface="Courier New" panose="02070309020205020404" pitchFamily="49" charset="0"/>
-              </a:rPr>
-              <a:t>a </a:t>
-            </a:r>
-            <a:r>
-              <a:rPr lang="en-US" sz="1600" dirty="0" err="1">
-                <a:solidFill>
-                  <a:srgbClr val="669900"/>
-                </a:solidFill>
-                <a:latin typeface="Courier New" panose="02070309020205020404" pitchFamily="49" charset="0"/>
-              </a:rPr>
-              <a:t>href</a:t>
-            </a:r>
-            <a:r>
-              <a:rPr lang="en-US" sz="1600" dirty="0">
-                <a:solidFill>
-                  <a:srgbClr val="999999"/>
-                </a:solidFill>
-                <a:latin typeface="Courier New" panose="02070309020205020404" pitchFamily="49" charset="0"/>
-              </a:rPr>
-              <a:t>="</a:t>
-            </a:r>
-            <a:r>
-              <a:rPr lang="en-US" sz="1600" dirty="0">
-                <a:solidFill>
-                  <a:srgbClr val="0077AA"/>
-                </a:solidFill>
-                <a:latin typeface="Courier New" panose="02070309020205020404" pitchFamily="49" charset="0"/>
-              </a:rPr>
-              <a:t>#</a:t>
-            </a:r>
-            <a:r>
-              <a:rPr lang="en-US" sz="1600" dirty="0" err="1">
-                <a:solidFill>
-                  <a:srgbClr val="0077AA"/>
-                </a:solidFill>
-                <a:latin typeface="Courier New" panose="02070309020205020404" pitchFamily="49" charset="0"/>
-              </a:rPr>
-              <a:t>faq</a:t>
-            </a:r>
-            <a:r>
-              <a:rPr lang="en-US" sz="1600" dirty="0">
-                <a:solidFill>
-                  <a:srgbClr val="999999"/>
-                </a:solidFill>
-                <a:latin typeface="Courier New" panose="02070309020205020404" pitchFamily="49" charset="0"/>
-              </a:rPr>
-              <a:t>"&gt;</a:t>
-            </a:r>
-            <a:r>
-              <a:rPr lang="en-US" sz="1600" dirty="0">
-                <a:solidFill>
-                  <a:srgbClr val="212529"/>
-                </a:solidFill>
-                <a:latin typeface="Courier New" panose="02070309020205020404" pitchFamily="49" charset="0"/>
-              </a:rPr>
-              <a:t>Click here to read the Frequently Asked Questions</a:t>
-            </a:r>
-            <a:r>
-              <a:rPr lang="en-US" sz="1600" dirty="0">
-                <a:solidFill>
-                  <a:srgbClr val="999999"/>
-                </a:solidFill>
-                <a:latin typeface="Courier New" panose="02070309020205020404" pitchFamily="49" charset="0"/>
-              </a:rPr>
-              <a:t>&lt;/</a:t>
-            </a:r>
-            <a:r>
-              <a:rPr lang="en-US" sz="1600" dirty="0">
-                <a:solidFill>
-                  <a:srgbClr val="990055"/>
-                </a:solidFill>
-                <a:latin typeface="Courier New" panose="02070309020205020404" pitchFamily="49" charset="0"/>
-              </a:rPr>
-              <a:t>p</a:t>
-            </a:r>
-            <a:r>
-              <a:rPr lang="en-US" sz="1600" dirty="0">
-                <a:solidFill>
-                  <a:srgbClr val="999999"/>
-                </a:solidFill>
-                <a:latin typeface="Courier New" panose="02070309020205020404" pitchFamily="49" charset="0"/>
-              </a:rPr>
-              <a:t>&gt;</a:t>
-            </a:r>
-            <a:endParaRPr lang="en-US" sz="1600" dirty="0"/>
-          </a:p>
-          <a:p>
+              <a:t>id - Denotes the unique ID of an element in a page. Used for locating elements by using links, JavaScript, and more.</a:t>
+            </a:r>
+          </a:p>
+          <a:p>
+            <a:pPr lvl="1" fontAlgn="base"/>
             <a:r>
               <a:rPr lang="en-US" dirty="0"/>
-              <a:t/>
-            </a:r>
-            <a:br>
+              <a:t>class - Denotes the CSS class of an element. </a:t>
+            </a:r>
+          </a:p>
+          <a:p>
+            <a:pPr lvl="1" fontAlgn="base"/>
+            <a:r>
               <a:rPr lang="en-US" dirty="0"/>
-            </a:br>
-            <a:r>
-              <a:rPr lang="en-US" dirty="0"/>
-              <a:t/>
-            </a:r>
-            <a:br>
-              <a:rPr lang="en-US" dirty="0"/>
-            </a:br>
-            <a:r>
-              <a:rPr lang="en-US" dirty="0"/>
-              <a:t/>
-            </a:r>
-            <a:br>
-              <a:rPr lang="en-US" dirty="0"/>
-            </a:br>
-            <a:r>
-              <a:rPr lang="en-US" dirty="0"/>
-              <a:t/>
-            </a:r>
-            <a:br>
-              <a:rPr lang="en-US" dirty="0"/>
-            </a:br>
+              <a:t>style - Denotes the CSS styles to apply to an element. </a:t>
+            </a:r>
+          </a:p>
+          <a:p>
             <a:endParaRPr lang="en-US" dirty="0"/>
           </a:p>
         </p:txBody>
@@ -16561,7 +16821,7 @@
     </p:spTree>
     <p:extLst>
       <p:ext uri="{BB962C8B-B14F-4D97-AF65-F5344CB8AC3E}">
-        <p14:creationId xmlns:p14="http://schemas.microsoft.com/office/powerpoint/2010/main" val="322123634"/>
+        <p14:creationId xmlns:p14="http://schemas.microsoft.com/office/powerpoint/2010/main" val="1744164550"/>
       </p:ext>
     </p:extLst>
   </p:cSld>
@@ -16618,10 +16878,6 @@
               <a:rPr lang="en-US" dirty="0" smtClean="0"/>
               <a:t>Images</a:t>
             </a:r>
-            <a:r>
-              <a:rPr lang="vi-VN" dirty="0" smtClean="0"/>
-              <a:t> (d)</a:t>
-            </a:r>
             <a:endParaRPr lang="en-US" dirty="0"/>
           </a:p>
         </p:txBody>
@@ -16643,167 +16899,234 @@
           <a:p>
             <a:r>
               <a:rPr lang="en-US" dirty="0"/>
-              <a:t> To add an image, use the &lt;</a:t>
-            </a:r>
-            <a:r>
-              <a:rPr lang="en-US" dirty="0" err="1"/>
-              <a:t>img</a:t>
-            </a:r>
+              <a:t>A link ("anchor") is a small span of text that will direct you to a different section in the page, or to a different page. </a:t>
+            </a:r>
+          </a:p>
+          <a:p>
+            <a:pPr>
+              <a:spcBef>
+                <a:spcPts val="500"/>
+              </a:spcBef>
+              <a:spcAft>
+                <a:spcPts val="500"/>
+              </a:spcAft>
+            </a:pPr>
+            <a:r>
+              <a:rPr lang="en-US" sz="1600" dirty="0">
+                <a:solidFill>
+                  <a:srgbClr val="999999"/>
+                </a:solidFill>
+                <a:latin typeface="Courier New" panose="02070309020205020404" pitchFamily="49" charset="0"/>
+              </a:rPr>
+              <a:t>&lt;</a:t>
+            </a:r>
+            <a:r>
+              <a:rPr lang="en-US" sz="1600" dirty="0">
+                <a:solidFill>
+                  <a:srgbClr val="990055"/>
+                </a:solidFill>
+                <a:latin typeface="Courier New" panose="02070309020205020404" pitchFamily="49" charset="0"/>
+              </a:rPr>
+              <a:t>a </a:t>
+            </a:r>
+            <a:r>
+              <a:rPr lang="en-US" sz="1600" dirty="0" err="1">
+                <a:solidFill>
+                  <a:srgbClr val="669900"/>
+                </a:solidFill>
+                <a:latin typeface="Courier New" panose="02070309020205020404" pitchFamily="49" charset="0"/>
+              </a:rPr>
+              <a:t>href</a:t>
+            </a:r>
+            <a:r>
+              <a:rPr lang="en-US" sz="1600" dirty="0">
+                <a:solidFill>
+                  <a:srgbClr val="999999"/>
+                </a:solidFill>
+                <a:latin typeface="Courier New" panose="02070309020205020404" pitchFamily="49" charset="0"/>
+              </a:rPr>
+              <a:t>="</a:t>
+            </a:r>
+            <a:r>
+              <a:rPr lang="en-US" sz="1600" dirty="0">
+                <a:solidFill>
+                  <a:srgbClr val="0077AA"/>
+                </a:solidFill>
+                <a:latin typeface="Courier New" panose="02070309020205020404" pitchFamily="49" charset="0"/>
+              </a:rPr>
+              <a:t>https://www.google.com</a:t>
+            </a:r>
+            <a:r>
+              <a:rPr lang="en-US" sz="1600" dirty="0">
+                <a:solidFill>
+                  <a:srgbClr val="999999"/>
+                </a:solidFill>
+                <a:latin typeface="Courier New" panose="02070309020205020404" pitchFamily="49" charset="0"/>
+              </a:rPr>
+              <a:t>"&gt;</a:t>
+            </a:r>
+            <a:r>
+              <a:rPr lang="en-US" sz="1600" dirty="0">
+                <a:solidFill>
+                  <a:srgbClr val="212529"/>
+                </a:solidFill>
+                <a:latin typeface="Courier New" panose="02070309020205020404" pitchFamily="49" charset="0"/>
+              </a:rPr>
+              <a:t>A link to Google</a:t>
+            </a:r>
+            <a:r>
+              <a:rPr lang="en-US" sz="1600" dirty="0">
+                <a:solidFill>
+                  <a:srgbClr val="999999"/>
+                </a:solidFill>
+                <a:latin typeface="Courier New" panose="02070309020205020404" pitchFamily="49" charset="0"/>
+              </a:rPr>
+              <a:t>&lt;/</a:t>
+            </a:r>
+            <a:r>
+              <a:rPr lang="en-US" sz="1600" dirty="0">
+                <a:solidFill>
+                  <a:srgbClr val="990055"/>
+                </a:solidFill>
+                <a:latin typeface="Courier New" panose="02070309020205020404" pitchFamily="49" charset="0"/>
+              </a:rPr>
+              <a:t>a</a:t>
+            </a:r>
+            <a:r>
+              <a:rPr lang="en-US" sz="1600" dirty="0">
+                <a:solidFill>
+                  <a:srgbClr val="999999"/>
+                </a:solidFill>
+                <a:latin typeface="Courier New" panose="02070309020205020404" pitchFamily="49" charset="0"/>
+              </a:rPr>
+              <a:t>&gt;</a:t>
+            </a:r>
+            <a:endParaRPr lang="en-US" sz="1600" dirty="0"/>
+          </a:p>
+          <a:p>
             <a:r>
               <a:rPr lang="en-US" dirty="0"/>
-              <a:t>&gt; tag along with the </a:t>
-            </a:r>
-            <a:r>
-              <a:rPr lang="en-US" dirty="0" err="1"/>
-              <a:t>src</a:t>
-            </a:r>
+              <a:t>To create a link to a different section in the same page, you will need to use a hash sign along with the element ID to where you would like the browser to jump to. For example:</a:t>
+            </a:r>
+          </a:p>
+          <a:p>
+            <a:pPr>
+              <a:spcBef>
+                <a:spcPts val="500"/>
+              </a:spcBef>
+              <a:spcAft>
+                <a:spcPts val="500"/>
+              </a:spcAft>
+            </a:pPr>
+            <a:r>
+              <a:rPr lang="en-US" sz="1600" dirty="0">
+                <a:solidFill>
+                  <a:srgbClr val="999999"/>
+                </a:solidFill>
+                <a:latin typeface="Courier New" panose="02070309020205020404" pitchFamily="49" charset="0"/>
+              </a:rPr>
+              <a:t>&lt;</a:t>
+            </a:r>
+            <a:r>
+              <a:rPr lang="en-US" sz="1600" dirty="0">
+                <a:solidFill>
+                  <a:srgbClr val="990055"/>
+                </a:solidFill>
+                <a:latin typeface="Courier New" panose="02070309020205020404" pitchFamily="49" charset="0"/>
+              </a:rPr>
+              <a:t>a </a:t>
+            </a:r>
+            <a:r>
+              <a:rPr lang="en-US" sz="1600" dirty="0" err="1">
+                <a:solidFill>
+                  <a:srgbClr val="669900"/>
+                </a:solidFill>
+                <a:latin typeface="Courier New" panose="02070309020205020404" pitchFamily="49" charset="0"/>
+              </a:rPr>
+              <a:t>href</a:t>
+            </a:r>
+            <a:r>
+              <a:rPr lang="en-US" sz="1600" dirty="0">
+                <a:solidFill>
+                  <a:srgbClr val="999999"/>
+                </a:solidFill>
+                <a:latin typeface="Courier New" panose="02070309020205020404" pitchFamily="49" charset="0"/>
+              </a:rPr>
+              <a:t>="</a:t>
+            </a:r>
+            <a:r>
+              <a:rPr lang="en-US" sz="1600" dirty="0">
+                <a:solidFill>
+                  <a:srgbClr val="0077AA"/>
+                </a:solidFill>
+                <a:latin typeface="Courier New" panose="02070309020205020404" pitchFamily="49" charset="0"/>
+              </a:rPr>
+              <a:t>#</a:t>
+            </a:r>
+            <a:r>
+              <a:rPr lang="en-US" sz="1600" dirty="0" err="1">
+                <a:solidFill>
+                  <a:srgbClr val="0077AA"/>
+                </a:solidFill>
+                <a:latin typeface="Courier New" panose="02070309020205020404" pitchFamily="49" charset="0"/>
+              </a:rPr>
+              <a:t>faq</a:t>
+            </a:r>
+            <a:r>
+              <a:rPr lang="en-US" sz="1600" dirty="0">
+                <a:solidFill>
+                  <a:srgbClr val="999999"/>
+                </a:solidFill>
+                <a:latin typeface="Courier New" panose="02070309020205020404" pitchFamily="49" charset="0"/>
+              </a:rPr>
+              <a:t>"&gt;</a:t>
+            </a:r>
+            <a:r>
+              <a:rPr lang="en-US" sz="1600" dirty="0">
+                <a:solidFill>
+                  <a:srgbClr val="212529"/>
+                </a:solidFill>
+                <a:latin typeface="Courier New" panose="02070309020205020404" pitchFamily="49" charset="0"/>
+              </a:rPr>
+              <a:t>Click here to read the Frequently Asked Questions</a:t>
+            </a:r>
+            <a:r>
+              <a:rPr lang="en-US" sz="1600" dirty="0">
+                <a:solidFill>
+                  <a:srgbClr val="999999"/>
+                </a:solidFill>
+                <a:latin typeface="Courier New" panose="02070309020205020404" pitchFamily="49" charset="0"/>
+              </a:rPr>
+              <a:t>&lt;/</a:t>
+            </a:r>
+            <a:r>
+              <a:rPr lang="en-US" sz="1600" dirty="0">
+                <a:solidFill>
+                  <a:srgbClr val="990055"/>
+                </a:solidFill>
+                <a:latin typeface="Courier New" panose="02070309020205020404" pitchFamily="49" charset="0"/>
+              </a:rPr>
+              <a:t>p</a:t>
+            </a:r>
+            <a:r>
+              <a:rPr lang="en-US" sz="1600" dirty="0">
+                <a:solidFill>
+                  <a:srgbClr val="999999"/>
+                </a:solidFill>
+                <a:latin typeface="Courier New" panose="02070309020205020404" pitchFamily="49" charset="0"/>
+              </a:rPr>
+              <a:t>&gt;</a:t>
+            </a:r>
+            <a:endParaRPr lang="en-US" sz="1600" dirty="0"/>
+          </a:p>
+          <a:p>
             <a:r>
               <a:rPr lang="en-US" dirty="0"/>
-              <a:t> attribute to specify the location of the image</a:t>
-            </a:r>
-            <a:r>
-              <a:rPr lang="en-US" dirty="0" smtClean="0"/>
-              <a:t>.</a:t>
-            </a:r>
-            <a:endParaRPr lang="vi-VN" dirty="0" smtClean="0"/>
-          </a:p>
-          <a:p>
-            <a:pPr lvl="1"/>
-            <a:r>
-              <a:rPr lang="en-US" dirty="0" smtClean="0"/>
-              <a:t> </a:t>
-            </a:r>
-            <a:r>
-              <a:rPr lang="en-US" dirty="0" smtClean="0">
-                <a:solidFill>
-                  <a:srgbClr val="999999"/>
-                </a:solidFill>
-                <a:latin typeface="Courier New" panose="02070309020205020404" pitchFamily="49" charset="0"/>
-              </a:rPr>
-              <a:t>&lt;</a:t>
-            </a:r>
-            <a:r>
-              <a:rPr lang="en-US" dirty="0" err="1" smtClean="0">
-                <a:solidFill>
-                  <a:srgbClr val="990055"/>
-                </a:solidFill>
-                <a:latin typeface="Courier New" panose="02070309020205020404" pitchFamily="49" charset="0"/>
-              </a:rPr>
-              <a:t>img</a:t>
-            </a:r>
-            <a:r>
-              <a:rPr lang="en-US" dirty="0" smtClean="0">
-                <a:solidFill>
-                  <a:srgbClr val="990055"/>
-                </a:solidFill>
-                <a:latin typeface="Courier New" panose="02070309020205020404" pitchFamily="49" charset="0"/>
-              </a:rPr>
-              <a:t> </a:t>
-            </a:r>
-            <a:r>
-              <a:rPr lang="en-US" dirty="0" err="1" smtClean="0">
-                <a:solidFill>
-                  <a:srgbClr val="669900"/>
-                </a:solidFill>
-                <a:latin typeface="Courier New" panose="02070309020205020404" pitchFamily="49" charset="0"/>
-              </a:rPr>
-              <a:t>src</a:t>
-            </a:r>
-            <a:r>
-              <a:rPr lang="en-US" dirty="0" smtClean="0">
-                <a:solidFill>
-                  <a:srgbClr val="999999"/>
-                </a:solidFill>
-                <a:latin typeface="Courier New" panose="02070309020205020404" pitchFamily="49" charset="0"/>
-              </a:rPr>
-              <a:t>="</a:t>
-            </a:r>
-            <a:r>
-              <a:rPr lang="en-US" dirty="0" smtClean="0">
-                <a:solidFill>
-                  <a:srgbClr val="0077AA"/>
-                </a:solidFill>
-                <a:latin typeface="Courier New" panose="02070309020205020404" pitchFamily="49" charset="0"/>
-              </a:rPr>
-              <a:t>/static/</a:t>
-            </a:r>
-            <a:r>
-              <a:rPr lang="en-US" dirty="0" err="1" smtClean="0">
-                <a:solidFill>
-                  <a:srgbClr val="0077AA"/>
-                </a:solidFill>
-                <a:latin typeface="Courier New" panose="02070309020205020404" pitchFamily="49" charset="0"/>
-              </a:rPr>
-              <a:t>img</a:t>
-            </a:r>
-            <a:r>
-              <a:rPr lang="en-US" dirty="0" smtClean="0">
-                <a:solidFill>
-                  <a:srgbClr val="0077AA"/>
-                </a:solidFill>
-                <a:latin typeface="Courier New" panose="02070309020205020404" pitchFamily="49" charset="0"/>
-              </a:rPr>
-              <a:t>/code.jpg</a:t>
-            </a:r>
-            <a:r>
-              <a:rPr lang="en-US" dirty="0" smtClean="0">
-                <a:solidFill>
-                  <a:srgbClr val="999999"/>
-                </a:solidFill>
-                <a:latin typeface="Courier New" panose="02070309020205020404" pitchFamily="49" charset="0"/>
-              </a:rPr>
-              <a:t>"&gt;</a:t>
-            </a:r>
-            <a:endParaRPr lang="en-US" dirty="0"/>
-          </a:p>
-          <a:p>
-            <a:r>
+              <a:t/>
+            </a:r>
+            <a:br>
               <a:rPr lang="en-US" dirty="0"/>
-              <a:t>Ordered lists</a:t>
-            </a:r>
-            <a:endParaRPr lang="en-US" b="1" dirty="0"/>
-          </a:p>
-          <a:p>
-            <a:pPr marL="95250" indent="0">
-              <a:buNone/>
-            </a:pPr>
-            <a:r>
-              <a:rPr lang="en-US" dirty="0"/>
-              <a:t>To change the list style attributes, we can use the CSS attribute called list-style-type. The available types are:</a:t>
-            </a:r>
-          </a:p>
-          <a:p>
-            <a:pPr lvl="1" fontAlgn="base"/>
-            <a:r>
-              <a:rPr lang="en-US" dirty="0"/>
-              <a:t>disc</a:t>
-            </a:r>
-          </a:p>
-          <a:p>
-            <a:pPr lvl="1" fontAlgn="base"/>
-            <a:r>
-              <a:rPr lang="en-US" dirty="0"/>
-              <a:t>circle</a:t>
-            </a:r>
-          </a:p>
-          <a:p>
-            <a:pPr lvl="1" fontAlgn="base"/>
-            <a:r>
-              <a:rPr lang="en-US" dirty="0"/>
-              <a:t>square</a:t>
-            </a:r>
-          </a:p>
-          <a:p>
-            <a:pPr lvl="1" fontAlgn="base"/>
-            <a:r>
-              <a:rPr lang="en-US" dirty="0"/>
-              <a:t>none</a:t>
-            </a:r>
-          </a:p>
-          <a:p>
-            <a:pPr marL="95250" indent="0">
-              <a:buNone/>
-            </a:pPr>
+            </a:br>
             <a:r>
               <a:rPr lang="en-US" dirty="0"/>
               <a:t/>
@@ -16832,7 +17155,7 @@
     </p:spTree>
     <p:extLst>
       <p:ext uri="{BB962C8B-B14F-4D97-AF65-F5344CB8AC3E}">
-        <p14:creationId xmlns:p14="http://schemas.microsoft.com/office/powerpoint/2010/main" val="118653553"/>
+        <p14:creationId xmlns:p14="http://schemas.microsoft.com/office/powerpoint/2010/main" val="322123634"/>
       </p:ext>
     </p:extLst>
   </p:cSld>
@@ -16882,8 +17205,16 @@
           <a:lstStyle/>
           <a:p>
             <a:r>
+              <a:rPr lang="en-US" dirty="0"/>
+              <a:t>Links, Lists, </a:t>
+            </a:r>
+            <a:r>
               <a:rPr lang="en-US" dirty="0" smtClean="0"/>
-              <a:t>HTML Form</a:t>
+              <a:t>Images</a:t>
+            </a:r>
+            <a:r>
+              <a:rPr lang="vi-VN" dirty="0" smtClean="0"/>
+              <a:t> (d)</a:t>
             </a:r>
             <a:endParaRPr lang="en-US" dirty="0"/>
           </a:p>
@@ -16906,712 +17237,180 @@
           <a:p>
             <a:r>
               <a:rPr lang="en-US" dirty="0"/>
-              <a:t>An HTML form is used to collect user input. The user input can then be sent to a server for processing.</a:t>
-            </a:r>
-          </a:p>
-          <a:p>
-            <a:pPr marL="571500" lvl="1" indent="0">
-              <a:spcBef>
-                <a:spcPts val="0"/>
-              </a:spcBef>
+              <a:t> To add an image, use the &lt;</a:t>
+            </a:r>
+            <a:r>
+              <a:rPr lang="en-US" dirty="0" err="1"/>
+              <a:t>img</a:t>
+            </a:r>
+            <a:r>
+              <a:rPr lang="en-US" dirty="0"/>
+              <a:t>&gt; tag along with the </a:t>
+            </a:r>
+            <a:r>
+              <a:rPr lang="en-US" dirty="0" err="1"/>
+              <a:t>src</a:t>
+            </a:r>
+            <a:r>
+              <a:rPr lang="en-US" dirty="0"/>
+              <a:t> attribute to specify the location of the image</a:t>
+            </a:r>
+            <a:r>
+              <a:rPr lang="en-US" dirty="0" smtClean="0"/>
+              <a:t>.</a:t>
+            </a:r>
+            <a:endParaRPr lang="vi-VN" dirty="0" smtClean="0"/>
+          </a:p>
+          <a:p>
+            <a:pPr lvl="1"/>
+            <a:r>
+              <a:rPr lang="en-US" dirty="0" smtClean="0"/>
+              <a:t> </a:t>
+            </a:r>
+            <a:r>
+              <a:rPr lang="en-US" dirty="0" smtClean="0">
+                <a:solidFill>
+                  <a:srgbClr val="999999"/>
+                </a:solidFill>
+                <a:latin typeface="Courier New" panose="02070309020205020404" pitchFamily="49" charset="0"/>
+              </a:rPr>
+              <a:t>&lt;</a:t>
+            </a:r>
+            <a:r>
+              <a:rPr lang="en-US" dirty="0" err="1" smtClean="0">
+                <a:solidFill>
+                  <a:srgbClr val="990055"/>
+                </a:solidFill>
+                <a:latin typeface="Courier New" panose="02070309020205020404" pitchFamily="49" charset="0"/>
+              </a:rPr>
+              <a:t>img</a:t>
+            </a:r>
+            <a:r>
+              <a:rPr lang="en-US" dirty="0" smtClean="0">
+                <a:solidFill>
+                  <a:srgbClr val="990055"/>
+                </a:solidFill>
+                <a:latin typeface="Courier New" panose="02070309020205020404" pitchFamily="49" charset="0"/>
+              </a:rPr>
+              <a:t> </a:t>
+            </a:r>
+            <a:r>
+              <a:rPr lang="en-US" dirty="0" err="1" smtClean="0">
+                <a:solidFill>
+                  <a:srgbClr val="669900"/>
+                </a:solidFill>
+                <a:latin typeface="Courier New" panose="02070309020205020404" pitchFamily="49" charset="0"/>
+              </a:rPr>
+              <a:t>src</a:t>
+            </a:r>
+            <a:r>
+              <a:rPr lang="en-US" dirty="0" smtClean="0">
+                <a:solidFill>
+                  <a:srgbClr val="999999"/>
+                </a:solidFill>
+                <a:latin typeface="Courier New" panose="02070309020205020404" pitchFamily="49" charset="0"/>
+              </a:rPr>
+              <a:t>="</a:t>
+            </a:r>
+            <a:r>
+              <a:rPr lang="en-US" dirty="0" smtClean="0">
+                <a:solidFill>
+                  <a:srgbClr val="0077AA"/>
+                </a:solidFill>
+                <a:latin typeface="Courier New" panose="02070309020205020404" pitchFamily="49" charset="0"/>
+              </a:rPr>
+              <a:t>/static/</a:t>
+            </a:r>
+            <a:r>
+              <a:rPr lang="en-US" dirty="0" err="1" smtClean="0">
+                <a:solidFill>
+                  <a:srgbClr val="0077AA"/>
+                </a:solidFill>
+                <a:latin typeface="Courier New" panose="02070309020205020404" pitchFamily="49" charset="0"/>
+              </a:rPr>
+              <a:t>img</a:t>
+            </a:r>
+            <a:r>
+              <a:rPr lang="en-US" dirty="0" smtClean="0">
+                <a:solidFill>
+                  <a:srgbClr val="0077AA"/>
+                </a:solidFill>
+                <a:latin typeface="Courier New" panose="02070309020205020404" pitchFamily="49" charset="0"/>
+              </a:rPr>
+              <a:t>/code.jpg</a:t>
+            </a:r>
+            <a:r>
+              <a:rPr lang="en-US" dirty="0" smtClean="0">
+                <a:solidFill>
+                  <a:srgbClr val="999999"/>
+                </a:solidFill>
+                <a:latin typeface="Courier New" panose="02070309020205020404" pitchFamily="49" charset="0"/>
+              </a:rPr>
+              <a:t>"&gt;</a:t>
+            </a:r>
+            <a:endParaRPr lang="en-US" dirty="0"/>
+          </a:p>
+          <a:p>
+            <a:r>
+              <a:rPr lang="en-US" dirty="0"/>
+              <a:t>Ordered lists</a:t>
+            </a:r>
+            <a:endParaRPr lang="en-US" b="1" dirty="0"/>
+          </a:p>
+          <a:p>
+            <a:pPr marL="95250" indent="0">
               <a:buNone/>
             </a:pPr>
             <a:r>
-              <a:rPr lang="en-US" sz="900" dirty="0">
-                <a:solidFill>
-                  <a:srgbClr val="0000CD"/>
-                </a:solidFill>
-                <a:latin typeface="Courier New" panose="02070309020205020404" pitchFamily="49" charset="0"/>
-              </a:rPr>
-              <a:t>&lt;</a:t>
-            </a:r>
-            <a:r>
-              <a:rPr lang="en-US" sz="900" dirty="0">
-                <a:solidFill>
-                  <a:srgbClr val="A52A2A"/>
-                </a:solidFill>
-                <a:latin typeface="Courier New" panose="02070309020205020404" pitchFamily="49" charset="0"/>
-              </a:rPr>
-              <a:t>form</a:t>
-            </a:r>
-            <a:r>
-              <a:rPr lang="en-US" sz="900" dirty="0">
-                <a:solidFill>
-                  <a:srgbClr val="FF0000"/>
-                </a:solidFill>
-                <a:latin typeface="Courier New" panose="02070309020205020404" pitchFamily="49" charset="0"/>
-              </a:rPr>
-              <a:t> action</a:t>
-            </a:r>
-            <a:r>
-              <a:rPr lang="en-US" sz="900" dirty="0">
-                <a:solidFill>
-                  <a:srgbClr val="0000CD"/>
-                </a:solidFill>
-                <a:latin typeface="Courier New" panose="02070309020205020404" pitchFamily="49" charset="0"/>
-              </a:rPr>
-              <a:t>="/</a:t>
-            </a:r>
-            <a:r>
-              <a:rPr lang="en-US" sz="900" dirty="0" err="1">
-                <a:solidFill>
-                  <a:srgbClr val="0000CD"/>
-                </a:solidFill>
-                <a:latin typeface="Courier New" panose="02070309020205020404" pitchFamily="49" charset="0"/>
-              </a:rPr>
-              <a:t>action_page.php</a:t>
-            </a:r>
-            <a:r>
-              <a:rPr lang="en-US" sz="900" dirty="0">
-                <a:solidFill>
-                  <a:srgbClr val="0000CD"/>
-                </a:solidFill>
-                <a:latin typeface="Courier New" panose="02070309020205020404" pitchFamily="49" charset="0"/>
-              </a:rPr>
-              <a:t>"&gt;</a:t>
-            </a:r>
-            <a:endParaRPr lang="en-US" sz="900" dirty="0"/>
-          </a:p>
-          <a:p>
-            <a:pPr marL="571500" lvl="1" indent="0">
-              <a:spcBef>
-                <a:spcPts val="0"/>
-              </a:spcBef>
+              <a:rPr lang="en-US" dirty="0"/>
+              <a:t>To change the list style attributes, we can use the CSS attribute called list-style-type. The available types are:</a:t>
+            </a:r>
+          </a:p>
+          <a:p>
+            <a:pPr lvl="1" fontAlgn="base"/>
+            <a:r>
+              <a:rPr lang="en-US" dirty="0"/>
+              <a:t>disc</a:t>
+            </a:r>
+          </a:p>
+          <a:p>
+            <a:pPr lvl="1" fontAlgn="base"/>
+            <a:r>
+              <a:rPr lang="en-US" dirty="0"/>
+              <a:t>circle</a:t>
+            </a:r>
+          </a:p>
+          <a:p>
+            <a:pPr lvl="1" fontAlgn="base"/>
+            <a:r>
+              <a:rPr lang="en-US" dirty="0"/>
+              <a:t>square</a:t>
+            </a:r>
+          </a:p>
+          <a:p>
+            <a:pPr lvl="1" fontAlgn="base"/>
+            <a:r>
+              <a:rPr lang="en-US" dirty="0"/>
+              <a:t>none</a:t>
+            </a:r>
+          </a:p>
+          <a:p>
+            <a:pPr marL="95250" indent="0">
               <a:buNone/>
             </a:pPr>
             <a:r>
-              <a:rPr lang="en-US" sz="900" dirty="0">
-                <a:solidFill>
-                  <a:srgbClr val="0000CD"/>
-                </a:solidFill>
-                <a:latin typeface="Courier New" panose="02070309020205020404" pitchFamily="49" charset="0"/>
-              </a:rPr>
-              <a:t> </a:t>
-            </a:r>
-            <a:r>
-              <a:rPr lang="en-US" sz="900" dirty="0" smtClean="0">
-                <a:solidFill>
-                  <a:srgbClr val="0000CD"/>
-                </a:solidFill>
-                <a:latin typeface="Courier New" panose="02070309020205020404" pitchFamily="49" charset="0"/>
-              </a:rPr>
-              <a:t> &lt;</a:t>
-            </a:r>
-            <a:r>
-              <a:rPr lang="en-US" sz="900" dirty="0">
-                <a:solidFill>
-                  <a:srgbClr val="A52A2A"/>
-                </a:solidFill>
-                <a:latin typeface="Courier New" panose="02070309020205020404" pitchFamily="49" charset="0"/>
-              </a:rPr>
-              <a:t>label</a:t>
-            </a:r>
-            <a:r>
-              <a:rPr lang="en-US" sz="900" dirty="0">
-                <a:solidFill>
-                  <a:srgbClr val="FF0000"/>
-                </a:solidFill>
-                <a:latin typeface="Courier New" panose="02070309020205020404" pitchFamily="49" charset="0"/>
-              </a:rPr>
-              <a:t> for</a:t>
-            </a:r>
-            <a:r>
-              <a:rPr lang="en-US" sz="900" dirty="0">
-                <a:solidFill>
-                  <a:srgbClr val="0000CD"/>
-                </a:solidFill>
-                <a:latin typeface="Courier New" panose="02070309020205020404" pitchFamily="49" charset="0"/>
-              </a:rPr>
-              <a:t>="</a:t>
-            </a:r>
-            <a:r>
-              <a:rPr lang="en-US" sz="900" dirty="0" err="1">
-                <a:solidFill>
-                  <a:srgbClr val="0000CD"/>
-                </a:solidFill>
-                <a:latin typeface="Courier New" panose="02070309020205020404" pitchFamily="49" charset="0"/>
-              </a:rPr>
-              <a:t>fname</a:t>
-            </a:r>
-            <a:r>
-              <a:rPr lang="en-US" sz="900" dirty="0">
-                <a:solidFill>
-                  <a:srgbClr val="0000CD"/>
-                </a:solidFill>
-                <a:latin typeface="Courier New" panose="02070309020205020404" pitchFamily="49" charset="0"/>
-              </a:rPr>
-              <a:t>"&gt;First name:&lt;</a:t>
-            </a:r>
-            <a:r>
-              <a:rPr lang="en-US" sz="900" dirty="0">
-                <a:solidFill>
-                  <a:srgbClr val="A52A2A"/>
-                </a:solidFill>
-                <a:latin typeface="Courier New" panose="02070309020205020404" pitchFamily="49" charset="0"/>
-              </a:rPr>
-              <a:t>/label</a:t>
-            </a:r>
-            <a:r>
-              <a:rPr lang="en-US" sz="900" dirty="0">
-                <a:solidFill>
-                  <a:srgbClr val="0000CD"/>
-                </a:solidFill>
-                <a:latin typeface="Courier New" panose="02070309020205020404" pitchFamily="49" charset="0"/>
-              </a:rPr>
-              <a:t>&gt;&lt;</a:t>
-            </a:r>
-            <a:r>
-              <a:rPr lang="en-US" sz="900" dirty="0" err="1">
-                <a:solidFill>
-                  <a:srgbClr val="A52A2A"/>
-                </a:solidFill>
-                <a:latin typeface="Courier New" panose="02070309020205020404" pitchFamily="49" charset="0"/>
-              </a:rPr>
-              <a:t>br</a:t>
-            </a:r>
-            <a:r>
-              <a:rPr lang="en-US" sz="900" dirty="0">
-                <a:solidFill>
-                  <a:srgbClr val="0000CD"/>
-                </a:solidFill>
-                <a:latin typeface="Courier New" panose="02070309020205020404" pitchFamily="49" charset="0"/>
-              </a:rPr>
-              <a:t>&gt;</a:t>
-            </a:r>
-            <a:endParaRPr lang="en-US" sz="900" dirty="0"/>
-          </a:p>
-          <a:p>
-            <a:pPr marL="571500" lvl="1" indent="0">
-              <a:spcBef>
-                <a:spcPts val="0"/>
-              </a:spcBef>
-              <a:buNone/>
-            </a:pPr>
-            <a:r>
-              <a:rPr lang="en-US" sz="900" dirty="0">
-                <a:solidFill>
-                  <a:srgbClr val="0000CD"/>
-                </a:solidFill>
-                <a:latin typeface="Courier New" panose="02070309020205020404" pitchFamily="49" charset="0"/>
-              </a:rPr>
-              <a:t>  &lt;</a:t>
-            </a:r>
-            <a:r>
-              <a:rPr lang="en-US" sz="900" dirty="0">
-                <a:solidFill>
-                  <a:srgbClr val="A52A2A"/>
-                </a:solidFill>
-                <a:latin typeface="Courier New" panose="02070309020205020404" pitchFamily="49" charset="0"/>
-              </a:rPr>
-              <a:t>input</a:t>
-            </a:r>
-            <a:r>
-              <a:rPr lang="en-US" sz="900" dirty="0">
-                <a:solidFill>
-                  <a:srgbClr val="FF0000"/>
-                </a:solidFill>
-                <a:latin typeface="Courier New" panose="02070309020205020404" pitchFamily="49" charset="0"/>
-              </a:rPr>
-              <a:t> type</a:t>
-            </a:r>
-            <a:r>
-              <a:rPr lang="en-US" sz="900" dirty="0">
-                <a:solidFill>
-                  <a:srgbClr val="0000CD"/>
-                </a:solidFill>
-                <a:latin typeface="Courier New" panose="02070309020205020404" pitchFamily="49" charset="0"/>
-              </a:rPr>
-              <a:t>="text"</a:t>
-            </a:r>
-            <a:r>
-              <a:rPr lang="en-US" sz="900" dirty="0">
-                <a:solidFill>
-                  <a:srgbClr val="FF0000"/>
-                </a:solidFill>
-                <a:latin typeface="Courier New" panose="02070309020205020404" pitchFamily="49" charset="0"/>
-              </a:rPr>
-              <a:t> id</a:t>
-            </a:r>
-            <a:r>
-              <a:rPr lang="en-US" sz="900" dirty="0">
-                <a:solidFill>
-                  <a:srgbClr val="0000CD"/>
-                </a:solidFill>
-                <a:latin typeface="Courier New" panose="02070309020205020404" pitchFamily="49" charset="0"/>
-              </a:rPr>
-              <a:t>="</a:t>
-            </a:r>
-            <a:r>
-              <a:rPr lang="en-US" sz="900" dirty="0" err="1">
-                <a:solidFill>
-                  <a:srgbClr val="0000CD"/>
-                </a:solidFill>
-                <a:latin typeface="Courier New" panose="02070309020205020404" pitchFamily="49" charset="0"/>
-              </a:rPr>
-              <a:t>fname</a:t>
-            </a:r>
-            <a:r>
-              <a:rPr lang="en-US" sz="900" dirty="0">
-                <a:solidFill>
-                  <a:srgbClr val="0000CD"/>
-                </a:solidFill>
-                <a:latin typeface="Courier New" panose="02070309020205020404" pitchFamily="49" charset="0"/>
-              </a:rPr>
-              <a:t>"</a:t>
-            </a:r>
-            <a:r>
-              <a:rPr lang="en-US" sz="900" dirty="0">
-                <a:solidFill>
-                  <a:srgbClr val="FF0000"/>
-                </a:solidFill>
-                <a:latin typeface="Courier New" panose="02070309020205020404" pitchFamily="49" charset="0"/>
-              </a:rPr>
-              <a:t> name</a:t>
-            </a:r>
-            <a:r>
-              <a:rPr lang="en-US" sz="900" dirty="0">
-                <a:solidFill>
-                  <a:srgbClr val="0000CD"/>
-                </a:solidFill>
-                <a:latin typeface="Courier New" panose="02070309020205020404" pitchFamily="49" charset="0"/>
-              </a:rPr>
-              <a:t>="</a:t>
-            </a:r>
-            <a:r>
-              <a:rPr lang="en-US" sz="900" dirty="0" err="1">
-                <a:solidFill>
-                  <a:srgbClr val="0000CD"/>
-                </a:solidFill>
-                <a:latin typeface="Courier New" panose="02070309020205020404" pitchFamily="49" charset="0"/>
-              </a:rPr>
-              <a:t>fname</a:t>
-            </a:r>
-            <a:r>
-              <a:rPr lang="en-US" sz="900" dirty="0">
-                <a:solidFill>
-                  <a:srgbClr val="0000CD"/>
-                </a:solidFill>
-                <a:latin typeface="Courier New" panose="02070309020205020404" pitchFamily="49" charset="0"/>
-              </a:rPr>
-              <a:t>"</a:t>
-            </a:r>
-            <a:r>
-              <a:rPr lang="en-US" sz="900" dirty="0">
-                <a:solidFill>
-                  <a:srgbClr val="FF0000"/>
-                </a:solidFill>
-                <a:latin typeface="Courier New" panose="02070309020205020404" pitchFamily="49" charset="0"/>
-              </a:rPr>
-              <a:t> value</a:t>
-            </a:r>
-            <a:r>
-              <a:rPr lang="en-US" sz="900" dirty="0">
-                <a:solidFill>
-                  <a:srgbClr val="0000CD"/>
-                </a:solidFill>
-                <a:latin typeface="Courier New" panose="02070309020205020404" pitchFamily="49" charset="0"/>
-              </a:rPr>
-              <a:t>="John"&gt;&lt;</a:t>
-            </a:r>
-            <a:r>
-              <a:rPr lang="en-US" sz="900" dirty="0" err="1">
-                <a:solidFill>
-                  <a:srgbClr val="A52A2A"/>
-                </a:solidFill>
-                <a:latin typeface="Courier New" panose="02070309020205020404" pitchFamily="49" charset="0"/>
-              </a:rPr>
-              <a:t>br</a:t>
-            </a:r>
-            <a:r>
-              <a:rPr lang="en-US" sz="900" dirty="0">
-                <a:solidFill>
-                  <a:srgbClr val="0000CD"/>
-                </a:solidFill>
-                <a:latin typeface="Courier New" panose="02070309020205020404" pitchFamily="49" charset="0"/>
-              </a:rPr>
-              <a:t>&gt;</a:t>
-            </a:r>
-            <a:endParaRPr lang="en-US" sz="900" dirty="0"/>
-          </a:p>
-          <a:p>
-            <a:pPr marL="571500" lvl="1" indent="0">
-              <a:spcBef>
-                <a:spcPts val="0"/>
-              </a:spcBef>
-              <a:buNone/>
-            </a:pPr>
-            <a:r>
-              <a:rPr lang="en-US" sz="900" dirty="0">
-                <a:solidFill>
-                  <a:srgbClr val="0000CD"/>
-                </a:solidFill>
-                <a:latin typeface="Courier New" panose="02070309020205020404" pitchFamily="49" charset="0"/>
-              </a:rPr>
-              <a:t>  &lt;</a:t>
-            </a:r>
-            <a:r>
-              <a:rPr lang="en-US" sz="900" dirty="0">
-                <a:solidFill>
-                  <a:srgbClr val="A52A2A"/>
-                </a:solidFill>
-                <a:latin typeface="Courier New" panose="02070309020205020404" pitchFamily="49" charset="0"/>
-              </a:rPr>
-              <a:t>label</a:t>
-            </a:r>
-            <a:r>
-              <a:rPr lang="en-US" sz="900" dirty="0">
-                <a:solidFill>
-                  <a:srgbClr val="FF0000"/>
-                </a:solidFill>
-                <a:latin typeface="Courier New" panose="02070309020205020404" pitchFamily="49" charset="0"/>
-              </a:rPr>
-              <a:t> for</a:t>
-            </a:r>
-            <a:r>
-              <a:rPr lang="en-US" sz="900" dirty="0">
-                <a:solidFill>
-                  <a:srgbClr val="0000CD"/>
-                </a:solidFill>
-                <a:latin typeface="Courier New" panose="02070309020205020404" pitchFamily="49" charset="0"/>
-              </a:rPr>
-              <a:t>="</a:t>
-            </a:r>
-            <a:r>
-              <a:rPr lang="en-US" sz="900" dirty="0" err="1">
-                <a:solidFill>
-                  <a:srgbClr val="0000CD"/>
-                </a:solidFill>
-                <a:latin typeface="Courier New" panose="02070309020205020404" pitchFamily="49" charset="0"/>
-              </a:rPr>
-              <a:t>lname</a:t>
-            </a:r>
-            <a:r>
-              <a:rPr lang="en-US" sz="900" dirty="0">
-                <a:solidFill>
-                  <a:srgbClr val="0000CD"/>
-                </a:solidFill>
-                <a:latin typeface="Courier New" panose="02070309020205020404" pitchFamily="49" charset="0"/>
-              </a:rPr>
-              <a:t>"&gt;Last name:&lt;</a:t>
-            </a:r>
-            <a:r>
-              <a:rPr lang="en-US" sz="900" dirty="0">
-                <a:solidFill>
-                  <a:srgbClr val="A52A2A"/>
-                </a:solidFill>
-                <a:latin typeface="Courier New" panose="02070309020205020404" pitchFamily="49" charset="0"/>
-              </a:rPr>
-              <a:t>/label</a:t>
-            </a:r>
-            <a:r>
-              <a:rPr lang="en-US" sz="900" dirty="0">
-                <a:solidFill>
-                  <a:srgbClr val="0000CD"/>
-                </a:solidFill>
-                <a:latin typeface="Courier New" panose="02070309020205020404" pitchFamily="49" charset="0"/>
-              </a:rPr>
-              <a:t>&gt;&lt;</a:t>
-            </a:r>
-            <a:r>
-              <a:rPr lang="en-US" sz="900" dirty="0" err="1">
-                <a:solidFill>
-                  <a:srgbClr val="A52A2A"/>
-                </a:solidFill>
-                <a:latin typeface="Courier New" panose="02070309020205020404" pitchFamily="49" charset="0"/>
-              </a:rPr>
-              <a:t>br</a:t>
-            </a:r>
-            <a:r>
-              <a:rPr lang="en-US" sz="900" dirty="0">
-                <a:solidFill>
-                  <a:srgbClr val="0000CD"/>
-                </a:solidFill>
-                <a:latin typeface="Courier New" panose="02070309020205020404" pitchFamily="49" charset="0"/>
-              </a:rPr>
-              <a:t>&gt;</a:t>
-            </a:r>
-            <a:endParaRPr lang="en-US" sz="900" dirty="0"/>
-          </a:p>
-          <a:p>
-            <a:pPr marL="571500" lvl="1" indent="0">
-              <a:spcBef>
-                <a:spcPts val="0"/>
-              </a:spcBef>
-              <a:buNone/>
-            </a:pPr>
-            <a:r>
-              <a:rPr lang="en-US" sz="900" dirty="0">
-                <a:solidFill>
-                  <a:srgbClr val="0000CD"/>
-                </a:solidFill>
-                <a:latin typeface="Courier New" panose="02070309020205020404" pitchFamily="49" charset="0"/>
-              </a:rPr>
-              <a:t>  &lt;</a:t>
-            </a:r>
-            <a:r>
-              <a:rPr lang="en-US" sz="900" dirty="0">
-                <a:solidFill>
-                  <a:srgbClr val="A52A2A"/>
-                </a:solidFill>
-                <a:latin typeface="Courier New" panose="02070309020205020404" pitchFamily="49" charset="0"/>
-              </a:rPr>
-              <a:t>input</a:t>
-            </a:r>
-            <a:r>
-              <a:rPr lang="en-US" sz="900" dirty="0">
-                <a:solidFill>
-                  <a:srgbClr val="FF0000"/>
-                </a:solidFill>
-                <a:latin typeface="Courier New" panose="02070309020205020404" pitchFamily="49" charset="0"/>
-              </a:rPr>
-              <a:t> type</a:t>
-            </a:r>
-            <a:r>
-              <a:rPr lang="en-US" sz="900" dirty="0">
-                <a:solidFill>
-                  <a:srgbClr val="0000CD"/>
-                </a:solidFill>
-                <a:latin typeface="Courier New" panose="02070309020205020404" pitchFamily="49" charset="0"/>
-              </a:rPr>
-              <a:t>="text"</a:t>
-            </a:r>
-            <a:r>
-              <a:rPr lang="en-US" sz="900" dirty="0">
-                <a:solidFill>
-                  <a:srgbClr val="FF0000"/>
-                </a:solidFill>
-                <a:latin typeface="Courier New" panose="02070309020205020404" pitchFamily="49" charset="0"/>
-              </a:rPr>
-              <a:t> id</a:t>
-            </a:r>
-            <a:r>
-              <a:rPr lang="en-US" sz="900" dirty="0">
-                <a:solidFill>
-                  <a:srgbClr val="0000CD"/>
-                </a:solidFill>
-                <a:latin typeface="Courier New" panose="02070309020205020404" pitchFamily="49" charset="0"/>
-              </a:rPr>
-              <a:t>="</a:t>
-            </a:r>
-            <a:r>
-              <a:rPr lang="en-US" sz="900" dirty="0" err="1">
-                <a:solidFill>
-                  <a:srgbClr val="0000CD"/>
-                </a:solidFill>
-                <a:latin typeface="Courier New" panose="02070309020205020404" pitchFamily="49" charset="0"/>
-              </a:rPr>
-              <a:t>lname</a:t>
-            </a:r>
-            <a:r>
-              <a:rPr lang="en-US" sz="900" dirty="0">
-                <a:solidFill>
-                  <a:srgbClr val="0000CD"/>
-                </a:solidFill>
-                <a:latin typeface="Courier New" panose="02070309020205020404" pitchFamily="49" charset="0"/>
-              </a:rPr>
-              <a:t>"</a:t>
-            </a:r>
-            <a:r>
-              <a:rPr lang="en-US" sz="900" dirty="0">
-                <a:solidFill>
-                  <a:srgbClr val="FF0000"/>
-                </a:solidFill>
-                <a:latin typeface="Courier New" panose="02070309020205020404" pitchFamily="49" charset="0"/>
-              </a:rPr>
-              <a:t> name</a:t>
-            </a:r>
-            <a:r>
-              <a:rPr lang="en-US" sz="900" dirty="0">
-                <a:solidFill>
-                  <a:srgbClr val="0000CD"/>
-                </a:solidFill>
-                <a:latin typeface="Courier New" panose="02070309020205020404" pitchFamily="49" charset="0"/>
-              </a:rPr>
-              <a:t>="</a:t>
-            </a:r>
-            <a:r>
-              <a:rPr lang="en-US" sz="900" dirty="0" err="1">
-                <a:solidFill>
-                  <a:srgbClr val="0000CD"/>
-                </a:solidFill>
-                <a:latin typeface="Courier New" panose="02070309020205020404" pitchFamily="49" charset="0"/>
-              </a:rPr>
-              <a:t>lname</a:t>
-            </a:r>
-            <a:r>
-              <a:rPr lang="en-US" sz="900" dirty="0">
-                <a:solidFill>
-                  <a:srgbClr val="0000CD"/>
-                </a:solidFill>
-                <a:latin typeface="Courier New" panose="02070309020205020404" pitchFamily="49" charset="0"/>
-              </a:rPr>
-              <a:t>"</a:t>
-            </a:r>
-            <a:r>
-              <a:rPr lang="en-US" sz="900" dirty="0">
-                <a:solidFill>
-                  <a:srgbClr val="FF0000"/>
-                </a:solidFill>
-                <a:latin typeface="Courier New" panose="02070309020205020404" pitchFamily="49" charset="0"/>
-              </a:rPr>
-              <a:t> value</a:t>
-            </a:r>
-            <a:r>
-              <a:rPr lang="en-US" sz="900" dirty="0">
-                <a:solidFill>
-                  <a:srgbClr val="0000CD"/>
-                </a:solidFill>
-                <a:latin typeface="Courier New" panose="02070309020205020404" pitchFamily="49" charset="0"/>
-              </a:rPr>
-              <a:t>="Doe"&gt;&lt;</a:t>
-            </a:r>
-            <a:r>
-              <a:rPr lang="en-US" sz="900" dirty="0" err="1">
-                <a:solidFill>
-                  <a:srgbClr val="A52A2A"/>
-                </a:solidFill>
-                <a:latin typeface="Courier New" panose="02070309020205020404" pitchFamily="49" charset="0"/>
-              </a:rPr>
-              <a:t>br</a:t>
-            </a:r>
-            <a:r>
-              <a:rPr lang="en-US" sz="900" dirty="0">
-                <a:solidFill>
-                  <a:srgbClr val="0000CD"/>
-                </a:solidFill>
-                <a:latin typeface="Courier New" panose="02070309020205020404" pitchFamily="49" charset="0"/>
-              </a:rPr>
-              <a:t>&gt;&lt;</a:t>
-            </a:r>
-            <a:r>
-              <a:rPr lang="en-US" sz="900" dirty="0" err="1">
-                <a:solidFill>
-                  <a:srgbClr val="A52A2A"/>
-                </a:solidFill>
-                <a:latin typeface="Courier New" panose="02070309020205020404" pitchFamily="49" charset="0"/>
-              </a:rPr>
-              <a:t>br</a:t>
-            </a:r>
-            <a:r>
-              <a:rPr lang="en-US" sz="900" dirty="0">
-                <a:solidFill>
-                  <a:srgbClr val="0000CD"/>
-                </a:solidFill>
-                <a:latin typeface="Courier New" panose="02070309020205020404" pitchFamily="49" charset="0"/>
-              </a:rPr>
-              <a:t>&gt;</a:t>
-            </a:r>
-            <a:endParaRPr lang="en-US" sz="900" dirty="0"/>
-          </a:p>
-          <a:p>
-            <a:pPr marL="571500" lvl="1" indent="0">
-              <a:spcBef>
-                <a:spcPts val="0"/>
-              </a:spcBef>
-              <a:buNone/>
-            </a:pPr>
-            <a:r>
-              <a:rPr lang="en-US" sz="900" dirty="0">
-                <a:solidFill>
-                  <a:srgbClr val="0000CD"/>
-                </a:solidFill>
-                <a:latin typeface="Courier New" panose="02070309020205020404" pitchFamily="49" charset="0"/>
-              </a:rPr>
-              <a:t>  &lt;</a:t>
-            </a:r>
-            <a:r>
-              <a:rPr lang="en-US" sz="900" dirty="0">
-                <a:solidFill>
-                  <a:srgbClr val="A52A2A"/>
-                </a:solidFill>
-                <a:latin typeface="Courier New" panose="02070309020205020404" pitchFamily="49" charset="0"/>
-              </a:rPr>
-              <a:t>input</a:t>
-            </a:r>
-            <a:r>
-              <a:rPr lang="en-US" sz="900" dirty="0">
-                <a:solidFill>
-                  <a:srgbClr val="FF0000"/>
-                </a:solidFill>
-                <a:latin typeface="Courier New" panose="02070309020205020404" pitchFamily="49" charset="0"/>
-              </a:rPr>
-              <a:t> type</a:t>
-            </a:r>
-            <a:r>
-              <a:rPr lang="en-US" sz="900" dirty="0">
-                <a:solidFill>
-                  <a:srgbClr val="0000CD"/>
-                </a:solidFill>
-                <a:latin typeface="Courier New" panose="02070309020205020404" pitchFamily="49" charset="0"/>
-              </a:rPr>
-              <a:t>="submit"</a:t>
-            </a:r>
-            <a:r>
-              <a:rPr lang="en-US" sz="900" dirty="0">
-                <a:solidFill>
-                  <a:srgbClr val="FF0000"/>
-                </a:solidFill>
-                <a:latin typeface="Courier New" panose="02070309020205020404" pitchFamily="49" charset="0"/>
-              </a:rPr>
-              <a:t> value</a:t>
-            </a:r>
-            <a:r>
-              <a:rPr lang="en-US" sz="900" dirty="0">
-                <a:solidFill>
-                  <a:srgbClr val="0000CD"/>
-                </a:solidFill>
-                <a:latin typeface="Courier New" panose="02070309020205020404" pitchFamily="49" charset="0"/>
-              </a:rPr>
-              <a:t>="Submit"&gt;</a:t>
-            </a:r>
-            <a:endParaRPr lang="en-US" sz="900" dirty="0"/>
-          </a:p>
-          <a:p>
-            <a:pPr marL="571500" lvl="1" indent="0">
-              <a:spcBef>
-                <a:spcPts val="0"/>
-              </a:spcBef>
-              <a:buNone/>
-            </a:pPr>
-            <a:r>
-              <a:rPr lang="en-US" sz="900" dirty="0">
-                <a:solidFill>
-                  <a:srgbClr val="0000CD"/>
-                </a:solidFill>
-                <a:latin typeface="Courier New" panose="02070309020205020404" pitchFamily="49" charset="0"/>
-              </a:rPr>
-              <a:t>&lt;</a:t>
-            </a:r>
-            <a:r>
-              <a:rPr lang="en-US" sz="900" dirty="0">
-                <a:solidFill>
-                  <a:srgbClr val="A52A2A"/>
-                </a:solidFill>
-                <a:latin typeface="Courier New" panose="02070309020205020404" pitchFamily="49" charset="0"/>
-              </a:rPr>
-              <a:t>/form</a:t>
-            </a:r>
-            <a:r>
-              <a:rPr lang="en-US" sz="900" dirty="0">
-                <a:solidFill>
-                  <a:srgbClr val="0000CD"/>
-                </a:solidFill>
-                <a:latin typeface="Courier New" panose="02070309020205020404" pitchFamily="49" charset="0"/>
-              </a:rPr>
-              <a:t>&gt;</a:t>
-            </a:r>
-            <a:endParaRPr lang="en-US" sz="900" dirty="0"/>
-          </a:p>
-          <a:p>
-            <a:pPr marL="95250" indent="0">
-              <a:buNone/>
-            </a:pPr>
-            <a:r>
-              <a:rPr lang="en-US" sz="1100" dirty="0"/>
+              <a:rPr lang="en-US" dirty="0"/>
               <a:t/>
             </a:r>
             <a:br>
-              <a:rPr lang="en-US" sz="1100" dirty="0"/>
+              <a:rPr lang="en-US" dirty="0"/>
+            </a:br>
+            <a:r>
+              <a:rPr lang="en-US" dirty="0"/>
+              <a:t/>
+            </a:r>
+            <a:br>
+              <a:rPr lang="en-US" dirty="0"/>
             </a:br>
             <a:r>
               <a:rPr lang="en-US" dirty="0"/>
@@ -17624,51 +17423,10 @@
           </a:p>
         </p:txBody>
       </p:sp>
-      <p:pic>
-        <p:nvPicPr>
-          <p:cNvPr id="4098" name="Picture 2" descr="https://lh3.googleusercontent.com/2YsCSHAATwuUy9Pbfe_03vgnIAfRncOe1TjHMWbJzX8I3WlfzS93htPhxKggXvoaSuOXFyy6mVHVYkO0djhHQcTCvgh_dI5Nz297zK7vxirRvgHnh9BpK3vG2ZvXlFqhKl6Khx0Y"/>
-          <p:cNvPicPr>
-            <a:picLocks noChangeAspect="1" noChangeArrowheads="1"/>
-          </p:cNvPicPr>
-          <p:nvPr/>
-        </p:nvPicPr>
-        <p:blipFill>
-          <a:blip r:embed="rId2">
-            <a:extLst>
-              <a:ext uri="{28A0092B-C50C-407E-A947-70E740481C1C}">
-                <a14:useLocalDpi xmlns:a14="http://schemas.microsoft.com/office/drawing/2010/main" val="0"/>
-              </a:ext>
-            </a:extLst>
-          </a:blip>
-          <a:srcRect/>
-          <a:stretch>
-            <a:fillRect/>
-          </a:stretch>
-        </p:blipFill>
-        <p:spPr bwMode="auto">
-          <a:xfrm>
-            <a:off x="2221706" y="2876550"/>
-            <a:ext cx="4700587" cy="2030155"/>
-          </a:xfrm>
-          <a:prstGeom prst="rect">
-            <a:avLst/>
-          </a:prstGeom>
-          <a:noFill/>
-          <a:extLst>
-            <a:ext uri="{909E8E84-426E-40DD-AFC4-6F175D3DCCD1}">
-              <a14:hiddenFill xmlns:a14="http://schemas.microsoft.com/office/drawing/2010/main">
-                <a:solidFill>
-                  <a:srgbClr val="FFFFFF"/>
-                </a:solidFill>
-              </a14:hiddenFill>
-            </a:ext>
-          </a:extLst>
-        </p:spPr>
-      </p:pic>
     </p:spTree>
     <p:extLst>
       <p:ext uri="{BB962C8B-B14F-4D97-AF65-F5344CB8AC3E}">
-        <p14:creationId xmlns:p14="http://schemas.microsoft.com/office/powerpoint/2010/main" val="1272541228"/>
+        <p14:creationId xmlns:p14="http://schemas.microsoft.com/office/powerpoint/2010/main" val="118653553"/>
       </p:ext>
     </p:extLst>
   </p:cSld>
@@ -17719,7 +17477,7 @@
           <a:p>
             <a:r>
               <a:rPr lang="en-US" dirty="0" smtClean="0"/>
-              <a:t>HTML Table</a:t>
+              <a:t>HTML Form</a:t>
             </a:r>
             <a:endParaRPr lang="en-US" dirty="0"/>
           </a:p>
@@ -17742,85 +17500,713 @@
           <a:p>
             <a:r>
               <a:rPr lang="en-US" dirty="0"/>
-              <a:t>An HTML table is defined with the &lt;table&gt; tag.</a:t>
-            </a:r>
-          </a:p>
-          <a:p>
-            <a:pPr lvl="1" fontAlgn="base"/>
-            <a:r>
-              <a:rPr lang="en-US" dirty="0"/>
-              <a:t>Use the HTML &lt;table&gt; element to define a table</a:t>
-            </a:r>
-          </a:p>
-          <a:p>
-            <a:pPr lvl="1" fontAlgn="base"/>
-            <a:r>
-              <a:rPr lang="en-US" dirty="0"/>
-              <a:t>Use the HTML &lt;</a:t>
-            </a:r>
-            <a:r>
-              <a:rPr lang="en-US" dirty="0" err="1"/>
-              <a:t>tr</a:t>
-            </a:r>
-            <a:r>
-              <a:rPr lang="en-US" dirty="0"/>
-              <a:t>&gt; element to define a table row</a:t>
-            </a:r>
-          </a:p>
-          <a:p>
-            <a:pPr lvl="1" fontAlgn="base"/>
-            <a:r>
-              <a:rPr lang="en-US" dirty="0"/>
-              <a:t>Use the HTML &lt;td&gt; element to define a table data</a:t>
-            </a:r>
-          </a:p>
-          <a:p>
-            <a:pPr lvl="1" fontAlgn="base"/>
-            <a:r>
-              <a:rPr lang="en-US" dirty="0"/>
-              <a:t>Use the HTML &lt;</a:t>
-            </a:r>
-            <a:r>
-              <a:rPr lang="en-US" dirty="0" err="1"/>
-              <a:t>th</a:t>
-            </a:r>
-            <a:r>
-              <a:rPr lang="en-US" dirty="0"/>
-              <a:t>&gt; element to define a table heading</a:t>
-            </a:r>
-          </a:p>
-          <a:p>
-            <a:pPr lvl="1" fontAlgn="base"/>
-            <a:r>
-              <a:rPr lang="en-US" dirty="0"/>
-              <a:t>Use the HTML &lt;caption&gt; element to define a table caption</a:t>
-            </a:r>
-          </a:p>
-          <a:p>
-            <a:pPr lvl="1" fontAlgn="base"/>
-            <a:r>
-              <a:rPr lang="en-US" dirty="0"/>
-              <a:t>Use the CSS border property to define a border</a:t>
-            </a:r>
-          </a:p>
-          <a:p>
-            <a:pPr lvl="1" fontAlgn="base"/>
-            <a:r>
-              <a:rPr lang="en-US" dirty="0"/>
-              <a:t>Use the CSS border-collapse property to collapse cell borders</a:t>
-            </a:r>
-          </a:p>
-          <a:p>
-            <a:pPr lvl="1" fontAlgn="base"/>
-            <a:r>
-              <a:rPr lang="en-US" dirty="0"/>
-              <a:t>Use the CSS padding property to add padding to cells</a:t>
-            </a:r>
+              <a:t>An HTML form is used to collect user input. The user input can then be sent to a server for processing.</a:t>
+            </a:r>
+          </a:p>
+          <a:p>
+            <a:pPr marL="571500" lvl="1" indent="0">
+              <a:spcBef>
+                <a:spcPts val="0"/>
+              </a:spcBef>
+              <a:buNone/>
+            </a:pPr>
+            <a:r>
+              <a:rPr lang="en-US" sz="900" dirty="0">
+                <a:solidFill>
+                  <a:srgbClr val="0000CD"/>
+                </a:solidFill>
+                <a:latin typeface="Courier New" panose="02070309020205020404" pitchFamily="49" charset="0"/>
+              </a:rPr>
+              <a:t>&lt;</a:t>
+            </a:r>
+            <a:r>
+              <a:rPr lang="en-US" sz="900" dirty="0">
+                <a:solidFill>
+                  <a:srgbClr val="A52A2A"/>
+                </a:solidFill>
+                <a:latin typeface="Courier New" panose="02070309020205020404" pitchFamily="49" charset="0"/>
+              </a:rPr>
+              <a:t>form</a:t>
+            </a:r>
+            <a:r>
+              <a:rPr lang="en-US" sz="900" dirty="0">
+                <a:solidFill>
+                  <a:srgbClr val="FF0000"/>
+                </a:solidFill>
+                <a:latin typeface="Courier New" panose="02070309020205020404" pitchFamily="49" charset="0"/>
+              </a:rPr>
+              <a:t> action</a:t>
+            </a:r>
+            <a:r>
+              <a:rPr lang="en-US" sz="900" dirty="0">
+                <a:solidFill>
+                  <a:srgbClr val="0000CD"/>
+                </a:solidFill>
+                <a:latin typeface="Courier New" panose="02070309020205020404" pitchFamily="49" charset="0"/>
+              </a:rPr>
+              <a:t>="/</a:t>
+            </a:r>
+            <a:r>
+              <a:rPr lang="en-US" sz="900" dirty="0" err="1">
+                <a:solidFill>
+                  <a:srgbClr val="0000CD"/>
+                </a:solidFill>
+                <a:latin typeface="Courier New" panose="02070309020205020404" pitchFamily="49" charset="0"/>
+              </a:rPr>
+              <a:t>action_page.php</a:t>
+            </a:r>
+            <a:r>
+              <a:rPr lang="en-US" sz="900" dirty="0">
+                <a:solidFill>
+                  <a:srgbClr val="0000CD"/>
+                </a:solidFill>
+                <a:latin typeface="Courier New" panose="02070309020205020404" pitchFamily="49" charset="0"/>
+              </a:rPr>
+              <a:t>"&gt;</a:t>
+            </a:r>
+            <a:endParaRPr lang="en-US" sz="900" dirty="0"/>
+          </a:p>
+          <a:p>
+            <a:pPr marL="571500" lvl="1" indent="0">
+              <a:spcBef>
+                <a:spcPts val="0"/>
+              </a:spcBef>
+              <a:buNone/>
+            </a:pPr>
+            <a:r>
+              <a:rPr lang="en-US" sz="900" dirty="0">
+                <a:solidFill>
+                  <a:srgbClr val="0000CD"/>
+                </a:solidFill>
+                <a:latin typeface="Courier New" panose="02070309020205020404" pitchFamily="49" charset="0"/>
+              </a:rPr>
+              <a:t> </a:t>
+            </a:r>
+            <a:r>
+              <a:rPr lang="en-US" sz="900" dirty="0" smtClean="0">
+                <a:solidFill>
+                  <a:srgbClr val="0000CD"/>
+                </a:solidFill>
+                <a:latin typeface="Courier New" panose="02070309020205020404" pitchFamily="49" charset="0"/>
+              </a:rPr>
+              <a:t> &lt;</a:t>
+            </a:r>
+            <a:r>
+              <a:rPr lang="en-US" sz="900" dirty="0">
+                <a:solidFill>
+                  <a:srgbClr val="A52A2A"/>
+                </a:solidFill>
+                <a:latin typeface="Courier New" panose="02070309020205020404" pitchFamily="49" charset="0"/>
+              </a:rPr>
+              <a:t>label</a:t>
+            </a:r>
+            <a:r>
+              <a:rPr lang="en-US" sz="900" dirty="0">
+                <a:solidFill>
+                  <a:srgbClr val="FF0000"/>
+                </a:solidFill>
+                <a:latin typeface="Courier New" panose="02070309020205020404" pitchFamily="49" charset="0"/>
+              </a:rPr>
+              <a:t> for</a:t>
+            </a:r>
+            <a:r>
+              <a:rPr lang="en-US" sz="900" dirty="0">
+                <a:solidFill>
+                  <a:srgbClr val="0000CD"/>
+                </a:solidFill>
+                <a:latin typeface="Courier New" panose="02070309020205020404" pitchFamily="49" charset="0"/>
+              </a:rPr>
+              <a:t>="</a:t>
+            </a:r>
+            <a:r>
+              <a:rPr lang="en-US" sz="900" dirty="0" err="1">
+                <a:solidFill>
+                  <a:srgbClr val="0000CD"/>
+                </a:solidFill>
+                <a:latin typeface="Courier New" panose="02070309020205020404" pitchFamily="49" charset="0"/>
+              </a:rPr>
+              <a:t>fname</a:t>
+            </a:r>
+            <a:r>
+              <a:rPr lang="en-US" sz="900" dirty="0">
+                <a:solidFill>
+                  <a:srgbClr val="0000CD"/>
+                </a:solidFill>
+                <a:latin typeface="Courier New" panose="02070309020205020404" pitchFamily="49" charset="0"/>
+              </a:rPr>
+              <a:t>"&gt;First name:&lt;</a:t>
+            </a:r>
+            <a:r>
+              <a:rPr lang="en-US" sz="900" dirty="0">
+                <a:solidFill>
+                  <a:srgbClr val="A52A2A"/>
+                </a:solidFill>
+                <a:latin typeface="Courier New" panose="02070309020205020404" pitchFamily="49" charset="0"/>
+              </a:rPr>
+              <a:t>/label</a:t>
+            </a:r>
+            <a:r>
+              <a:rPr lang="en-US" sz="900" dirty="0">
+                <a:solidFill>
+                  <a:srgbClr val="0000CD"/>
+                </a:solidFill>
+                <a:latin typeface="Courier New" panose="02070309020205020404" pitchFamily="49" charset="0"/>
+              </a:rPr>
+              <a:t>&gt;&lt;</a:t>
+            </a:r>
+            <a:r>
+              <a:rPr lang="en-US" sz="900" dirty="0" err="1">
+                <a:solidFill>
+                  <a:srgbClr val="A52A2A"/>
+                </a:solidFill>
+                <a:latin typeface="Courier New" panose="02070309020205020404" pitchFamily="49" charset="0"/>
+              </a:rPr>
+              <a:t>br</a:t>
+            </a:r>
+            <a:r>
+              <a:rPr lang="en-US" sz="900" dirty="0">
+                <a:solidFill>
+                  <a:srgbClr val="0000CD"/>
+                </a:solidFill>
+                <a:latin typeface="Courier New" panose="02070309020205020404" pitchFamily="49" charset="0"/>
+              </a:rPr>
+              <a:t>&gt;</a:t>
+            </a:r>
+            <a:endParaRPr lang="en-US" sz="900" dirty="0"/>
+          </a:p>
+          <a:p>
+            <a:pPr marL="571500" lvl="1" indent="0">
+              <a:spcBef>
+                <a:spcPts val="0"/>
+              </a:spcBef>
+              <a:buNone/>
+            </a:pPr>
+            <a:r>
+              <a:rPr lang="en-US" sz="900" dirty="0">
+                <a:solidFill>
+                  <a:srgbClr val="0000CD"/>
+                </a:solidFill>
+                <a:latin typeface="Courier New" panose="02070309020205020404" pitchFamily="49" charset="0"/>
+              </a:rPr>
+              <a:t>  &lt;</a:t>
+            </a:r>
+            <a:r>
+              <a:rPr lang="en-US" sz="900" dirty="0">
+                <a:solidFill>
+                  <a:srgbClr val="A52A2A"/>
+                </a:solidFill>
+                <a:latin typeface="Courier New" panose="02070309020205020404" pitchFamily="49" charset="0"/>
+              </a:rPr>
+              <a:t>input</a:t>
+            </a:r>
+            <a:r>
+              <a:rPr lang="en-US" sz="900" dirty="0">
+                <a:solidFill>
+                  <a:srgbClr val="FF0000"/>
+                </a:solidFill>
+                <a:latin typeface="Courier New" panose="02070309020205020404" pitchFamily="49" charset="0"/>
+              </a:rPr>
+              <a:t> type</a:t>
+            </a:r>
+            <a:r>
+              <a:rPr lang="en-US" sz="900" dirty="0">
+                <a:solidFill>
+                  <a:srgbClr val="0000CD"/>
+                </a:solidFill>
+                <a:latin typeface="Courier New" panose="02070309020205020404" pitchFamily="49" charset="0"/>
+              </a:rPr>
+              <a:t>="text"</a:t>
+            </a:r>
+            <a:r>
+              <a:rPr lang="en-US" sz="900" dirty="0">
+                <a:solidFill>
+                  <a:srgbClr val="FF0000"/>
+                </a:solidFill>
+                <a:latin typeface="Courier New" panose="02070309020205020404" pitchFamily="49" charset="0"/>
+              </a:rPr>
+              <a:t> id</a:t>
+            </a:r>
+            <a:r>
+              <a:rPr lang="en-US" sz="900" dirty="0">
+                <a:solidFill>
+                  <a:srgbClr val="0000CD"/>
+                </a:solidFill>
+                <a:latin typeface="Courier New" panose="02070309020205020404" pitchFamily="49" charset="0"/>
+              </a:rPr>
+              <a:t>="</a:t>
+            </a:r>
+            <a:r>
+              <a:rPr lang="en-US" sz="900" dirty="0" err="1">
+                <a:solidFill>
+                  <a:srgbClr val="0000CD"/>
+                </a:solidFill>
+                <a:latin typeface="Courier New" panose="02070309020205020404" pitchFamily="49" charset="0"/>
+              </a:rPr>
+              <a:t>fname</a:t>
+            </a:r>
+            <a:r>
+              <a:rPr lang="en-US" sz="900" dirty="0">
+                <a:solidFill>
+                  <a:srgbClr val="0000CD"/>
+                </a:solidFill>
+                <a:latin typeface="Courier New" panose="02070309020205020404" pitchFamily="49" charset="0"/>
+              </a:rPr>
+              <a:t>"</a:t>
+            </a:r>
+            <a:r>
+              <a:rPr lang="en-US" sz="900" dirty="0">
+                <a:solidFill>
+                  <a:srgbClr val="FF0000"/>
+                </a:solidFill>
+                <a:latin typeface="Courier New" panose="02070309020205020404" pitchFamily="49" charset="0"/>
+              </a:rPr>
+              <a:t> name</a:t>
+            </a:r>
+            <a:r>
+              <a:rPr lang="en-US" sz="900" dirty="0">
+                <a:solidFill>
+                  <a:srgbClr val="0000CD"/>
+                </a:solidFill>
+                <a:latin typeface="Courier New" panose="02070309020205020404" pitchFamily="49" charset="0"/>
+              </a:rPr>
+              <a:t>="</a:t>
+            </a:r>
+            <a:r>
+              <a:rPr lang="en-US" sz="900" dirty="0" err="1">
+                <a:solidFill>
+                  <a:srgbClr val="0000CD"/>
+                </a:solidFill>
+                <a:latin typeface="Courier New" panose="02070309020205020404" pitchFamily="49" charset="0"/>
+              </a:rPr>
+              <a:t>fname</a:t>
+            </a:r>
+            <a:r>
+              <a:rPr lang="en-US" sz="900" dirty="0">
+                <a:solidFill>
+                  <a:srgbClr val="0000CD"/>
+                </a:solidFill>
+                <a:latin typeface="Courier New" panose="02070309020205020404" pitchFamily="49" charset="0"/>
+              </a:rPr>
+              <a:t>"</a:t>
+            </a:r>
+            <a:r>
+              <a:rPr lang="en-US" sz="900" dirty="0">
+                <a:solidFill>
+                  <a:srgbClr val="FF0000"/>
+                </a:solidFill>
+                <a:latin typeface="Courier New" panose="02070309020205020404" pitchFamily="49" charset="0"/>
+              </a:rPr>
+              <a:t> value</a:t>
+            </a:r>
+            <a:r>
+              <a:rPr lang="en-US" sz="900" dirty="0">
+                <a:solidFill>
+                  <a:srgbClr val="0000CD"/>
+                </a:solidFill>
+                <a:latin typeface="Courier New" panose="02070309020205020404" pitchFamily="49" charset="0"/>
+              </a:rPr>
+              <a:t>="John"&gt;&lt;</a:t>
+            </a:r>
+            <a:r>
+              <a:rPr lang="en-US" sz="900" dirty="0" err="1">
+                <a:solidFill>
+                  <a:srgbClr val="A52A2A"/>
+                </a:solidFill>
+                <a:latin typeface="Courier New" panose="02070309020205020404" pitchFamily="49" charset="0"/>
+              </a:rPr>
+              <a:t>br</a:t>
+            </a:r>
+            <a:r>
+              <a:rPr lang="en-US" sz="900" dirty="0">
+                <a:solidFill>
+                  <a:srgbClr val="0000CD"/>
+                </a:solidFill>
+                <a:latin typeface="Courier New" panose="02070309020205020404" pitchFamily="49" charset="0"/>
+              </a:rPr>
+              <a:t>&gt;</a:t>
+            </a:r>
+            <a:endParaRPr lang="en-US" sz="900" dirty="0"/>
+          </a:p>
+          <a:p>
+            <a:pPr marL="571500" lvl="1" indent="0">
+              <a:spcBef>
+                <a:spcPts val="0"/>
+              </a:spcBef>
+              <a:buNone/>
+            </a:pPr>
+            <a:r>
+              <a:rPr lang="en-US" sz="900" dirty="0">
+                <a:solidFill>
+                  <a:srgbClr val="0000CD"/>
+                </a:solidFill>
+                <a:latin typeface="Courier New" panose="02070309020205020404" pitchFamily="49" charset="0"/>
+              </a:rPr>
+              <a:t>  &lt;</a:t>
+            </a:r>
+            <a:r>
+              <a:rPr lang="en-US" sz="900" dirty="0">
+                <a:solidFill>
+                  <a:srgbClr val="A52A2A"/>
+                </a:solidFill>
+                <a:latin typeface="Courier New" panose="02070309020205020404" pitchFamily="49" charset="0"/>
+              </a:rPr>
+              <a:t>label</a:t>
+            </a:r>
+            <a:r>
+              <a:rPr lang="en-US" sz="900" dirty="0">
+                <a:solidFill>
+                  <a:srgbClr val="FF0000"/>
+                </a:solidFill>
+                <a:latin typeface="Courier New" panose="02070309020205020404" pitchFamily="49" charset="0"/>
+              </a:rPr>
+              <a:t> for</a:t>
+            </a:r>
+            <a:r>
+              <a:rPr lang="en-US" sz="900" dirty="0">
+                <a:solidFill>
+                  <a:srgbClr val="0000CD"/>
+                </a:solidFill>
+                <a:latin typeface="Courier New" panose="02070309020205020404" pitchFamily="49" charset="0"/>
+              </a:rPr>
+              <a:t>="</a:t>
+            </a:r>
+            <a:r>
+              <a:rPr lang="en-US" sz="900" dirty="0" err="1">
+                <a:solidFill>
+                  <a:srgbClr val="0000CD"/>
+                </a:solidFill>
+                <a:latin typeface="Courier New" panose="02070309020205020404" pitchFamily="49" charset="0"/>
+              </a:rPr>
+              <a:t>lname</a:t>
+            </a:r>
+            <a:r>
+              <a:rPr lang="en-US" sz="900" dirty="0">
+                <a:solidFill>
+                  <a:srgbClr val="0000CD"/>
+                </a:solidFill>
+                <a:latin typeface="Courier New" panose="02070309020205020404" pitchFamily="49" charset="0"/>
+              </a:rPr>
+              <a:t>"&gt;Last name:&lt;</a:t>
+            </a:r>
+            <a:r>
+              <a:rPr lang="en-US" sz="900" dirty="0">
+                <a:solidFill>
+                  <a:srgbClr val="A52A2A"/>
+                </a:solidFill>
+                <a:latin typeface="Courier New" panose="02070309020205020404" pitchFamily="49" charset="0"/>
+              </a:rPr>
+              <a:t>/label</a:t>
+            </a:r>
+            <a:r>
+              <a:rPr lang="en-US" sz="900" dirty="0">
+                <a:solidFill>
+                  <a:srgbClr val="0000CD"/>
+                </a:solidFill>
+                <a:latin typeface="Courier New" panose="02070309020205020404" pitchFamily="49" charset="0"/>
+              </a:rPr>
+              <a:t>&gt;&lt;</a:t>
+            </a:r>
+            <a:r>
+              <a:rPr lang="en-US" sz="900" dirty="0" err="1">
+                <a:solidFill>
+                  <a:srgbClr val="A52A2A"/>
+                </a:solidFill>
+                <a:latin typeface="Courier New" panose="02070309020205020404" pitchFamily="49" charset="0"/>
+              </a:rPr>
+              <a:t>br</a:t>
+            </a:r>
+            <a:r>
+              <a:rPr lang="en-US" sz="900" dirty="0">
+                <a:solidFill>
+                  <a:srgbClr val="0000CD"/>
+                </a:solidFill>
+                <a:latin typeface="Courier New" panose="02070309020205020404" pitchFamily="49" charset="0"/>
+              </a:rPr>
+              <a:t>&gt;</a:t>
+            </a:r>
+            <a:endParaRPr lang="en-US" sz="900" dirty="0"/>
+          </a:p>
+          <a:p>
+            <a:pPr marL="571500" lvl="1" indent="0">
+              <a:spcBef>
+                <a:spcPts val="0"/>
+              </a:spcBef>
+              <a:buNone/>
+            </a:pPr>
+            <a:r>
+              <a:rPr lang="en-US" sz="900" dirty="0">
+                <a:solidFill>
+                  <a:srgbClr val="0000CD"/>
+                </a:solidFill>
+                <a:latin typeface="Courier New" panose="02070309020205020404" pitchFamily="49" charset="0"/>
+              </a:rPr>
+              <a:t>  &lt;</a:t>
+            </a:r>
+            <a:r>
+              <a:rPr lang="en-US" sz="900" dirty="0">
+                <a:solidFill>
+                  <a:srgbClr val="A52A2A"/>
+                </a:solidFill>
+                <a:latin typeface="Courier New" panose="02070309020205020404" pitchFamily="49" charset="0"/>
+              </a:rPr>
+              <a:t>input</a:t>
+            </a:r>
+            <a:r>
+              <a:rPr lang="en-US" sz="900" dirty="0">
+                <a:solidFill>
+                  <a:srgbClr val="FF0000"/>
+                </a:solidFill>
+                <a:latin typeface="Courier New" panose="02070309020205020404" pitchFamily="49" charset="0"/>
+              </a:rPr>
+              <a:t> type</a:t>
+            </a:r>
+            <a:r>
+              <a:rPr lang="en-US" sz="900" dirty="0">
+                <a:solidFill>
+                  <a:srgbClr val="0000CD"/>
+                </a:solidFill>
+                <a:latin typeface="Courier New" panose="02070309020205020404" pitchFamily="49" charset="0"/>
+              </a:rPr>
+              <a:t>="text"</a:t>
+            </a:r>
+            <a:r>
+              <a:rPr lang="en-US" sz="900" dirty="0">
+                <a:solidFill>
+                  <a:srgbClr val="FF0000"/>
+                </a:solidFill>
+                <a:latin typeface="Courier New" panose="02070309020205020404" pitchFamily="49" charset="0"/>
+              </a:rPr>
+              <a:t> id</a:t>
+            </a:r>
+            <a:r>
+              <a:rPr lang="en-US" sz="900" dirty="0">
+                <a:solidFill>
+                  <a:srgbClr val="0000CD"/>
+                </a:solidFill>
+                <a:latin typeface="Courier New" panose="02070309020205020404" pitchFamily="49" charset="0"/>
+              </a:rPr>
+              <a:t>="</a:t>
+            </a:r>
+            <a:r>
+              <a:rPr lang="en-US" sz="900" dirty="0" err="1">
+                <a:solidFill>
+                  <a:srgbClr val="0000CD"/>
+                </a:solidFill>
+                <a:latin typeface="Courier New" panose="02070309020205020404" pitchFamily="49" charset="0"/>
+              </a:rPr>
+              <a:t>lname</a:t>
+            </a:r>
+            <a:r>
+              <a:rPr lang="en-US" sz="900" dirty="0">
+                <a:solidFill>
+                  <a:srgbClr val="0000CD"/>
+                </a:solidFill>
+                <a:latin typeface="Courier New" panose="02070309020205020404" pitchFamily="49" charset="0"/>
+              </a:rPr>
+              <a:t>"</a:t>
+            </a:r>
+            <a:r>
+              <a:rPr lang="en-US" sz="900" dirty="0">
+                <a:solidFill>
+                  <a:srgbClr val="FF0000"/>
+                </a:solidFill>
+                <a:latin typeface="Courier New" panose="02070309020205020404" pitchFamily="49" charset="0"/>
+              </a:rPr>
+              <a:t> name</a:t>
+            </a:r>
+            <a:r>
+              <a:rPr lang="en-US" sz="900" dirty="0">
+                <a:solidFill>
+                  <a:srgbClr val="0000CD"/>
+                </a:solidFill>
+                <a:latin typeface="Courier New" panose="02070309020205020404" pitchFamily="49" charset="0"/>
+              </a:rPr>
+              <a:t>="</a:t>
+            </a:r>
+            <a:r>
+              <a:rPr lang="en-US" sz="900" dirty="0" err="1">
+                <a:solidFill>
+                  <a:srgbClr val="0000CD"/>
+                </a:solidFill>
+                <a:latin typeface="Courier New" panose="02070309020205020404" pitchFamily="49" charset="0"/>
+              </a:rPr>
+              <a:t>lname</a:t>
+            </a:r>
+            <a:r>
+              <a:rPr lang="en-US" sz="900" dirty="0">
+                <a:solidFill>
+                  <a:srgbClr val="0000CD"/>
+                </a:solidFill>
+                <a:latin typeface="Courier New" panose="02070309020205020404" pitchFamily="49" charset="0"/>
+              </a:rPr>
+              <a:t>"</a:t>
+            </a:r>
+            <a:r>
+              <a:rPr lang="en-US" sz="900" dirty="0">
+                <a:solidFill>
+                  <a:srgbClr val="FF0000"/>
+                </a:solidFill>
+                <a:latin typeface="Courier New" panose="02070309020205020404" pitchFamily="49" charset="0"/>
+              </a:rPr>
+              <a:t> value</a:t>
+            </a:r>
+            <a:r>
+              <a:rPr lang="en-US" sz="900" dirty="0">
+                <a:solidFill>
+                  <a:srgbClr val="0000CD"/>
+                </a:solidFill>
+                <a:latin typeface="Courier New" panose="02070309020205020404" pitchFamily="49" charset="0"/>
+              </a:rPr>
+              <a:t>="Doe"&gt;&lt;</a:t>
+            </a:r>
+            <a:r>
+              <a:rPr lang="en-US" sz="900" dirty="0" err="1">
+                <a:solidFill>
+                  <a:srgbClr val="A52A2A"/>
+                </a:solidFill>
+                <a:latin typeface="Courier New" panose="02070309020205020404" pitchFamily="49" charset="0"/>
+              </a:rPr>
+              <a:t>br</a:t>
+            </a:r>
+            <a:r>
+              <a:rPr lang="en-US" sz="900" dirty="0">
+                <a:solidFill>
+                  <a:srgbClr val="0000CD"/>
+                </a:solidFill>
+                <a:latin typeface="Courier New" panose="02070309020205020404" pitchFamily="49" charset="0"/>
+              </a:rPr>
+              <a:t>&gt;&lt;</a:t>
+            </a:r>
+            <a:r>
+              <a:rPr lang="en-US" sz="900" dirty="0" err="1">
+                <a:solidFill>
+                  <a:srgbClr val="A52A2A"/>
+                </a:solidFill>
+                <a:latin typeface="Courier New" panose="02070309020205020404" pitchFamily="49" charset="0"/>
+              </a:rPr>
+              <a:t>br</a:t>
+            </a:r>
+            <a:r>
+              <a:rPr lang="en-US" sz="900" dirty="0">
+                <a:solidFill>
+                  <a:srgbClr val="0000CD"/>
+                </a:solidFill>
+                <a:latin typeface="Courier New" panose="02070309020205020404" pitchFamily="49" charset="0"/>
+              </a:rPr>
+              <a:t>&gt;</a:t>
+            </a:r>
+            <a:endParaRPr lang="en-US" sz="900" dirty="0"/>
+          </a:p>
+          <a:p>
+            <a:pPr marL="571500" lvl="1" indent="0">
+              <a:spcBef>
+                <a:spcPts val="0"/>
+              </a:spcBef>
+              <a:buNone/>
+            </a:pPr>
+            <a:r>
+              <a:rPr lang="en-US" sz="900" dirty="0">
+                <a:solidFill>
+                  <a:srgbClr val="0000CD"/>
+                </a:solidFill>
+                <a:latin typeface="Courier New" panose="02070309020205020404" pitchFamily="49" charset="0"/>
+              </a:rPr>
+              <a:t>  &lt;</a:t>
+            </a:r>
+            <a:r>
+              <a:rPr lang="en-US" sz="900" dirty="0">
+                <a:solidFill>
+                  <a:srgbClr val="A52A2A"/>
+                </a:solidFill>
+                <a:latin typeface="Courier New" panose="02070309020205020404" pitchFamily="49" charset="0"/>
+              </a:rPr>
+              <a:t>input</a:t>
+            </a:r>
+            <a:r>
+              <a:rPr lang="en-US" sz="900" dirty="0">
+                <a:solidFill>
+                  <a:srgbClr val="FF0000"/>
+                </a:solidFill>
+                <a:latin typeface="Courier New" panose="02070309020205020404" pitchFamily="49" charset="0"/>
+              </a:rPr>
+              <a:t> type</a:t>
+            </a:r>
+            <a:r>
+              <a:rPr lang="en-US" sz="900" dirty="0">
+                <a:solidFill>
+                  <a:srgbClr val="0000CD"/>
+                </a:solidFill>
+                <a:latin typeface="Courier New" panose="02070309020205020404" pitchFamily="49" charset="0"/>
+              </a:rPr>
+              <a:t>="submit"</a:t>
+            </a:r>
+            <a:r>
+              <a:rPr lang="en-US" sz="900" dirty="0">
+                <a:solidFill>
+                  <a:srgbClr val="FF0000"/>
+                </a:solidFill>
+                <a:latin typeface="Courier New" panose="02070309020205020404" pitchFamily="49" charset="0"/>
+              </a:rPr>
+              <a:t> value</a:t>
+            </a:r>
+            <a:r>
+              <a:rPr lang="en-US" sz="900" dirty="0">
+                <a:solidFill>
+                  <a:srgbClr val="0000CD"/>
+                </a:solidFill>
+                <a:latin typeface="Courier New" panose="02070309020205020404" pitchFamily="49" charset="0"/>
+              </a:rPr>
+              <a:t>="Submit"&gt;</a:t>
+            </a:r>
+            <a:endParaRPr lang="en-US" sz="900" dirty="0"/>
+          </a:p>
+          <a:p>
+            <a:pPr marL="571500" lvl="1" indent="0">
+              <a:spcBef>
+                <a:spcPts val="0"/>
+              </a:spcBef>
+              <a:buNone/>
+            </a:pPr>
+            <a:r>
+              <a:rPr lang="en-US" sz="900" dirty="0">
+                <a:solidFill>
+                  <a:srgbClr val="0000CD"/>
+                </a:solidFill>
+                <a:latin typeface="Courier New" panose="02070309020205020404" pitchFamily="49" charset="0"/>
+              </a:rPr>
+              <a:t>&lt;</a:t>
+            </a:r>
+            <a:r>
+              <a:rPr lang="en-US" sz="900" dirty="0">
+                <a:solidFill>
+                  <a:srgbClr val="A52A2A"/>
+                </a:solidFill>
+                <a:latin typeface="Courier New" panose="02070309020205020404" pitchFamily="49" charset="0"/>
+              </a:rPr>
+              <a:t>/form</a:t>
+            </a:r>
+            <a:r>
+              <a:rPr lang="en-US" sz="900" dirty="0">
+                <a:solidFill>
+                  <a:srgbClr val="0000CD"/>
+                </a:solidFill>
+                <a:latin typeface="Courier New" panose="02070309020205020404" pitchFamily="49" charset="0"/>
+              </a:rPr>
+              <a:t>&gt;</a:t>
+            </a:r>
+            <a:endParaRPr lang="en-US" sz="900" dirty="0"/>
           </a:p>
           <a:p>
             <a:pPr marL="95250" indent="0">
               <a:buNone/>
             </a:pPr>
+            <a:r>
+              <a:rPr lang="en-US" sz="1100" dirty="0"/>
+              <a:t/>
+            </a:r>
+            <a:br>
+              <a:rPr lang="en-US" sz="1100" dirty="0"/>
+            </a:br>
             <a:r>
               <a:rPr lang="en-US" dirty="0"/>
               <a:t/>
@@ -17832,10 +18218,51 @@
           </a:p>
         </p:txBody>
       </p:sp>
+      <p:pic>
+        <p:nvPicPr>
+          <p:cNvPr id="4098" name="Picture 2" descr="https://lh3.googleusercontent.com/2YsCSHAATwuUy9Pbfe_03vgnIAfRncOe1TjHMWbJzX8I3WlfzS93htPhxKggXvoaSuOXFyy6mVHVYkO0djhHQcTCvgh_dI5Nz297zK7vxirRvgHnh9BpK3vG2ZvXlFqhKl6Khx0Y"/>
+          <p:cNvPicPr>
+            <a:picLocks noChangeAspect="1" noChangeArrowheads="1"/>
+          </p:cNvPicPr>
+          <p:nvPr/>
+        </p:nvPicPr>
+        <p:blipFill>
+          <a:blip r:embed="rId2">
+            <a:extLst>
+              <a:ext uri="{28A0092B-C50C-407E-A947-70E740481C1C}">
+                <a14:useLocalDpi xmlns:a14="http://schemas.microsoft.com/office/drawing/2010/main" val="0"/>
+              </a:ext>
+            </a:extLst>
+          </a:blip>
+          <a:srcRect/>
+          <a:stretch>
+            <a:fillRect/>
+          </a:stretch>
+        </p:blipFill>
+        <p:spPr bwMode="auto">
+          <a:xfrm>
+            <a:off x="2221706" y="2876550"/>
+            <a:ext cx="4700587" cy="2030155"/>
+          </a:xfrm>
+          <a:prstGeom prst="rect">
+            <a:avLst/>
+          </a:prstGeom>
+          <a:noFill/>
+          <a:extLst>
+            <a:ext uri="{909E8E84-426E-40DD-AFC4-6F175D3DCCD1}">
+              <a14:hiddenFill xmlns:a14="http://schemas.microsoft.com/office/drawing/2010/main">
+                <a:solidFill>
+                  <a:srgbClr val="FFFFFF"/>
+                </a:solidFill>
+              </a14:hiddenFill>
+            </a:ext>
+          </a:extLst>
+        </p:spPr>
+      </p:pic>
     </p:spTree>
     <p:extLst>
       <p:ext uri="{BB962C8B-B14F-4D97-AF65-F5344CB8AC3E}">
-        <p14:creationId xmlns:p14="http://schemas.microsoft.com/office/powerpoint/2010/main" val="4213710167"/>
+        <p14:creationId xmlns:p14="http://schemas.microsoft.com/office/powerpoint/2010/main" val="1272541228"/>
       </p:ext>
     </p:extLst>
   </p:cSld>
@@ -17885,9 +18312,10 @@
           <a:lstStyle/>
           <a:p>
             <a:r>
-              <a:rPr lang="en-US" dirty="0"/>
+              <a:rPr lang="en-US" dirty="0" smtClean="0"/>
               <a:t>HTML Table</a:t>
             </a:r>
+            <a:endParaRPr lang="en-US" dirty="0"/>
           </a:p>
         </p:txBody>
       </p:sp>
@@ -17906,66 +18334,102 @@
           <a:bodyPr/>
           <a:lstStyle/>
           <a:p>
+            <a:r>
+              <a:rPr lang="en-US" dirty="0"/>
+              <a:t>An HTML table is defined with the &lt;table&gt; tag.</a:t>
+            </a:r>
+          </a:p>
+          <a:p>
             <a:pPr lvl="1" fontAlgn="base"/>
             <a:r>
-              <a:rPr lang="en-US" dirty="0" smtClean="0"/>
-              <a:t>Use </a:t>
-            </a:r>
-            <a:r>
               <a:rPr lang="en-US" dirty="0"/>
-              <a:t>the CSS text-align property to align cell text</a:t>
+              <a:t>Use the HTML &lt;table&gt; element to define a table</a:t>
             </a:r>
           </a:p>
           <a:p>
             <a:pPr lvl="1" fontAlgn="base"/>
             <a:r>
               <a:rPr lang="en-US" dirty="0"/>
-              <a:t>Use the CSS border-spacing property to set the spacing between cells</a:t>
+              <a:t>Use the HTML &lt;</a:t>
+            </a:r>
+            <a:r>
+              <a:rPr lang="en-US" dirty="0" err="1"/>
+              <a:t>tr</a:t>
+            </a:r>
+            <a:r>
+              <a:rPr lang="en-US" dirty="0"/>
+              <a:t>&gt; element to define a table row</a:t>
             </a:r>
           </a:p>
           <a:p>
             <a:pPr lvl="1" fontAlgn="base"/>
             <a:r>
               <a:rPr lang="en-US" dirty="0"/>
-              <a:t>Use the </a:t>
+              <a:t>Use the HTML &lt;td&gt; element to define a table data</a:t>
+            </a:r>
+          </a:p>
+          <a:p>
+            <a:pPr lvl="1" fontAlgn="base"/>
+            <a:r>
+              <a:rPr lang="en-US" dirty="0"/>
+              <a:t>Use the HTML &lt;</a:t>
             </a:r>
             <a:r>
               <a:rPr lang="en-US" dirty="0" err="1"/>
-              <a:t>colspan</a:t>
+              <a:t>th</a:t>
             </a:r>
             <a:r>
               <a:rPr lang="en-US" dirty="0"/>
-              <a:t> attribute to make a cell span many columns</a:t>
+              <a:t>&gt; element to define a table heading</a:t>
             </a:r>
           </a:p>
           <a:p>
             <a:pPr lvl="1" fontAlgn="base"/>
             <a:r>
               <a:rPr lang="en-US" dirty="0"/>
-              <a:t>Use the </a:t>
-            </a:r>
-            <a:r>
-              <a:rPr lang="en-US" dirty="0" err="1"/>
-              <a:t>rowspan</a:t>
-            </a:r>
+              <a:t>Use the HTML &lt;caption&gt; element to define a table caption</a:t>
+            </a:r>
+          </a:p>
+          <a:p>
+            <a:pPr lvl="1" fontAlgn="base"/>
             <a:r>
               <a:rPr lang="en-US" dirty="0"/>
-              <a:t> attribute to make a cell span many rows</a:t>
+              <a:t>Use the CSS border property to define a border</a:t>
             </a:r>
           </a:p>
           <a:p>
             <a:pPr lvl="1" fontAlgn="base"/>
             <a:r>
               <a:rPr lang="en-US" dirty="0"/>
-              <a:t>Use the id attribute to uniquely define one table</a:t>
-            </a:r>
+              <a:t>Use the CSS border-collapse property to collapse cell borders</a:t>
+            </a:r>
+          </a:p>
+          <a:p>
+            <a:pPr lvl="1" fontAlgn="base"/>
+            <a:r>
+              <a:rPr lang="en-US" dirty="0"/>
+              <a:t>Use the CSS padding property to add padding to cells</a:t>
+            </a:r>
+          </a:p>
+          <a:p>
+            <a:pPr marL="95250" indent="0">
+              <a:buNone/>
+            </a:pPr>
+            <a:r>
+              <a:rPr lang="en-US" dirty="0"/>
+              <a:t/>
+            </a:r>
+            <a:br>
+              <a:rPr lang="en-US" dirty="0"/>
+            </a:br>
+            <a:endParaRPr lang="en-US" dirty="0"/>
           </a:p>
         </p:txBody>
       </p:sp>
     </p:spTree>
     <p:extLst>
       <p:ext uri="{BB962C8B-B14F-4D97-AF65-F5344CB8AC3E}">
-        <p14:creationId xmlns:p14="http://schemas.microsoft.com/office/powerpoint/2010/main" val="3456550281"/>
+        <p14:creationId xmlns:p14="http://schemas.microsoft.com/office/powerpoint/2010/main" val="4213710167"/>
       </p:ext>
     </p:extLst>
   </p:cSld>
@@ -18016,7 +18480,7 @@
           <a:p>
             <a:r>
               <a:rPr lang="en-US" dirty="0"/>
-              <a:t>HTML &lt;div&gt; Tag</a:t>
+              <a:t>HTML Table</a:t>
             </a:r>
           </a:p>
         </p:txBody>
@@ -18036,42 +18500,66 @@
           <a:bodyPr/>
           <a:lstStyle/>
           <a:p>
+            <a:pPr lvl="1" fontAlgn="base"/>
+            <a:r>
+              <a:rPr lang="en-US" dirty="0" smtClean="0"/>
+              <a:t>Use </a:t>
+            </a:r>
             <a:r>
               <a:rPr lang="en-US" dirty="0"/>
-              <a:t>The &lt;div&gt; tag defines a division or a section in an HTML document.</a:t>
-            </a:r>
-          </a:p>
-          <a:p>
+              <a:t>the CSS text-align property to align cell text</a:t>
+            </a:r>
+          </a:p>
+          <a:p>
+            <a:pPr lvl="1" fontAlgn="base"/>
             <a:r>
               <a:rPr lang="en-US" dirty="0"/>
-              <a:t>The &lt;div&gt; tag is used as a container for HTML elements - which is then styled with CSS or manipulated with JavaScript.</a:t>
-            </a:r>
-          </a:p>
-          <a:p>
+              <a:t>Use the CSS border-spacing property to set the spacing between cells</a:t>
+            </a:r>
+          </a:p>
+          <a:p>
+            <a:pPr lvl="1" fontAlgn="base"/>
             <a:r>
               <a:rPr lang="en-US" dirty="0"/>
-              <a:t>The &lt;div&gt; tag is easily styled by using the class or id attribute.</a:t>
-            </a:r>
-          </a:p>
-          <a:p>
-            <a:pPr marL="95250" indent="0">
-              <a:buNone/>
-            </a:pPr>
+              <a:t>Use the </a:t>
+            </a:r>
+            <a:r>
+              <a:rPr lang="en-US" dirty="0" err="1"/>
+              <a:t>colspan</a:t>
+            </a:r>
             <a:r>
               <a:rPr lang="en-US" dirty="0"/>
-              <a:t/>
-            </a:r>
-            <a:br>
+              <a:t> attribute to make a cell span many columns</a:t>
+            </a:r>
+          </a:p>
+          <a:p>
+            <a:pPr lvl="1" fontAlgn="base"/>
+            <a:r>
               <a:rPr lang="en-US" dirty="0"/>
-            </a:br>
-            <a:endParaRPr lang="en-US" dirty="0"/>
+              <a:t>Use the </a:t>
+            </a:r>
+            <a:r>
+              <a:rPr lang="en-US" dirty="0" err="1"/>
+              <a:t>rowspan</a:t>
+            </a:r>
+            <a:r>
+              <a:rPr lang="en-US" dirty="0"/>
+              <a:t> attribute to make a cell span many rows</a:t>
+            </a:r>
+          </a:p>
+          <a:p>
+            <a:pPr lvl="1" fontAlgn="base"/>
+            <a:r>
+              <a:rPr lang="en-US" dirty="0"/>
+              <a:t>Use the id attribute to uniquely define one table</a:t>
+            </a:r>
           </a:p>
         </p:txBody>
       </p:sp>
     </p:spTree>
     <p:extLst>
       <p:ext uri="{BB962C8B-B14F-4D97-AF65-F5344CB8AC3E}">
-        <p14:creationId xmlns:p14="http://schemas.microsoft.com/office/powerpoint/2010/main" val="3344094287"/>
+        <p14:creationId xmlns:p14="http://schemas.microsoft.com/office/powerpoint/2010/main" val="3456550281"/>
       </p:ext>
     </p:extLst>
   </p:cSld>
@@ -18509,13 +18997,8 @@
           <a:p>
             <a:r>
               <a:rPr lang="en-US" dirty="0"/>
-              <a:t>HTML and </a:t>
-            </a:r>
-            <a:r>
-              <a:rPr lang="en-US" dirty="0" smtClean="0"/>
-              <a:t>debugging</a:t>
-            </a:r>
-            <a:endParaRPr lang="en-US" dirty="0"/>
+              <a:t>HTML &lt;div&gt; Tag</a:t>
+            </a:r>
           </a:p>
         </p:txBody>
       </p:sp>
@@ -18536,10 +19019,25 @@
           <a:p>
             <a:r>
               <a:rPr lang="en-US" dirty="0"/>
-              <a:t>In the DOM inspector, you can see what the rendered markup</a:t>
-            </a:r>
-          </a:p>
-          <a:p>
+              <a:t>The &lt;div&gt; tag defines a division or a section in an HTML document.</a:t>
+            </a:r>
+          </a:p>
+          <a:p>
+            <a:r>
+              <a:rPr lang="en-US" dirty="0"/>
+              <a:t>The &lt;div&gt; tag is used as a container for HTML elements - which is then styled with CSS or manipulated with JavaScript.</a:t>
+            </a:r>
+          </a:p>
+          <a:p>
+            <a:r>
+              <a:rPr lang="en-US" dirty="0"/>
+              <a:t>The &lt;div&gt; tag is easily styled by using the class or id attribute.</a:t>
+            </a:r>
+          </a:p>
+          <a:p>
+            <a:pPr marL="95250" indent="0">
+              <a:buNone/>
+            </a:pPr>
             <a:r>
               <a:rPr lang="en-US" dirty="0"/>
               <a:t/>
@@ -18551,51 +19049,10 @@
           </a:p>
         </p:txBody>
       </p:sp>
-      <p:pic>
-        <p:nvPicPr>
-          <p:cNvPr id="5122" name="Picture 2" descr="https://lh6.googleusercontent.com/Wsw9nKFGsgE4L5yUWfPYAZMJjcE8gqCwDr2mHKnnv8r9i8Q3qjrUVFF7_2-qqehSeAAEWrp27MQ2mAUmsvKEilKG1niCknvhZjV3Dx4OynzQE3MDLj6mCAvy-pT4DEZfrq3lE7OZ"/>
-          <p:cNvPicPr>
-            <a:picLocks noChangeAspect="1" noChangeArrowheads="1"/>
-          </p:cNvPicPr>
-          <p:nvPr/>
-        </p:nvPicPr>
-        <p:blipFill>
-          <a:blip r:embed="rId2">
-            <a:extLst>
-              <a:ext uri="{28A0092B-C50C-407E-A947-70E740481C1C}">
-                <a14:useLocalDpi xmlns:a14="http://schemas.microsoft.com/office/drawing/2010/main" val="0"/>
-              </a:ext>
-            </a:extLst>
-          </a:blip>
-          <a:srcRect/>
-          <a:stretch>
-            <a:fillRect/>
-          </a:stretch>
-        </p:blipFill>
-        <p:spPr bwMode="auto">
-          <a:xfrm>
-            <a:off x="2318455" y="1733550"/>
-            <a:ext cx="3657600" cy="3067050"/>
-          </a:xfrm>
-          <a:prstGeom prst="rect">
-            <a:avLst/>
-          </a:prstGeom>
-          <a:noFill/>
-          <a:extLst>
-            <a:ext uri="{909E8E84-426E-40DD-AFC4-6F175D3DCCD1}">
-              <a14:hiddenFill xmlns:a14="http://schemas.microsoft.com/office/drawing/2010/main">
-                <a:solidFill>
-                  <a:srgbClr val="FFFFFF"/>
-                </a:solidFill>
-              </a14:hiddenFill>
-            </a:ext>
-          </a:extLst>
-        </p:spPr>
-      </p:pic>
     </p:spTree>
     <p:extLst>
       <p:ext uri="{BB962C8B-B14F-4D97-AF65-F5344CB8AC3E}">
-        <p14:creationId xmlns:p14="http://schemas.microsoft.com/office/powerpoint/2010/main" val="3028655343"/>
+        <p14:creationId xmlns:p14="http://schemas.microsoft.com/office/powerpoint/2010/main" val="3344094287"/>
       </p:ext>
     </p:extLst>
   </p:cSld>
@@ -18646,8 +19103,13 @@
           <a:p>
             <a:r>
               <a:rPr lang="en-US" dirty="0"/>
-              <a:t>HTML and debugging</a:t>
-            </a:r>
+              <a:t>HTML and </a:t>
+            </a:r>
+            <a:r>
+              <a:rPr lang="en-US" dirty="0" smtClean="0"/>
+              <a:t>debugging</a:t>
+            </a:r>
+            <a:endParaRPr lang="en-US" dirty="0"/>
           </a:p>
         </p:txBody>
       </p:sp>
@@ -18667,34 +19129,32 @@
           <a:lstStyle/>
           <a:p>
             <a:r>
-              <a:rPr lang="en-US" u="sng" dirty="0">
-                <a:hlinkClick r:id="rId2"/>
-              </a:rPr>
-              <a:t>https://validator.w3.org</a:t>
-            </a:r>
-            <a:r>
-              <a:rPr lang="en-US" u="sng" dirty="0" smtClean="0">
-                <a:hlinkClick r:id="rId2"/>
-              </a:rPr>
-              <a:t>/</a:t>
-            </a:r>
-            <a:endParaRPr lang="vi-VN" u="sng" dirty="0" smtClean="0"/>
-          </a:p>
-          <a:p>
+              <a:rPr lang="en-US" dirty="0"/>
+              <a:t>In the DOM inspector, you can see what the rendered markup</a:t>
+            </a:r>
+          </a:p>
+          <a:p>
+            <a:r>
+              <a:rPr lang="en-US" dirty="0"/>
+              <a:t/>
+            </a:r>
+            <a:br>
+              <a:rPr lang="en-US" dirty="0"/>
+            </a:br>
             <a:endParaRPr lang="en-US" dirty="0"/>
           </a:p>
         </p:txBody>
       </p:sp>
       <p:pic>
         <p:nvPicPr>
-          <p:cNvPr id="6148" name="Picture 4" descr="https://lh4.googleusercontent.com/LCM1O9grLmI85u9_8o_CygMq4Rubnci0IrbtWyMvUiCIPrWd-5Z-UfIV7mKvCGI07AngnoNWcu_1egs8QpolaCM-mm6KZKTU4Ot_HRR5_xozyYX1xYbB2py_0AU0G0_EMr4qyQWp"/>
+          <p:cNvPr id="5122" name="Picture 2" descr="https://lh6.googleusercontent.com/Wsw9nKFGsgE4L5yUWfPYAZMJjcE8gqCwDr2mHKnnv8r9i8Q3qjrUVFF7_2-qqehSeAAEWrp27MQ2mAUmsvKEilKG1niCknvhZjV3Dx4OynzQE3MDLj6mCAvy-pT4DEZfrq3lE7OZ"/>
           <p:cNvPicPr>
             <a:picLocks noChangeAspect="1" noChangeArrowheads="1"/>
           </p:cNvPicPr>
           <p:nvPr/>
         </p:nvPicPr>
         <p:blipFill>
-          <a:blip r:embed="rId3">
+          <a:blip r:embed="rId2">
             <a:extLst>
               <a:ext uri="{28A0092B-C50C-407E-A947-70E740481C1C}">
                 <a14:useLocalDpi xmlns:a14="http://schemas.microsoft.com/office/drawing/2010/main" val="0"/>
@@ -18708,8 +19168,8 @@
         </p:blipFill>
         <p:spPr bwMode="auto">
           <a:xfrm>
-            <a:off x="381000" y="2002910"/>
-            <a:ext cx="4337816" cy="3048000"/>
+            <a:off x="2318455" y="1733550"/>
+            <a:ext cx="3657600" cy="3067050"/>
           </a:xfrm>
           <a:prstGeom prst="rect">
             <a:avLst/>
@@ -18726,51 +19186,10 @@
           </a:extLst>
         </p:spPr>
       </p:pic>
-      <p:pic>
-        <p:nvPicPr>
-          <p:cNvPr id="6150" name="Picture 6" descr="https://lh3.googleusercontent.com/BNOgjSBJSRTUAjYKIdDhnEB2cqw-hEH9UPMdYxibRh4fgxjesOo2C03k26YhitCXXPKp9Q_R-xvzKlr5uDdSsxPdyhuUt7iqhoEj5FuL1Dl27rOCszJK7P8SPHvFYTcv_KvGxeJW"/>
-          <p:cNvPicPr>
-            <a:picLocks noChangeAspect="1" noChangeArrowheads="1"/>
-          </p:cNvPicPr>
-          <p:nvPr/>
-        </p:nvPicPr>
-        <p:blipFill>
-          <a:blip r:embed="rId4">
-            <a:extLst>
-              <a:ext uri="{28A0092B-C50C-407E-A947-70E740481C1C}">
-                <a14:useLocalDpi xmlns:a14="http://schemas.microsoft.com/office/drawing/2010/main" val="0"/>
-              </a:ext>
-            </a:extLst>
-          </a:blip>
-          <a:srcRect/>
-          <a:stretch>
-            <a:fillRect/>
-          </a:stretch>
-        </p:blipFill>
-        <p:spPr bwMode="auto">
-          <a:xfrm>
-            <a:off x="4966466" y="2114550"/>
-            <a:ext cx="4137033" cy="2590800"/>
-          </a:xfrm>
-          <a:prstGeom prst="rect">
-            <a:avLst/>
-          </a:prstGeom>
-          <a:noFill/>
-          <a:extLst>
-            <a:ext uri="{909E8E84-426E-40DD-AFC4-6F175D3DCCD1}">
-              <a14:hiddenFill xmlns:a14="http://schemas.microsoft.com/office/drawing/2010/main">
-                <a:solidFill>
-                  <a:srgbClr val="FFFFFF"/>
-                </a:solidFill>
-              </a14:hiddenFill>
-            </a:ext>
-          </a:extLst>
-        </p:spPr>
-      </p:pic>
     </p:spTree>
     <p:extLst>
       <p:ext uri="{BB962C8B-B14F-4D97-AF65-F5344CB8AC3E}">
-        <p14:creationId xmlns:p14="http://schemas.microsoft.com/office/powerpoint/2010/main" val="362845379"/>
+        <p14:creationId xmlns:p14="http://schemas.microsoft.com/office/powerpoint/2010/main" val="3028655343"/>
       </p:ext>
     </p:extLst>
   </p:cSld>
@@ -18820,10 +19239,9 @@
           <a:lstStyle/>
           <a:p>
             <a:r>
-              <a:rPr lang="en-US" dirty="0" smtClean="0"/>
-              <a:t>Intro to HTML5</a:t>
-            </a:r>
-            <a:endParaRPr lang="en-US" dirty="0"/>
+              <a:rPr lang="en-US" dirty="0"/>
+              <a:t>HTML and debugging</a:t>
+            </a:r>
           </a:p>
         </p:txBody>
       </p:sp>
@@ -18842,20 +19260,35 @@
           <a:bodyPr/>
           <a:lstStyle/>
           <a:p>
+            <a:r>
+              <a:rPr lang="en-US" u="sng" dirty="0">
+                <a:hlinkClick r:id="rId2"/>
+              </a:rPr>
+              <a:t>https://validator.w3.org</a:t>
+            </a:r>
+            <a:r>
+              <a:rPr lang="en-US" u="sng" dirty="0" smtClean="0">
+                <a:hlinkClick r:id="rId2"/>
+              </a:rPr>
+              <a:t>/</a:t>
+            </a:r>
+            <a:endParaRPr lang="vi-VN" u="sng" dirty="0" smtClean="0"/>
+          </a:p>
+          <a:p>
             <a:endParaRPr lang="en-US" dirty="0"/>
           </a:p>
         </p:txBody>
       </p:sp>
       <p:pic>
         <p:nvPicPr>
-          <p:cNvPr id="2050" name="Picture 2" descr="Difference Between HTML and HTML5"/>
+          <p:cNvPr id="6148" name="Picture 4" descr="https://lh4.googleusercontent.com/LCM1O9grLmI85u9_8o_CygMq4Rubnci0IrbtWyMvUiCIPrWd-5Z-UfIV7mKvCGI07AngnoNWcu_1egs8QpolaCM-mm6KZKTU4Ot_HRR5_xozyYX1xYbB2py_0AU0G0_EMr4qyQWp"/>
           <p:cNvPicPr>
             <a:picLocks noChangeAspect="1" noChangeArrowheads="1"/>
           </p:cNvPicPr>
           <p:nvPr/>
         </p:nvPicPr>
         <p:blipFill>
-          <a:blip r:embed="rId2">
+          <a:blip r:embed="rId3">
             <a:extLst>
               <a:ext uri="{28A0092B-C50C-407E-A947-70E740481C1C}">
                 <a14:useLocalDpi xmlns:a14="http://schemas.microsoft.com/office/drawing/2010/main" val="0"/>
@@ -18869,8 +19302,8 @@
         </p:blipFill>
         <p:spPr bwMode="auto">
           <a:xfrm>
-            <a:off x="1676400" y="1043238"/>
-            <a:ext cx="5705475" cy="3590926"/>
+            <a:off x="381000" y="2002910"/>
+            <a:ext cx="4337816" cy="3048000"/>
           </a:xfrm>
           <a:prstGeom prst="rect">
             <a:avLst/>
@@ -18887,10 +19320,51 @@
           </a:extLst>
         </p:spPr>
       </p:pic>
+      <p:pic>
+        <p:nvPicPr>
+          <p:cNvPr id="6150" name="Picture 6" descr="https://lh3.googleusercontent.com/BNOgjSBJSRTUAjYKIdDhnEB2cqw-hEH9UPMdYxibRh4fgxjesOo2C03k26YhitCXXPKp9Q_R-xvzKlr5uDdSsxPdyhuUt7iqhoEj5FuL1Dl27rOCszJK7P8SPHvFYTcv_KvGxeJW"/>
+          <p:cNvPicPr>
+            <a:picLocks noChangeAspect="1" noChangeArrowheads="1"/>
+          </p:cNvPicPr>
+          <p:nvPr/>
+        </p:nvPicPr>
+        <p:blipFill>
+          <a:blip r:embed="rId4">
+            <a:extLst>
+              <a:ext uri="{28A0092B-C50C-407E-A947-70E740481C1C}">
+                <a14:useLocalDpi xmlns:a14="http://schemas.microsoft.com/office/drawing/2010/main" val="0"/>
+              </a:ext>
+            </a:extLst>
+          </a:blip>
+          <a:srcRect/>
+          <a:stretch>
+            <a:fillRect/>
+          </a:stretch>
+        </p:blipFill>
+        <p:spPr bwMode="auto">
+          <a:xfrm>
+            <a:off x="4966466" y="2114550"/>
+            <a:ext cx="4137033" cy="2590800"/>
+          </a:xfrm>
+          <a:prstGeom prst="rect">
+            <a:avLst/>
+          </a:prstGeom>
+          <a:noFill/>
+          <a:extLst>
+            <a:ext uri="{909E8E84-426E-40DD-AFC4-6F175D3DCCD1}">
+              <a14:hiddenFill xmlns:a14="http://schemas.microsoft.com/office/drawing/2010/main">
+                <a:solidFill>
+                  <a:srgbClr val="FFFFFF"/>
+                </a:solidFill>
+              </a14:hiddenFill>
+            </a:ext>
+          </a:extLst>
+        </p:spPr>
+      </p:pic>
     </p:spTree>
     <p:extLst>
       <p:ext uri="{BB962C8B-B14F-4D97-AF65-F5344CB8AC3E}">
-        <p14:creationId xmlns:p14="http://schemas.microsoft.com/office/powerpoint/2010/main" val="3894073319"/>
+        <p14:creationId xmlns:p14="http://schemas.microsoft.com/office/powerpoint/2010/main" val="362845379"/>
       </p:ext>
     </p:extLst>
   </p:cSld>
@@ -18941,7 +19415,7 @@
           <a:p>
             <a:r>
               <a:rPr lang="en-US" dirty="0" smtClean="0"/>
-              <a:t>Best Practice</a:t>
+              <a:t>Intro to HTML5</a:t>
             </a:r>
             <a:endParaRPr lang="en-US" dirty="0"/>
           </a:p>
@@ -18962,52 +19436,40 @@
           <a:bodyPr/>
           <a:lstStyle/>
           <a:p>
-            <a:r>
-              <a:rPr lang="en-US" dirty="0" smtClean="0"/>
-              <a:t>Always </a:t>
-            </a:r>
-            <a:r>
-              <a:rPr lang="en-US" dirty="0"/>
-              <a:t>Declare a </a:t>
-            </a:r>
-            <a:r>
-              <a:rPr lang="en-US" dirty="0" err="1" smtClean="0"/>
-              <a:t>Doctype</a:t>
-            </a:r>
-            <a:endParaRPr lang="en-US" dirty="0" smtClean="0"/>
-          </a:p>
-          <a:p>
             <a:pPr lvl="1"/>
             <a:r>
-              <a:rPr lang="en-US" dirty="0"/>
-              <a:t>&lt;!DOCTYPE html PUBLIC "-//W3C//DTD XHTML 1.0 Strict//EN" "http://www.w3.org/TR/xhtml1/DTD/xhtml1-strict.dtd"&gt;</a:t>
-            </a:r>
-          </a:p>
-          <a:p>
-            <a:r>
-              <a:rPr lang="en-US" dirty="0"/>
-              <a:t>Use Meaningful Title Tags</a:t>
-            </a:r>
-          </a:p>
-          <a:p>
-            <a:pPr lvl="1"/>
-            <a:r>
-              <a:rPr lang="en-US" dirty="0"/>
-              <a:t>The &lt;title&gt; tag helps make a web page more meaningful and search-engine friendly.</a:t>
-            </a:r>
+              <a:rPr lang="vi-VN" dirty="0"/>
+              <a:t>Demo: </a:t>
+            </a:r>
+            <a:r>
+              <a:rPr lang="vi-VN" dirty="0">
+                <a:hlinkClick r:id="rId2"/>
+              </a:rPr>
+              <a:t>https://</a:t>
+            </a:r>
+            <a:r>
+              <a:rPr lang="vi-VN" dirty="0" smtClean="0">
+                <a:hlinkClick r:id="rId2"/>
+              </a:rPr>
+              <a:t>github.com/giaule91/demo-html5.git</a:t>
+            </a:r>
+            <a:endParaRPr lang="vi-VN" dirty="0" smtClean="0"/>
+          </a:p>
+          <a:p>
+            <a:endParaRPr lang="en-US" dirty="0"/>
           </a:p>
         </p:txBody>
       </p:sp>
       <p:pic>
         <p:nvPicPr>
-          <p:cNvPr id="1028" name="Picture 4" descr="https://www.webfx.com/blog/images/assets/images.sixrevisions.com/2010/08/22-01_title_example.png"/>
+          <p:cNvPr id="2050" name="Picture 2" descr="Difference Between HTML and HTML5"/>
           <p:cNvPicPr>
             <a:picLocks noChangeAspect="1" noChangeArrowheads="1"/>
           </p:cNvPicPr>
           <p:nvPr/>
         </p:nvPicPr>
         <p:blipFill>
-          <a:blip r:embed="rId2">
+          <a:blip r:embed="rId3">
             <a:extLst>
               <a:ext uri="{28A0092B-C50C-407E-A947-70E740481C1C}">
                 <a14:useLocalDpi xmlns:a14="http://schemas.microsoft.com/office/drawing/2010/main" val="0"/>
@@ -19021,8 +19483,8 @@
         </p:blipFill>
         <p:spPr bwMode="auto">
           <a:xfrm>
-            <a:off x="3276600" y="3160834"/>
-            <a:ext cx="3582151" cy="1458913"/>
+            <a:off x="1828800" y="1885950"/>
+            <a:ext cx="4791075" cy="3015419"/>
           </a:xfrm>
           <a:prstGeom prst="rect">
             <a:avLst/>
@@ -19042,7 +19504,7 @@
     </p:spTree>
     <p:extLst>
       <p:ext uri="{BB962C8B-B14F-4D97-AF65-F5344CB8AC3E}">
-        <p14:creationId xmlns:p14="http://schemas.microsoft.com/office/powerpoint/2010/main" val="232900765"/>
+        <p14:creationId xmlns:p14="http://schemas.microsoft.com/office/powerpoint/2010/main" val="3894073319"/>
       </p:ext>
     </p:extLst>
   </p:cSld>
@@ -19092,9 +19554,10 @@
           <a:lstStyle/>
           <a:p>
             <a:r>
-              <a:rPr lang="en-US" dirty="0"/>
+              <a:rPr lang="en-US" dirty="0" smtClean="0"/>
               <a:t>Best Practice</a:t>
             </a:r>
+            <a:endParaRPr lang="en-US" dirty="0"/>
           </a:p>
         </p:txBody>
       </p:sp>
@@ -19114,22 +19577,44 @@
           <a:lstStyle/>
           <a:p>
             <a:r>
-              <a:rPr lang="en-US" b="1" dirty="0"/>
-              <a:t>Use Descriptive Meta Tags</a:t>
-            </a:r>
+              <a:rPr lang="en-US" dirty="0" smtClean="0"/>
+              <a:t>Always </a:t>
+            </a:r>
+            <a:r>
+              <a:rPr lang="en-US" dirty="0"/>
+              <a:t>Declare a </a:t>
+            </a:r>
+            <a:r>
+              <a:rPr lang="en-US" dirty="0" err="1" smtClean="0"/>
+              <a:t>Doctype</a:t>
+            </a:r>
+            <a:endParaRPr lang="en-US" dirty="0" smtClean="0"/>
           </a:p>
           <a:p>
             <a:pPr lvl="1"/>
             <a:r>
               <a:rPr lang="en-US" dirty="0"/>
-              <a:t>&lt;meta name="description" content="Six Revisions is a blog that shares useful information about web development and design, dedicated to people who build websites." /&gt;</a:t>
+              <a:t>&lt;!DOCTYPE html PUBLIC "-//W3C//DTD XHTML 1.0 Strict//EN" "http://www.w3.org/TR/xhtml1/DTD/xhtml1-strict.dtd"&gt;</a:t>
+            </a:r>
+          </a:p>
+          <a:p>
+            <a:r>
+              <a:rPr lang="en-US" dirty="0"/>
+              <a:t>Use Meaningful Title Tags</a:t>
+            </a:r>
+          </a:p>
+          <a:p>
+            <a:pPr lvl="1"/>
+            <a:r>
+              <a:rPr lang="en-US" dirty="0"/>
+              <a:t>The &lt;title&gt; tag helps make a web page more meaningful and search-engine friendly.</a:t>
             </a:r>
           </a:p>
         </p:txBody>
       </p:sp>
       <p:pic>
         <p:nvPicPr>
-          <p:cNvPr id="2053" name="Picture 5" descr="https://www.webfx.com/blog/images/assets/images.sixrevisions.com/2010/08/22-02_description_example.png"/>
+          <p:cNvPr id="1028" name="Picture 4" descr="https://www.webfx.com/blog/images/assets/images.sixrevisions.com/2010/08/22-01_title_example.png"/>
           <p:cNvPicPr>
             <a:picLocks noChangeAspect="1" noChangeArrowheads="1"/>
           </p:cNvPicPr>
@@ -19150,8 +19635,8 @@
         </p:blipFill>
         <p:spPr bwMode="auto">
           <a:xfrm>
-            <a:off x="2209800" y="2724150"/>
-            <a:ext cx="4495800" cy="1831018"/>
+            <a:off x="3276600" y="3160834"/>
+            <a:ext cx="3582151" cy="1458913"/>
           </a:xfrm>
           <a:prstGeom prst="rect">
             <a:avLst/>
@@ -19171,7 +19656,7 @@
     </p:spTree>
     <p:extLst>
       <p:ext uri="{BB962C8B-B14F-4D97-AF65-F5344CB8AC3E}">
-        <p14:creationId xmlns:p14="http://schemas.microsoft.com/office/powerpoint/2010/main" val="1105259185"/>
+        <p14:creationId xmlns:p14="http://schemas.microsoft.com/office/powerpoint/2010/main" val="232900765"/>
       </p:ext>
     </p:extLst>
   </p:cSld>
@@ -19244,25 +19729,21 @@
           <a:p>
             <a:r>
               <a:rPr lang="en-US" b="1" dirty="0"/>
-              <a:t>Use </a:t>
-            </a:r>
-            <a:r>
-              <a:rPr lang="en-US" b="1" dirty="0" err="1"/>
-              <a:t>Divs</a:t>
-            </a:r>
-            <a:r>
-              <a:rPr lang="en-US" b="1" dirty="0"/>
-              <a:t> to Divide Your Layout into Major Sections</a:t>
-            </a:r>
-          </a:p>
-          <a:p>
-            <a:endParaRPr lang="en-US" dirty="0"/>
+              <a:t>Use Descriptive Meta Tags</a:t>
+            </a:r>
+          </a:p>
+          <a:p>
+            <a:pPr lvl="1"/>
+            <a:r>
+              <a:rPr lang="en-US" dirty="0"/>
+              <a:t>&lt;meta name="description" content="Six Revisions is a blog that shares useful information about web development and design, dedicated to people who build websites." /&gt;</a:t>
+            </a:r>
           </a:p>
         </p:txBody>
       </p:sp>
       <p:pic>
         <p:nvPicPr>
-          <p:cNvPr id="3074" name="Picture 2" descr="https://www.webfx.com/blog/images/assets/images.sixrevisions.com/2010/08/22-03_divide_into_sections.png"/>
+          <p:cNvPr id="2053" name="Picture 5" descr="https://www.webfx.com/blog/images/assets/images.sixrevisions.com/2010/08/22-02_description_example.png"/>
           <p:cNvPicPr>
             <a:picLocks noChangeAspect="1" noChangeArrowheads="1"/>
           </p:cNvPicPr>
@@ -19283,8 +19764,8 @@
         </p:blipFill>
         <p:spPr bwMode="auto">
           <a:xfrm>
-            <a:off x="1905000" y="2096043"/>
-            <a:ext cx="4572000" cy="1809751"/>
+            <a:off x="2209800" y="2724150"/>
+            <a:ext cx="4495800" cy="1831018"/>
           </a:xfrm>
           <a:prstGeom prst="rect">
             <a:avLst/>
@@ -19304,7 +19785,7 @@
     </p:spTree>
     <p:extLst>
       <p:ext uri="{BB962C8B-B14F-4D97-AF65-F5344CB8AC3E}">
-        <p14:creationId xmlns:p14="http://schemas.microsoft.com/office/powerpoint/2010/main" val="3373503032"/>
+        <p14:creationId xmlns:p14="http://schemas.microsoft.com/office/powerpoint/2010/main" val="1105259185"/>
       </p:ext>
     </p:extLst>
   </p:cSld>
@@ -19377,46 +19858,67 @@
           <a:p>
             <a:r>
               <a:rPr lang="en-US" b="1" dirty="0"/>
-              <a:t>Don't use inline styles</a:t>
-            </a:r>
-          </a:p>
-          <a:p>
-            <a:pPr lvl="1"/>
-            <a:r>
-              <a:rPr lang="en-US" dirty="0"/>
-              <a:t> it makes it harder to update and maintain a website.</a:t>
-            </a:r>
+              <a:t>Use </a:t>
+            </a:r>
+            <a:r>
+              <a:rPr lang="en-US" b="1" dirty="0" err="1"/>
+              <a:t>Divs</a:t>
+            </a:r>
+            <a:r>
+              <a:rPr lang="en-US" b="1" dirty="0"/>
+              <a:t> to Divide Your Layout into Major Sections</a:t>
+            </a:r>
+          </a:p>
+          <a:p>
+            <a:endParaRPr lang="en-US" dirty="0"/>
           </a:p>
         </p:txBody>
       </p:sp>
       <p:pic>
         <p:nvPicPr>
-          <p:cNvPr id="4" name="Picture 3"/>
+          <p:cNvPr id="3074" name="Picture 2" descr="https://www.webfx.com/blog/images/assets/images.sixrevisions.com/2010/08/22-03_divide_into_sections.png"/>
           <p:cNvPicPr>
-            <a:picLocks noChangeAspect="1"/>
+            <a:picLocks noChangeAspect="1" noChangeArrowheads="1"/>
           </p:cNvPicPr>
           <p:nvPr/>
         </p:nvPicPr>
         <p:blipFill>
-          <a:blip r:embed="rId2"/>
+          <a:blip r:embed="rId2">
+            <a:extLst>
+              <a:ext uri="{28A0092B-C50C-407E-A947-70E740481C1C}">
+                <a14:useLocalDpi xmlns:a14="http://schemas.microsoft.com/office/drawing/2010/main" val="0"/>
+              </a:ext>
+            </a:extLst>
+          </a:blip>
+          <a:srcRect/>
           <a:stretch>
             <a:fillRect/>
           </a:stretch>
         </p:blipFill>
-        <p:spPr>
+        <p:spPr bwMode="auto">
           <a:xfrm>
-            <a:off x="914400" y="2419350"/>
-            <a:ext cx="7696200" cy="737818"/>
+            <a:off x="1905000" y="2096043"/>
+            <a:ext cx="4572000" cy="1809751"/>
           </a:xfrm>
           <a:prstGeom prst="rect">
             <a:avLst/>
           </a:prstGeom>
+          <a:noFill/>
+          <a:extLst>
+            <a:ext uri="{909E8E84-426E-40DD-AFC4-6F175D3DCCD1}">
+              <a14:hiddenFill xmlns:a14="http://schemas.microsoft.com/office/drawing/2010/main">
+                <a:solidFill>
+                  <a:srgbClr val="FFFFFF"/>
+                </a:solidFill>
+              </a14:hiddenFill>
+            </a:ext>
+          </a:extLst>
         </p:spPr>
       </p:pic>
     </p:spTree>
     <p:extLst>
       <p:ext uri="{BB962C8B-B14F-4D97-AF65-F5344CB8AC3E}">
-        <p14:creationId xmlns:p14="http://schemas.microsoft.com/office/powerpoint/2010/main" val="3969239447"/>
+        <p14:creationId xmlns:p14="http://schemas.microsoft.com/office/powerpoint/2010/main" val="3373503032"/>
       </p:ext>
     </p:extLst>
   </p:cSld>
@@ -19489,67 +19991,21 @@
           <a:p>
             <a:r>
               <a:rPr lang="en-US" b="1" dirty="0"/>
-              <a:t>Don’t Use </a:t>
-            </a:r>
-            <a:r>
-              <a:rPr lang="en-US" b="1" dirty="0" err="1"/>
-              <a:t>Divs</a:t>
-            </a:r>
-            <a:r>
-              <a:rPr lang="en-US" b="1" dirty="0"/>
-              <a:t> for Everything</a:t>
+              <a:t>Don't use inline styles</a:t>
             </a:r>
           </a:p>
           <a:p>
             <a:pPr lvl="1"/>
             <a:r>
               <a:rPr lang="en-US" dirty="0"/>
-              <a:t>a &lt;div&gt; is a meaningless element that should be used “as an element of last resort, for when no </a:t>
-            </a:r>
-            <a:r>
-              <a:rPr lang="en-US" dirty="0" smtClean="0"/>
-              <a:t>other </a:t>
-            </a:r>
-            <a:r>
-              <a:rPr lang="en-US" dirty="0"/>
-              <a:t>element is suitable</a:t>
-            </a:r>
-            <a:r>
-              <a:rPr lang="en-US" dirty="0" smtClean="0"/>
-              <a:t>.</a:t>
-            </a:r>
-          </a:p>
-          <a:p>
-            <a:r>
-              <a:rPr lang="en-US" b="1" dirty="0"/>
-              <a:t>Close Your Tags</a:t>
-            </a:r>
-          </a:p>
-          <a:p>
-            <a:pPr lvl="1"/>
-            <a:r>
-              <a:rPr lang="en-US" dirty="0"/>
-              <a:t>Closing all your tags is a W3C specification</a:t>
-            </a:r>
-            <a:r>
-              <a:rPr lang="en-US" dirty="0" smtClean="0"/>
-              <a:t>.</a:t>
-            </a:r>
-          </a:p>
-          <a:p>
-            <a:r>
-              <a:rPr lang="en-US" b="1" dirty="0"/>
-              <a:t>Use Lower Case Markup</a:t>
-            </a:r>
-          </a:p>
-          <a:p>
-            <a:endParaRPr lang="en-US" dirty="0"/>
+              <a:t> it makes it harder to update and maintain a website.</a:t>
+            </a:r>
           </a:p>
         </p:txBody>
       </p:sp>
       <p:pic>
         <p:nvPicPr>
-          <p:cNvPr id="5" name="Picture 4"/>
+          <p:cNvPr id="4" name="Picture 3"/>
           <p:cNvPicPr>
             <a:picLocks noChangeAspect="1"/>
           </p:cNvPicPr>
@@ -19563,8 +20019,8 @@
         </p:blipFill>
         <p:spPr>
           <a:xfrm>
-            <a:off x="1752600" y="3562350"/>
-            <a:ext cx="4929187" cy="1342355"/>
+            <a:off x="914400" y="2419350"/>
+            <a:ext cx="7696200" cy="737818"/>
           </a:xfrm>
           <a:prstGeom prst="rect">
             <a:avLst/>
@@ -19574,7 +20030,7 @@
     </p:spTree>
     <p:extLst>
       <p:ext uri="{BB962C8B-B14F-4D97-AF65-F5344CB8AC3E}">
-        <p14:creationId xmlns:p14="http://schemas.microsoft.com/office/powerpoint/2010/main" val="1724721113"/>
+        <p14:creationId xmlns:p14="http://schemas.microsoft.com/office/powerpoint/2010/main" val="3969239447"/>
       </p:ext>
     </p:extLst>
   </p:cSld>
@@ -19647,22 +20103,30 @@
           <a:p>
             <a:r>
               <a:rPr lang="en-US" b="1" dirty="0"/>
-              <a:t>Use Alt Attributes with Images</a:t>
+              <a:t>Don’t Use </a:t>
+            </a:r>
+            <a:r>
+              <a:rPr lang="en-US" b="1" dirty="0" err="1"/>
+              <a:t>Divs</a:t>
+            </a:r>
+            <a:r>
+              <a:rPr lang="en-US" b="1" dirty="0"/>
+              <a:t> for Everything</a:t>
             </a:r>
           </a:p>
           <a:p>
             <a:pPr lvl="1"/>
             <a:r>
               <a:rPr lang="en-US" dirty="0"/>
-              <a:t>Using a meaningful alt attribute with &lt;</a:t>
-            </a:r>
-            <a:r>
-              <a:rPr lang="en-US" dirty="0" err="1"/>
-              <a:t>img</a:t>
+              <a:t>a &lt;div&gt; is a meaningless element that should be used “as an element of last resort, for when no </a:t>
+            </a:r>
+            <a:r>
+              <a:rPr lang="en-US" dirty="0" smtClean="0"/>
+              <a:t>other </a:t>
             </a:r>
             <a:r>
               <a:rPr lang="en-US" dirty="0"/>
-              <a:t>&gt; elements is a must for writing valid and semantic code</a:t>
+              <a:t>element is suitable</a:t>
             </a:r>
             <a:r>
               <a:rPr lang="en-US" dirty="0" smtClean="0"/>
@@ -19670,208 +20134,61 @@
             </a:r>
           </a:p>
           <a:p>
+            <a:r>
+              <a:rPr lang="en-US" b="1" dirty="0"/>
+              <a:t>Close Your Tags</a:t>
+            </a:r>
+          </a:p>
+          <a:p>
             <a:pPr lvl="1"/>
+            <a:r>
+              <a:rPr lang="en-US" dirty="0"/>
+              <a:t>Closing all your tags is a W3C specification</a:t>
+            </a:r>
+            <a:r>
+              <a:rPr lang="en-US" dirty="0" smtClean="0"/>
+              <a:t>.</a:t>
+            </a:r>
+          </a:p>
+          <a:p>
+            <a:r>
+              <a:rPr lang="en-US" b="1" dirty="0"/>
+              <a:t>Use Lower Case Markup</a:t>
+            </a:r>
+          </a:p>
+          <a:p>
             <a:endParaRPr lang="en-US" dirty="0"/>
           </a:p>
         </p:txBody>
       </p:sp>
-      <p:sp>
-        <p:nvSpPr>
-          <p:cNvPr id="4" name="Rectangle 1"/>
-          <p:cNvSpPr>
-            <a:spLocks noChangeArrowheads="1"/>
-          </p:cNvSpPr>
+      <p:pic>
+        <p:nvPicPr>
+          <p:cNvPr id="5" name="Picture 4"/>
+          <p:cNvPicPr>
+            <a:picLocks noChangeAspect="1"/>
+          </p:cNvPicPr>
           <p:nvPr/>
-        </p:nvSpPr>
-        <p:spPr bwMode="auto">
+        </p:nvPicPr>
+        <p:blipFill>
+          <a:blip r:embed="rId2"/>
+          <a:stretch>
+            <a:fillRect/>
+          </a:stretch>
+        </p:blipFill>
+        <p:spPr>
           <a:xfrm>
-            <a:off x="990600" y="2486367"/>
-            <a:ext cx="7524750" cy="323165"/>
+            <a:off x="1752600" y="3562350"/>
+            <a:ext cx="4929187" cy="1342355"/>
           </a:xfrm>
           <a:prstGeom prst="rect">
             <a:avLst/>
           </a:prstGeom>
-          <a:solidFill>
-            <a:srgbClr val="FFFFFF"/>
-          </a:solidFill>
-          <a:ln>
-            <a:noFill/>
-          </a:ln>
-          <a:effectLst/>
-          <a:extLst>
-            <a:ext uri="{91240B29-F687-4F45-9708-019B960494DF}">
-              <a14:hiddenLine xmlns:a14="http://schemas.microsoft.com/office/drawing/2010/main" w="9525">
-                <a:solidFill>
-                  <a:schemeClr val="tx1"/>
-                </a:solidFill>
-                <a:miter lim="800000"/>
-                <a:headEnd/>
-                <a:tailEnd/>
-              </a14:hiddenLine>
-            </a:ext>
-            <a:ext uri="{AF507438-7753-43E0-B8FC-AC1667EBCBE1}">
-              <a14:hiddenEffects xmlns:a14="http://schemas.microsoft.com/office/drawing/2010/main">
-                <a:effectLst>
-                  <a:outerShdw dist="35921" dir="2700000" algn="ctr" rotWithShape="0">
-                    <a:schemeClr val="bg2"/>
-                  </a:outerShdw>
-                </a:effectLst>
-              </a14:hiddenEffects>
-            </a:ext>
-          </a:extLst>
         </p:spPr>
-        <p:txBody>
-          <a:bodyPr vert="horz" wrap="square" lIns="91440" tIns="45720" rIns="91440" bIns="45720" numCol="1" anchor="ctr" anchorCtr="0" compatLnSpc="1">
-            <a:prstTxWarp prst="textNoShape">
-              <a:avLst/>
-            </a:prstTxWarp>
-            <a:spAutoFit/>
-          </a:bodyPr>
-          <a:lstStyle/>
-          <a:p>
-            <a:pPr marL="0" marR="0" lvl="0" indent="0" algn="l" defTabSz="914400" rtl="0" eaLnBrk="0" fontAlgn="base" latinLnBrk="0" hangingPunct="0">
-              <a:lnSpc>
-                <a:spcPct val="100000"/>
-              </a:lnSpc>
-              <a:spcBef>
-                <a:spcPct val="0"/>
-              </a:spcBef>
-              <a:spcAft>
-                <a:spcPct val="0"/>
-              </a:spcAft>
-              <a:buClrTx/>
-              <a:buSzTx/>
-              <a:buFontTx/>
-              <a:buNone/>
-              <a:tabLst/>
-            </a:pPr>
-            <a:r>
-              <a:rPr kumimoji="0" lang="en-US" altLang="en-US" sz="1500" b="0" i="0" u="none" strike="noStrike" cap="none" normalizeH="0" baseline="0" dirty="0" smtClean="0">
-                <a:ln>
-                  <a:noFill/>
-                </a:ln>
-                <a:solidFill>
-                  <a:srgbClr val="444444"/>
-                </a:solidFill>
-                <a:effectLst/>
-                <a:latin typeface="Courier New" panose="02070309020205020404" pitchFamily="49" charset="0"/>
-                <a:cs typeface="Courier New" panose="02070309020205020404" pitchFamily="49" charset="0"/>
-              </a:rPr>
-              <a:t>&lt;</a:t>
-            </a:r>
-            <a:r>
-              <a:rPr kumimoji="0" lang="en-US" altLang="en-US" sz="1500" b="0" i="0" u="none" strike="noStrike" cap="none" normalizeH="0" baseline="0" dirty="0" err="1" smtClean="0">
-                <a:ln>
-                  <a:noFill/>
-                </a:ln>
-                <a:solidFill>
-                  <a:srgbClr val="444444"/>
-                </a:solidFill>
-                <a:effectLst/>
-                <a:latin typeface="Courier New" panose="02070309020205020404" pitchFamily="49" charset="0"/>
-                <a:cs typeface="Courier New" panose="02070309020205020404" pitchFamily="49" charset="0"/>
-              </a:rPr>
-              <a:t>img</a:t>
-            </a:r>
-            <a:r>
-              <a:rPr kumimoji="0" lang="en-US" altLang="en-US" sz="1500" b="0" i="0" u="none" strike="noStrike" cap="none" normalizeH="0" baseline="0" dirty="0" smtClean="0">
-                <a:ln>
-                  <a:noFill/>
-                </a:ln>
-                <a:solidFill>
-                  <a:srgbClr val="444444"/>
-                </a:solidFill>
-                <a:effectLst/>
-                <a:latin typeface="Courier New" panose="02070309020205020404" pitchFamily="49" charset="0"/>
-                <a:cs typeface="Courier New" panose="02070309020205020404" pitchFamily="49" charset="0"/>
-              </a:rPr>
-              <a:t> id="logo" </a:t>
-            </a:r>
-            <a:r>
-              <a:rPr kumimoji="0" lang="en-US" altLang="en-US" sz="1500" b="0" i="0" u="none" strike="noStrike" cap="none" normalizeH="0" baseline="0" dirty="0" err="1" smtClean="0">
-                <a:ln>
-                  <a:noFill/>
-                </a:ln>
-                <a:solidFill>
-                  <a:srgbClr val="444444"/>
-                </a:solidFill>
-                <a:effectLst/>
-                <a:latin typeface="Courier New" panose="02070309020205020404" pitchFamily="49" charset="0"/>
-                <a:cs typeface="Courier New" panose="02070309020205020404" pitchFamily="49" charset="0"/>
-              </a:rPr>
-              <a:t>src</a:t>
-            </a:r>
-            <a:r>
-              <a:rPr kumimoji="0" lang="en-US" altLang="en-US" sz="1500" b="0" i="0" u="none" strike="noStrike" cap="none" normalizeH="0" baseline="0" dirty="0" smtClean="0">
-                <a:ln>
-                  <a:noFill/>
-                </a:ln>
-                <a:solidFill>
-                  <a:srgbClr val="444444"/>
-                </a:solidFill>
-                <a:effectLst/>
-                <a:latin typeface="Courier New" panose="02070309020205020404" pitchFamily="49" charset="0"/>
-                <a:cs typeface="Courier New" panose="02070309020205020404" pitchFamily="49" charset="0"/>
-              </a:rPr>
-              <a:t>="images/bgr_logo.png" </a:t>
-            </a:r>
-            <a:r>
-              <a:rPr kumimoji="0" lang="en-US" altLang="en-US" sz="1500" b="1" i="0" u="none" strike="noStrike" cap="none" normalizeH="0" baseline="0" dirty="0" smtClean="0">
-                <a:ln>
-                  <a:noFill/>
-                </a:ln>
-                <a:solidFill>
-                  <a:srgbClr val="444444"/>
-                </a:solidFill>
-                <a:effectLst/>
-                <a:latin typeface="Roboto"/>
-                <a:cs typeface="Courier New" panose="02070309020205020404" pitchFamily="49" charset="0"/>
-              </a:rPr>
-              <a:t>alt="Six Revisions Logo"</a:t>
-            </a:r>
-            <a:r>
-              <a:rPr kumimoji="0" lang="en-US" altLang="en-US" sz="1500" b="0" i="0" u="none" strike="noStrike" cap="none" normalizeH="0" baseline="0" dirty="0" smtClean="0">
-                <a:ln>
-                  <a:noFill/>
-                </a:ln>
-                <a:solidFill>
-                  <a:srgbClr val="444444"/>
-                </a:solidFill>
-                <a:effectLst/>
-                <a:latin typeface="Courier New" panose="02070309020205020404" pitchFamily="49" charset="0"/>
-                <a:cs typeface="Courier New" panose="02070309020205020404" pitchFamily="49" charset="0"/>
-              </a:rPr>
-              <a:t> /&gt;</a:t>
-            </a:r>
-            <a:r>
-              <a:rPr kumimoji="0" lang="en-US" altLang="en-US" sz="600" b="0" i="0" u="none" strike="noStrike" cap="none" normalizeH="0" baseline="0" dirty="0" smtClean="0">
-                <a:ln>
-                  <a:noFill/>
-                </a:ln>
-                <a:solidFill>
-                  <a:schemeClr val="tx1"/>
-                </a:solidFill>
-                <a:effectLst/>
-              </a:rPr>
-              <a:t> </a:t>
-            </a:r>
-            <a:endParaRPr kumimoji="0" lang="en-US" altLang="en-US" sz="1800" b="0" i="0" u="none" strike="noStrike" cap="none" normalizeH="0" baseline="0" dirty="0" smtClean="0">
-              <a:ln>
-                <a:noFill/>
-              </a:ln>
-              <a:solidFill>
-                <a:schemeClr val="tx1"/>
-              </a:solidFill>
-              <a:effectLst/>
-              <a:latin typeface="Arial" panose="020B0604020202020204" pitchFamily="34" charset="0"/>
-            </a:endParaRPr>
-          </a:p>
-        </p:txBody>
-      </p:sp>
+      </p:pic>
     </p:spTree>
     <p:extLst>
       <p:ext uri="{BB962C8B-B14F-4D97-AF65-F5344CB8AC3E}">
-        <p14:creationId xmlns:p14="http://schemas.microsoft.com/office/powerpoint/2010/main" val="17067224"/>
+        <p14:creationId xmlns:p14="http://schemas.microsoft.com/office/powerpoint/2010/main" val="1724721113"/>
       </p:ext>
     </p:extLst>
   </p:cSld>
@@ -19943,20 +20260,27 @@
           <a:lstStyle/>
           <a:p>
             <a:r>
+              <a:rPr lang="en-US" b="1" dirty="0"/>
+              <a:t>Use Alt Attributes with Images</a:t>
+            </a:r>
+          </a:p>
+          <a:p>
+            <a:pPr lvl="1"/>
+            <a:r>
               <a:rPr lang="en-US" dirty="0"/>
-              <a:t>Use </a:t>
+              <a:t>Using a meaningful alt attribute with &lt;</a:t>
             </a:r>
             <a:r>
               <a:rPr lang="en-US" dirty="0" err="1"/>
-              <a:t>Fieldset</a:t>
+              <a:t>img</a:t>
             </a:r>
             <a:r>
               <a:rPr lang="en-US" dirty="0"/>
-              <a:t> and Labels in Web </a:t>
+              <a:t>&gt; elements is a must for writing valid and semantic code</a:t>
             </a:r>
             <a:r>
               <a:rPr lang="en-US" dirty="0" smtClean="0"/>
-              <a:t>Forms</a:t>
+              <a:t>.</a:t>
             </a:r>
           </a:p>
           <a:p>
@@ -19965,34 +20289,203 @@
           </a:p>
         </p:txBody>
       </p:sp>
-      <p:pic>
-        <p:nvPicPr>
-          <p:cNvPr id="6" name="Picture 5"/>
-          <p:cNvPicPr>
-            <a:picLocks noChangeAspect="1"/>
-          </p:cNvPicPr>
+      <p:sp>
+        <p:nvSpPr>
+          <p:cNvPr id="4" name="Rectangle 1"/>
+          <p:cNvSpPr>
+            <a:spLocks noChangeArrowheads="1"/>
+          </p:cNvSpPr>
           <p:nvPr/>
-        </p:nvPicPr>
-        <p:blipFill>
-          <a:blip r:embed="rId2"/>
-          <a:stretch>
-            <a:fillRect/>
-          </a:stretch>
-        </p:blipFill>
-        <p:spPr>
+        </p:nvSpPr>
+        <p:spPr bwMode="auto">
           <a:xfrm>
-            <a:off x="1136307" y="2038350"/>
-            <a:ext cx="7391400" cy="2156089"/>
+            <a:off x="990600" y="2486367"/>
+            <a:ext cx="7524750" cy="323165"/>
           </a:xfrm>
           <a:prstGeom prst="rect">
             <a:avLst/>
           </a:prstGeom>
+          <a:solidFill>
+            <a:srgbClr val="FFFFFF"/>
+          </a:solidFill>
+          <a:ln>
+            <a:noFill/>
+          </a:ln>
+          <a:effectLst/>
+          <a:extLst>
+            <a:ext uri="{91240B29-F687-4F45-9708-019B960494DF}">
+              <a14:hiddenLine xmlns:a14="http://schemas.microsoft.com/office/drawing/2010/main" w="9525">
+                <a:solidFill>
+                  <a:schemeClr val="tx1"/>
+                </a:solidFill>
+                <a:miter lim="800000"/>
+                <a:headEnd/>
+                <a:tailEnd/>
+              </a14:hiddenLine>
+            </a:ext>
+            <a:ext uri="{AF507438-7753-43E0-B8FC-AC1667EBCBE1}">
+              <a14:hiddenEffects xmlns:a14="http://schemas.microsoft.com/office/drawing/2010/main">
+                <a:effectLst>
+                  <a:outerShdw dist="35921" dir="2700000" algn="ctr" rotWithShape="0">
+                    <a:schemeClr val="bg2"/>
+                  </a:outerShdw>
+                </a:effectLst>
+              </a14:hiddenEffects>
+            </a:ext>
+          </a:extLst>
         </p:spPr>
-      </p:pic>
+        <p:txBody>
+          <a:bodyPr vert="horz" wrap="square" lIns="91440" tIns="45720" rIns="91440" bIns="45720" numCol="1" anchor="ctr" anchorCtr="0" compatLnSpc="1">
+            <a:prstTxWarp prst="textNoShape">
+              <a:avLst/>
+            </a:prstTxWarp>
+            <a:spAutoFit/>
+          </a:bodyPr>
+          <a:lstStyle/>
+          <a:p>
+            <a:pPr marL="0" marR="0" lvl="0" indent="0" algn="l" defTabSz="914400" rtl="0" eaLnBrk="0" fontAlgn="base" latinLnBrk="0" hangingPunct="0">
+              <a:lnSpc>
+                <a:spcPct val="100000"/>
+              </a:lnSpc>
+              <a:spcBef>
+                <a:spcPct val="0"/>
+              </a:spcBef>
+              <a:spcAft>
+                <a:spcPct val="0"/>
+              </a:spcAft>
+              <a:buClrTx/>
+              <a:buSzTx/>
+              <a:buFontTx/>
+              <a:buNone/>
+              <a:tabLst/>
+            </a:pPr>
+            <a:r>
+              <a:rPr kumimoji="0" lang="en-US" altLang="en-US" sz="1500" b="0" i="0" u="none" strike="noStrike" cap="none" normalizeH="0" baseline="0" dirty="0" smtClean="0">
+                <a:ln>
+                  <a:noFill/>
+                </a:ln>
+                <a:solidFill>
+                  <a:srgbClr val="444444"/>
+                </a:solidFill>
+                <a:effectLst/>
+                <a:latin typeface="Courier New" panose="02070309020205020404" pitchFamily="49" charset="0"/>
+                <a:cs typeface="Courier New" panose="02070309020205020404" pitchFamily="49" charset="0"/>
+              </a:rPr>
+              <a:t>&lt;</a:t>
+            </a:r>
+            <a:r>
+              <a:rPr kumimoji="0" lang="en-US" altLang="en-US" sz="1500" b="0" i="0" u="none" strike="noStrike" cap="none" normalizeH="0" baseline="0" dirty="0" err="1" smtClean="0">
+                <a:ln>
+                  <a:noFill/>
+                </a:ln>
+                <a:solidFill>
+                  <a:srgbClr val="444444"/>
+                </a:solidFill>
+                <a:effectLst/>
+                <a:latin typeface="Courier New" panose="02070309020205020404" pitchFamily="49" charset="0"/>
+                <a:cs typeface="Courier New" panose="02070309020205020404" pitchFamily="49" charset="0"/>
+              </a:rPr>
+              <a:t>img</a:t>
+            </a:r>
+            <a:r>
+              <a:rPr kumimoji="0" lang="en-US" altLang="en-US" sz="1500" b="0" i="0" u="none" strike="noStrike" cap="none" normalizeH="0" baseline="0" dirty="0" smtClean="0">
+                <a:ln>
+                  <a:noFill/>
+                </a:ln>
+                <a:solidFill>
+                  <a:srgbClr val="444444"/>
+                </a:solidFill>
+                <a:effectLst/>
+                <a:latin typeface="Courier New" panose="02070309020205020404" pitchFamily="49" charset="0"/>
+                <a:cs typeface="Courier New" panose="02070309020205020404" pitchFamily="49" charset="0"/>
+              </a:rPr>
+              <a:t> id="logo" </a:t>
+            </a:r>
+            <a:r>
+              <a:rPr kumimoji="0" lang="en-US" altLang="en-US" sz="1500" b="0" i="0" u="none" strike="noStrike" cap="none" normalizeH="0" baseline="0" dirty="0" err="1" smtClean="0">
+                <a:ln>
+                  <a:noFill/>
+                </a:ln>
+                <a:solidFill>
+                  <a:srgbClr val="444444"/>
+                </a:solidFill>
+                <a:effectLst/>
+                <a:latin typeface="Courier New" panose="02070309020205020404" pitchFamily="49" charset="0"/>
+                <a:cs typeface="Courier New" panose="02070309020205020404" pitchFamily="49" charset="0"/>
+              </a:rPr>
+              <a:t>src</a:t>
+            </a:r>
+            <a:r>
+              <a:rPr kumimoji="0" lang="en-US" altLang="en-US" sz="1500" b="0" i="0" u="none" strike="noStrike" cap="none" normalizeH="0" baseline="0" dirty="0" smtClean="0">
+                <a:ln>
+                  <a:noFill/>
+                </a:ln>
+                <a:solidFill>
+                  <a:srgbClr val="444444"/>
+                </a:solidFill>
+                <a:effectLst/>
+                <a:latin typeface="Courier New" panose="02070309020205020404" pitchFamily="49" charset="0"/>
+                <a:cs typeface="Courier New" panose="02070309020205020404" pitchFamily="49" charset="0"/>
+              </a:rPr>
+              <a:t>="images/bgr_logo.png" </a:t>
+            </a:r>
+            <a:r>
+              <a:rPr kumimoji="0" lang="en-US" altLang="en-US" sz="1500" b="1" i="0" u="none" strike="noStrike" cap="none" normalizeH="0" baseline="0" dirty="0" smtClean="0">
+                <a:ln>
+                  <a:noFill/>
+                </a:ln>
+                <a:solidFill>
+                  <a:srgbClr val="444444"/>
+                </a:solidFill>
+                <a:effectLst/>
+                <a:latin typeface="Roboto"/>
+                <a:cs typeface="Courier New" panose="02070309020205020404" pitchFamily="49" charset="0"/>
+              </a:rPr>
+              <a:t>alt="Six Revisions Logo"</a:t>
+            </a:r>
+            <a:r>
+              <a:rPr kumimoji="0" lang="en-US" altLang="en-US" sz="1500" b="0" i="0" u="none" strike="noStrike" cap="none" normalizeH="0" baseline="0" dirty="0" smtClean="0">
+                <a:ln>
+                  <a:noFill/>
+                </a:ln>
+                <a:solidFill>
+                  <a:srgbClr val="444444"/>
+                </a:solidFill>
+                <a:effectLst/>
+                <a:latin typeface="Courier New" panose="02070309020205020404" pitchFamily="49" charset="0"/>
+                <a:cs typeface="Courier New" panose="02070309020205020404" pitchFamily="49" charset="0"/>
+              </a:rPr>
+              <a:t> /&gt;</a:t>
+            </a:r>
+            <a:r>
+              <a:rPr kumimoji="0" lang="en-US" altLang="en-US" sz="600" b="0" i="0" u="none" strike="noStrike" cap="none" normalizeH="0" baseline="0" dirty="0" smtClean="0">
+                <a:ln>
+                  <a:noFill/>
+                </a:ln>
+                <a:solidFill>
+                  <a:schemeClr val="tx1"/>
+                </a:solidFill>
+                <a:effectLst/>
+              </a:rPr>
+              <a:t> </a:t>
+            </a:r>
+            <a:endParaRPr kumimoji="0" lang="en-US" altLang="en-US" sz="1800" b="0" i="0" u="none" strike="noStrike" cap="none" normalizeH="0" baseline="0" dirty="0" smtClean="0">
+              <a:ln>
+                <a:noFill/>
+              </a:ln>
+              <a:solidFill>
+                <a:schemeClr val="tx1"/>
+              </a:solidFill>
+              <a:effectLst/>
+              <a:latin typeface="Arial" panose="020B0604020202020204" pitchFamily="34" charset="0"/>
+            </a:endParaRPr>
+          </a:p>
+        </p:txBody>
+      </p:sp>
     </p:spTree>
     <p:extLst>
       <p:ext uri="{BB962C8B-B14F-4D97-AF65-F5344CB8AC3E}">
-        <p14:creationId xmlns:p14="http://schemas.microsoft.com/office/powerpoint/2010/main" val="3810075128"/>
+        <p14:creationId xmlns:p14="http://schemas.microsoft.com/office/powerpoint/2010/main" val="17067224"/>
       </p:ext>
     </p:extLst>
   </p:cSld>
@@ -20184,40 +20677,31 @@
           <a:lstStyle/>
           <a:p>
             <a:r>
-              <a:rPr lang="en-US" b="1" dirty="0"/>
-              <a:t>Use Modular IE </a:t>
-            </a:r>
-            <a:r>
-              <a:rPr lang="en-US" b="1" dirty="0" smtClean="0"/>
-              <a:t>Fixes</a:t>
-            </a:r>
-          </a:p>
-          <a:p>
-            <a:endParaRPr lang="en-US" b="1" dirty="0"/>
-          </a:p>
-          <a:p>
-            <a:endParaRPr lang="en-US" b="1" dirty="0" smtClean="0"/>
-          </a:p>
-          <a:p>
-            <a:endParaRPr lang="en-US" b="1" dirty="0"/>
-          </a:p>
-          <a:p>
-            <a:r>
-              <a:rPr lang="en-US" b="1" dirty="0"/>
-              <a:t>Avoid Excessive Comments</a:t>
-            </a:r>
-          </a:p>
-          <a:p>
-            <a:endParaRPr lang="en-US" b="1" dirty="0"/>
-          </a:p>
-          <a:p>
+              <a:rPr lang="en-US" dirty="0"/>
+              <a:t>Use </a:t>
+            </a:r>
+            <a:r>
+              <a:rPr lang="en-US" dirty="0" err="1"/>
+              <a:t>Fieldset</a:t>
+            </a:r>
+            <a:r>
+              <a:rPr lang="en-US" dirty="0"/>
+              <a:t> and Labels in Web </a:t>
+            </a:r>
+            <a:r>
+              <a:rPr lang="en-US" dirty="0" smtClean="0"/>
+              <a:t>Forms</a:t>
+            </a:r>
+          </a:p>
+          <a:p>
+            <a:pPr lvl="1"/>
             <a:endParaRPr lang="en-US" dirty="0"/>
           </a:p>
         </p:txBody>
       </p:sp>
       <p:pic>
         <p:nvPicPr>
-          <p:cNvPr id="4" name="Picture 3"/>
+          <p:cNvPr id="6" name="Picture 5"/>
           <p:cNvPicPr>
             <a:picLocks noChangeAspect="1"/>
           </p:cNvPicPr>
@@ -20231,8 +20715,8 @@
         </p:blipFill>
         <p:spPr>
           <a:xfrm>
-            <a:off x="1752600" y="1962150"/>
-            <a:ext cx="6400800" cy="1085176"/>
+            <a:off x="1136307" y="2038350"/>
+            <a:ext cx="7391400" cy="2156089"/>
           </a:xfrm>
           <a:prstGeom prst="rect">
             <a:avLst/>
@@ -20242,7 +20726,7 @@
     </p:spTree>
     <p:extLst>
       <p:ext uri="{BB962C8B-B14F-4D97-AF65-F5344CB8AC3E}">
-        <p14:creationId xmlns:p14="http://schemas.microsoft.com/office/powerpoint/2010/main" val="3505754921"/>
+        <p14:creationId xmlns:p14="http://schemas.microsoft.com/office/powerpoint/2010/main" val="3810075128"/>
       </p:ext>
     </p:extLst>
   </p:cSld>
@@ -20292,10 +20776,9 @@
           <a:lstStyle/>
           <a:p>
             <a:r>
-              <a:rPr lang="vi-VN" dirty="0" smtClean="0"/>
-              <a:t>Excercise</a:t>
-            </a:r>
-            <a:endParaRPr lang="en-US" dirty="0"/>
+              <a:rPr lang="en-US" dirty="0"/>
+              <a:t>Best Practice</a:t>
+            </a:r>
           </a:p>
         </p:txBody>
       </p:sp>
@@ -20315,6 +20798,137 @@
           <a:lstStyle/>
           <a:p>
             <a:r>
+              <a:rPr lang="en-US" b="1" dirty="0"/>
+              <a:t>Use Modular IE </a:t>
+            </a:r>
+            <a:r>
+              <a:rPr lang="en-US" b="1" dirty="0" smtClean="0"/>
+              <a:t>Fixes</a:t>
+            </a:r>
+          </a:p>
+          <a:p>
+            <a:endParaRPr lang="en-US" b="1" dirty="0"/>
+          </a:p>
+          <a:p>
+            <a:endParaRPr lang="en-US" b="1" dirty="0" smtClean="0"/>
+          </a:p>
+          <a:p>
+            <a:endParaRPr lang="en-US" b="1" dirty="0"/>
+          </a:p>
+          <a:p>
+            <a:r>
+              <a:rPr lang="en-US" b="1" dirty="0"/>
+              <a:t>Avoid Excessive Comments</a:t>
+            </a:r>
+          </a:p>
+          <a:p>
+            <a:endParaRPr lang="en-US" b="1" dirty="0"/>
+          </a:p>
+          <a:p>
+            <a:endParaRPr lang="en-US" dirty="0"/>
+          </a:p>
+        </p:txBody>
+      </p:sp>
+      <p:pic>
+        <p:nvPicPr>
+          <p:cNvPr id="4" name="Picture 3"/>
+          <p:cNvPicPr>
+            <a:picLocks noChangeAspect="1"/>
+          </p:cNvPicPr>
+          <p:nvPr/>
+        </p:nvPicPr>
+        <p:blipFill>
+          <a:blip r:embed="rId2"/>
+          <a:stretch>
+            <a:fillRect/>
+          </a:stretch>
+        </p:blipFill>
+        <p:spPr>
+          <a:xfrm>
+            <a:off x="1752600" y="1962150"/>
+            <a:ext cx="6400800" cy="1085176"/>
+          </a:xfrm>
+          <a:prstGeom prst="rect">
+            <a:avLst/>
+          </a:prstGeom>
+        </p:spPr>
+      </p:pic>
+    </p:spTree>
+    <p:extLst>
+      <p:ext uri="{BB962C8B-B14F-4D97-AF65-F5344CB8AC3E}">
+        <p14:creationId xmlns:p14="http://schemas.microsoft.com/office/powerpoint/2010/main" val="3505754921"/>
+      </p:ext>
+    </p:extLst>
+  </p:cSld>
+  <p:clrMapOvr>
+    <a:masterClrMapping/>
+  </p:clrMapOvr>
+  <p:timing>
+    <p:tnLst>
+      <p:par>
+        <p:cTn id="1" dur="indefinite" restart="never" nodeType="tmRoot"/>
+      </p:par>
+    </p:tnLst>
+  </p:timing>
+</p:sld>
+</file>
+
+<file path=ppt/slides/slide32.xml><?xml version="1.0" encoding="utf-8"?>
+<p:sld xmlns:a="http://schemas.openxmlformats.org/drawingml/2006/main" xmlns:r="http://schemas.openxmlformats.org/officeDocument/2006/relationships" xmlns:p="http://schemas.openxmlformats.org/presentationml/2006/main">
+  <p:cSld>
+    <p:spTree>
+      <p:nvGrpSpPr>
+        <p:cNvPr id="1" name=""/>
+        <p:cNvGrpSpPr/>
+        <p:nvPr/>
+      </p:nvGrpSpPr>
+      <p:grpSpPr>
+        <a:xfrm>
+          <a:off x="0" y="0"/>
+          <a:ext cx="0" cy="0"/>
+          <a:chOff x="0" y="0"/>
+          <a:chExt cx="0" cy="0"/>
+        </a:xfrm>
+      </p:grpSpPr>
+      <p:sp>
+        <p:nvSpPr>
+          <p:cNvPr id="2" name="Title 1"/>
+          <p:cNvSpPr>
+            <a:spLocks noGrp="1"/>
+          </p:cNvSpPr>
+          <p:nvPr>
+            <p:ph type="title"/>
+          </p:nvPr>
+        </p:nvSpPr>
+        <p:spPr/>
+        <p:txBody>
+          <a:bodyPr/>
+          <a:lstStyle/>
+          <a:p>
+            <a:r>
+              <a:rPr lang="vi-VN" dirty="0" smtClean="0"/>
+              <a:t>Excercise</a:t>
+            </a:r>
+            <a:endParaRPr lang="en-US" dirty="0"/>
+          </a:p>
+        </p:txBody>
+      </p:sp>
+      <p:sp>
+        <p:nvSpPr>
+          <p:cNvPr id="3" name="Text Placeholder 2"/>
+          <p:cNvSpPr>
+            <a:spLocks noGrp="1"/>
+          </p:cNvSpPr>
+          <p:nvPr>
+            <p:ph type="body" idx="1"/>
+          </p:nvPr>
+        </p:nvSpPr>
+        <p:spPr/>
+        <p:txBody>
+          <a:bodyPr/>
+          <a:lstStyle/>
+          <a:p>
+            <a:r>
               <a:rPr lang="en-US" dirty="0"/>
               <a:t>Try it Yourself</a:t>
             </a:r>
@@ -20347,11 +20961,7 @@
           <a:p>
             <a:r>
               <a:rPr lang="vi-VN" dirty="0" smtClean="0"/>
-              <a:t>Demo on </a:t>
-            </a:r>
-            <a:r>
-              <a:rPr lang="vi-VN" dirty="0" smtClean="0"/>
-              <a:t>Github</a:t>
+              <a:t>Demo on Github</a:t>
             </a:r>
           </a:p>
           <a:p>
@@ -20360,13 +20970,7 @@
               <a:rPr lang="vi-VN">
                 <a:hlinkClick r:id="rId3"/>
               </a:rPr>
-              <a:t>https</a:t>
-            </a:r>
-            <a:r>
-              <a:rPr lang="vi-VN">
-                <a:hlinkClick r:id="rId3"/>
-              </a:rPr>
-              <a:t>://</a:t>
+              <a:t>https://</a:t>
             </a:r>
             <a:r>
               <a:rPr lang="vi-VN" smtClean="0">
@@ -20744,21 +21348,8 @@
           <a:lstStyle/>
           <a:p>
             <a:r>
-              <a:rPr lang="vi-VN" sz="3200" b="1" dirty="0">
-                <a:latin typeface="Arial"/>
-                <a:ea typeface="Arial"/>
-                <a:cs typeface="Arial"/>
-                <a:sym typeface="Arial"/>
-              </a:rPr>
-              <a:t>Introdution </a:t>
-            </a:r>
-            <a:r>
-              <a:rPr lang="en-US" sz="3200" b="1" dirty="0"/>
-              <a:t>to </a:t>
-            </a:r>
-            <a:r>
-              <a:rPr lang="vi-VN" sz="3200" b="1" dirty="0" smtClean="0"/>
-              <a:t>HTML</a:t>
+              <a:rPr lang="vi-VN" dirty="0" smtClean="0"/>
+              <a:t>IDE</a:t>
             </a:r>
             <a:endParaRPr lang="en-US" dirty="0"/>
           </a:p>
@@ -20779,123 +21370,65 @@
           <a:bodyPr/>
           <a:lstStyle/>
           <a:p>
+            <a:endParaRPr lang="vi-VN" dirty="0" smtClean="0">
+              <a:hlinkClick r:id="rId2"/>
+            </a:endParaRPr>
+          </a:p>
+          <a:p>
+            <a:endParaRPr lang="vi-VN" dirty="0" smtClean="0">
+              <a:hlinkClick r:id="rId2"/>
+            </a:endParaRPr>
+          </a:p>
+          <a:p>
+            <a:endParaRPr lang="vi-VN" dirty="0">
+              <a:hlinkClick r:id="rId2"/>
+            </a:endParaRPr>
+          </a:p>
+          <a:p>
+            <a:r>
+              <a:rPr lang="en-US" dirty="0" smtClean="0">
+                <a:hlinkClick r:id="rId2"/>
+              </a:rPr>
+              <a:t>https</a:t>
+            </a:r>
             <a:r>
               <a:rPr lang="en-US" dirty="0">
                 <a:hlinkClick r:id="rId2"/>
               </a:rPr>
-              <a:t>HTML</a:t>
-            </a:r>
-            <a:r>
-              <a:rPr lang="en-US" dirty="0"/>
-              <a:t> (Hypertext Markup Language) is not a programming language. It is a </a:t>
-            </a:r>
-            <a:r>
-              <a:rPr lang="en-US" i="1" dirty="0"/>
-              <a:t>markup language</a:t>
-            </a:r>
-            <a:r>
-              <a:rPr lang="en-US" dirty="0"/>
-              <a:t> that tells web browsers how to structure the web </a:t>
-            </a:r>
-            <a:r>
-              <a:rPr lang="vi-VN" dirty="0" smtClean="0"/>
-              <a:t>pages</a:t>
-            </a:r>
-            <a:r>
-              <a:rPr lang="en-US" dirty="0" smtClean="0"/>
-              <a:t>.</a:t>
-            </a:r>
-            <a:r>
-              <a:rPr lang="en-US" dirty="0"/>
-              <a:t> </a:t>
-            </a:r>
-          </a:p>
-          <a:p>
-            <a:r>
-              <a:rPr lang="en-US" dirty="0"/>
-              <a:t>HTML consists of a series of </a:t>
-            </a:r>
-            <a:r>
-              <a:rPr lang="en-US" dirty="0">
-                <a:hlinkClick r:id="rId3"/>
-              </a:rPr>
-              <a:t>elements</a:t>
-            </a:r>
-            <a:r>
-              <a:rPr lang="en-US" dirty="0"/>
-              <a:t>, which you use to enclose, wrap, or </a:t>
-            </a:r>
-            <a:r>
-              <a:rPr lang="en-US" i="1" dirty="0"/>
-              <a:t>mark up</a:t>
-            </a:r>
-            <a:r>
-              <a:rPr lang="en-US" dirty="0"/>
-              <a:t> different parts of content to make it appear or act a certain way</a:t>
-            </a:r>
-            <a:r>
-              <a:rPr lang="en-US" dirty="0" smtClean="0"/>
-              <a:t>.</a:t>
-            </a:r>
-            <a:endParaRPr lang="vi-VN" dirty="0" smtClean="0"/>
-          </a:p>
-          <a:p>
-            <a:r>
-              <a:rPr lang="en-US" dirty="0"/>
-              <a:t>Tags in HTML are case-insensitive</a:t>
-            </a:r>
-            <a:br>
-              <a:rPr lang="en-US" dirty="0"/>
-            </a:br>
+              <a:t>://code.visualstudio.com/</a:t>
+            </a:r>
             <a:endParaRPr lang="en-US" dirty="0"/>
           </a:p>
         </p:txBody>
       </p:sp>
       <p:pic>
         <p:nvPicPr>
-          <p:cNvPr id="2050" name="Picture 2" descr="https://lh6.googleusercontent.com/boENgc6ZS0Pv1Y-_l8k7NdCMHJ5NqvonFnM6tasEO5UrPHmkgyC5pJdal7nwRCa9uTHutArpEAkOlbNLtHxU8c4ZPjvKb6xYi4i4d7RiGPsvrx0Tr0bFTMIAK1HAv_myq7bu561b"/>
+          <p:cNvPr id="5" name="Picture 4"/>
           <p:cNvPicPr>
-            <a:picLocks noChangeAspect="1" noChangeArrowheads="1"/>
+            <a:picLocks noChangeAspect="1"/>
           </p:cNvPicPr>
           <p:nvPr/>
         </p:nvPicPr>
         <p:blipFill>
-          <a:blip r:embed="rId4">
-            <a:extLst>
-              <a:ext uri="{28A0092B-C50C-407E-A947-70E740481C1C}">
-                <a14:useLocalDpi xmlns:a14="http://schemas.microsoft.com/office/drawing/2010/main" val="0"/>
-              </a:ext>
-            </a:extLst>
-          </a:blip>
-          <a:srcRect/>
+          <a:blip r:embed="rId3"/>
           <a:stretch>
             <a:fillRect/>
           </a:stretch>
         </p:blipFill>
-        <p:spPr bwMode="auto">
+        <p:spPr>
           <a:xfrm>
-            <a:off x="4953000" y="3574374"/>
-            <a:ext cx="3886200" cy="1207176"/>
+            <a:off x="1143000" y="1504950"/>
+            <a:ext cx="952500" cy="1057275"/>
           </a:xfrm>
           <a:prstGeom prst="rect">
             <a:avLst/>
           </a:prstGeom>
-          <a:noFill/>
-          <a:extLst>
-            <a:ext uri="{909E8E84-426E-40DD-AFC4-6F175D3DCCD1}">
-              <a14:hiddenFill xmlns:a14="http://schemas.microsoft.com/office/drawing/2010/main">
-                <a:solidFill>
-                  <a:srgbClr val="FFFFFF"/>
-                </a:solidFill>
-              </a14:hiddenFill>
-            </a:ext>
-          </a:extLst>
         </p:spPr>
       </p:pic>
     </p:spTree>
     <p:extLst>
       <p:ext uri="{BB962C8B-B14F-4D97-AF65-F5344CB8AC3E}">
-        <p14:creationId xmlns:p14="http://schemas.microsoft.com/office/powerpoint/2010/main" val="785524669"/>
+        <p14:creationId xmlns:p14="http://schemas.microsoft.com/office/powerpoint/2010/main" val="3056922268"/>
       </p:ext>
     </p:extLst>
   </p:cSld>
@@ -20945,13 +21478,21 @@
           <a:lstStyle/>
           <a:p>
             <a:r>
-              <a:rPr lang="en-US" sz="3600" b="1" dirty="0">
+              <a:rPr lang="vi-VN" sz="3200" b="1" dirty="0">
                 <a:latin typeface="Arial"/>
                 <a:ea typeface="Arial"/>
                 <a:cs typeface="Arial"/>
                 <a:sym typeface="Arial"/>
               </a:rPr>
-              <a:t>Nesting elements</a:t>
+              <a:t>Introdution </a:t>
+            </a:r>
+            <a:r>
+              <a:rPr lang="en-US" sz="3200" b="1" dirty="0"/>
+              <a:t>to </a:t>
+            </a:r>
+            <a:r>
+              <a:rPr lang="vi-VN" sz="3200" b="1" dirty="0" smtClean="0"/>
+              <a:t>HTML</a:t>
             </a:r>
             <a:endParaRPr lang="en-US" dirty="0"/>
           </a:p>
@@ -20973,150 +21514,69 @@
           <a:lstStyle/>
           <a:p>
             <a:r>
+              <a:rPr lang="en-US" dirty="0">
+                <a:hlinkClick r:id="rId2"/>
+              </a:rPr>
+              <a:t>HTML</a:t>
+            </a:r>
+            <a:r>
               <a:rPr lang="en-US" dirty="0"/>
-              <a:t>Elements can be placed within other elements. This is called nesting.</a:t>
-            </a:r>
-          </a:p>
-          <a:p>
-            <a:pPr lvl="1"/>
-            <a:r>
-              <a:rPr lang="en-US" sz="1100" dirty="0">
-                <a:solidFill>
-                  <a:srgbClr val="999999"/>
-                </a:solidFill>
-                <a:latin typeface="Courier New" panose="02070309020205020404" pitchFamily="49" charset="0"/>
-              </a:rPr>
-              <a:t>&lt;</a:t>
-            </a:r>
-            <a:r>
-              <a:rPr lang="en-US" sz="1100" dirty="0">
-                <a:solidFill>
-                  <a:srgbClr val="990055"/>
-                </a:solidFill>
-                <a:latin typeface="Courier New" panose="02070309020205020404" pitchFamily="49" charset="0"/>
-              </a:rPr>
-              <a:t>p</a:t>
-            </a:r>
-            <a:r>
-              <a:rPr lang="en-US" sz="1100" dirty="0">
-                <a:solidFill>
-                  <a:srgbClr val="999999"/>
-                </a:solidFill>
-                <a:latin typeface="Courier New" panose="02070309020205020404" pitchFamily="49" charset="0"/>
-              </a:rPr>
-              <a:t>&gt;</a:t>
-            </a:r>
-            <a:r>
-              <a:rPr lang="en-US" sz="1100" dirty="0">
-                <a:solidFill>
-                  <a:srgbClr val="333333"/>
-                </a:solidFill>
-                <a:latin typeface="Courier New" panose="02070309020205020404" pitchFamily="49" charset="0"/>
-              </a:rPr>
-              <a:t>My cat is </a:t>
-            </a:r>
-            <a:r>
-              <a:rPr lang="en-US" sz="1100" dirty="0">
-                <a:solidFill>
-                  <a:srgbClr val="999999"/>
-                </a:solidFill>
-                <a:latin typeface="Courier New" panose="02070309020205020404" pitchFamily="49" charset="0"/>
-              </a:rPr>
-              <a:t>&lt;</a:t>
-            </a:r>
-            <a:r>
-              <a:rPr lang="en-US" sz="1100" dirty="0">
-                <a:solidFill>
-                  <a:srgbClr val="990055"/>
-                </a:solidFill>
-                <a:latin typeface="Courier New" panose="02070309020205020404" pitchFamily="49" charset="0"/>
-              </a:rPr>
-              <a:t>strong</a:t>
-            </a:r>
-            <a:r>
-              <a:rPr lang="en-US" sz="1100" dirty="0">
-                <a:solidFill>
-                  <a:srgbClr val="999999"/>
-                </a:solidFill>
-                <a:latin typeface="Courier New" panose="02070309020205020404" pitchFamily="49" charset="0"/>
-              </a:rPr>
-              <a:t>&gt;</a:t>
-            </a:r>
-            <a:r>
-              <a:rPr lang="en-US" sz="1100" dirty="0">
-                <a:solidFill>
-                  <a:srgbClr val="333333"/>
-                </a:solidFill>
-                <a:latin typeface="Courier New" panose="02070309020205020404" pitchFamily="49" charset="0"/>
-              </a:rPr>
-              <a:t>very</a:t>
-            </a:r>
-            <a:r>
-              <a:rPr lang="en-US" sz="1100" dirty="0">
-                <a:solidFill>
-                  <a:srgbClr val="999999"/>
-                </a:solidFill>
-                <a:latin typeface="Courier New" panose="02070309020205020404" pitchFamily="49" charset="0"/>
-              </a:rPr>
-              <a:t>&lt;/</a:t>
-            </a:r>
-            <a:r>
-              <a:rPr lang="en-US" sz="1100" dirty="0">
-                <a:solidFill>
-                  <a:srgbClr val="990055"/>
-                </a:solidFill>
-                <a:latin typeface="Courier New" panose="02070309020205020404" pitchFamily="49" charset="0"/>
-              </a:rPr>
-              <a:t>strong</a:t>
-            </a:r>
-            <a:r>
-              <a:rPr lang="en-US" sz="1100" dirty="0">
-                <a:solidFill>
-                  <a:srgbClr val="999999"/>
-                </a:solidFill>
-                <a:latin typeface="Courier New" panose="02070309020205020404" pitchFamily="49" charset="0"/>
-              </a:rPr>
-              <a:t>&gt;</a:t>
-            </a:r>
-            <a:r>
-              <a:rPr lang="en-US" sz="1100" dirty="0">
-                <a:solidFill>
-                  <a:srgbClr val="333333"/>
-                </a:solidFill>
-                <a:latin typeface="Courier New" panose="02070309020205020404" pitchFamily="49" charset="0"/>
-              </a:rPr>
-              <a:t> grumpy.</a:t>
-            </a:r>
-            <a:r>
-              <a:rPr lang="en-US" sz="1100" dirty="0">
-                <a:solidFill>
-                  <a:srgbClr val="999999"/>
-                </a:solidFill>
-                <a:latin typeface="Courier New" panose="02070309020205020404" pitchFamily="49" charset="0"/>
-              </a:rPr>
-              <a:t>&lt;/</a:t>
-            </a:r>
-            <a:r>
-              <a:rPr lang="en-US" sz="1100" dirty="0">
-                <a:solidFill>
-                  <a:srgbClr val="990055"/>
-                </a:solidFill>
-                <a:latin typeface="Courier New" panose="02070309020205020404" pitchFamily="49" charset="0"/>
-              </a:rPr>
-              <a:t>p</a:t>
-            </a:r>
-            <a:r>
-              <a:rPr lang="en-US" sz="1100" dirty="0">
-                <a:solidFill>
-                  <a:srgbClr val="999999"/>
-                </a:solidFill>
-                <a:latin typeface="Courier New" panose="02070309020205020404" pitchFamily="49" charset="0"/>
-              </a:rPr>
-              <a:t>&gt;</a:t>
+              <a:t> (Hypertext Markup Language) is not a programming language. It is a </a:t>
+            </a:r>
+            <a:r>
+              <a:rPr lang="en-US" i="1" dirty="0"/>
+              <a:t>markup language</a:t>
             </a:r>
             <a:r>
               <a:rPr lang="en-US" dirty="0"/>
-              <a:t/>
+              <a:t> that tells web browsers how to structure the web </a:t>
+            </a:r>
+            <a:r>
+              <a:rPr lang="vi-VN" dirty="0" smtClean="0"/>
+              <a:t>pages</a:t>
+            </a:r>
+            <a:r>
+              <a:rPr lang="en-US" dirty="0" smtClean="0"/>
+              <a:t>.</a:t>
+            </a:r>
+            <a:r>
+              <a:rPr lang="en-US" dirty="0"/>
+              <a:t> </a:t>
+            </a:r>
+          </a:p>
+          <a:p>
+            <a:r>
+              <a:rPr lang="en-US" dirty="0"/>
+              <a:t>HTML consists of a series of </a:t>
+            </a:r>
+            <a:r>
+              <a:rPr lang="en-US" dirty="0">
+                <a:hlinkClick r:id="rId3"/>
+              </a:rPr>
+              <a:t>elements</a:t>
+            </a:r>
+            <a:r>
+              <a:rPr lang="en-US" dirty="0"/>
+              <a:t>, which you use to enclose, wrap, or </a:t>
+            </a:r>
+            <a:r>
+              <a:rPr lang="en-US" i="1" dirty="0"/>
+              <a:t>mark up</a:t>
+            </a:r>
+            <a:r>
+              <a:rPr lang="en-US" dirty="0"/>
+              <a:t> different parts of content to make it appear or act a certain way</a:t>
+            </a:r>
+            <a:r>
+              <a:rPr lang="en-US" dirty="0" smtClean="0"/>
+              <a:t>.</a:t>
+            </a:r>
+            <a:endParaRPr lang="vi-VN" dirty="0" smtClean="0"/>
+          </a:p>
+          <a:p>
+            <a:r>
+              <a:rPr lang="en-US" dirty="0"/>
+              <a:t>Tags in HTML are case-insensitive</a:t>
             </a:r>
             <a:br>
               <a:rPr lang="en-US" dirty="0"/>
@@ -21127,14 +21587,14 @@
       </p:sp>
       <p:pic>
         <p:nvPicPr>
-          <p:cNvPr id="3074" name="Picture 2" descr="https://lh3.googleusercontent.com/-ZVG6koO7dBt9MEwDEQX8iF3YERDgmf2hhX9vaPAHXynT15Cpwj_-KyWvrxOWcwnmFuZSk6CdeymQwaKQn6g4xNgI3xd3Y5WsMMgvNTaB9A9IzP0UIK0VQXSTjJatxbXzPfSorNZ"/>
+          <p:cNvPr id="2050" name="Picture 2" descr="https://lh6.googleusercontent.com/boENgc6ZS0Pv1Y-_l8k7NdCMHJ5NqvonFnM6tasEO5UrPHmkgyC5pJdal7nwRCa9uTHutArpEAkOlbNLtHxU8c4ZPjvKb6xYi4i4d7RiGPsvrx0Tr0bFTMIAK1HAv_myq7bu561b"/>
           <p:cNvPicPr>
             <a:picLocks noChangeAspect="1" noChangeArrowheads="1"/>
           </p:cNvPicPr>
           <p:nvPr/>
         </p:nvPicPr>
         <p:blipFill>
-          <a:blip r:embed="rId2">
+          <a:blip r:embed="rId4">
             <a:extLst>
               <a:ext uri="{28A0092B-C50C-407E-A947-70E740481C1C}">
                 <a14:useLocalDpi xmlns:a14="http://schemas.microsoft.com/office/drawing/2010/main" val="0"/>
@@ -21148,8 +21608,8 @@
         </p:blipFill>
         <p:spPr bwMode="auto">
           <a:xfrm>
-            <a:off x="6248400" y="2163656"/>
-            <a:ext cx="2514600" cy="2898603"/>
+            <a:off x="4953000" y="3574374"/>
+            <a:ext cx="3886200" cy="1207176"/>
           </a:xfrm>
           <a:prstGeom prst="rect">
             <a:avLst/>
@@ -21169,7 +21629,7 @@
     </p:spTree>
     <p:extLst>
       <p:ext uri="{BB962C8B-B14F-4D97-AF65-F5344CB8AC3E}">
-        <p14:creationId xmlns:p14="http://schemas.microsoft.com/office/powerpoint/2010/main" val="1434046106"/>
+        <p14:creationId xmlns:p14="http://schemas.microsoft.com/office/powerpoint/2010/main" val="785524669"/>
       </p:ext>
     </p:extLst>
   </p:cSld>
@@ -21219,8 +21679,13 @@
           <a:lstStyle/>
           <a:p>
             <a:r>
-              <a:rPr lang="en-US" b="1" dirty="0" smtClean="0"/>
-              <a:t>Attributes</a:t>
+              <a:rPr lang="en-US" sz="3600" b="1" dirty="0">
+                <a:latin typeface="Arial"/>
+                <a:ea typeface="Arial"/>
+                <a:cs typeface="Arial"/>
+                <a:sym typeface="Arial"/>
+              </a:rPr>
+              <a:t>Nesting elements</a:t>
             </a:r>
             <a:endParaRPr lang="en-US" dirty="0"/>
           </a:p>
@@ -21243,85 +21708,160 @@
           <a:p>
             <a:r>
               <a:rPr lang="en-US" dirty="0"/>
-              <a:t>An attribute should have</a:t>
-            </a:r>
-            <a:r>
-              <a:rPr lang="en-US" dirty="0" smtClean="0"/>
-              <a:t>:</a:t>
-            </a:r>
-            <a:endParaRPr lang="vi-VN" dirty="0" smtClean="0"/>
+              <a:t>Elements can be placed within other elements. This is called nesting.</a:t>
+            </a:r>
           </a:p>
           <a:p>
             <a:pPr lvl="1"/>
             <a:r>
+              <a:rPr lang="en-US" sz="1100" dirty="0">
+                <a:solidFill>
+                  <a:srgbClr val="999999"/>
+                </a:solidFill>
+                <a:latin typeface="Courier New" panose="02070309020205020404" pitchFamily="49" charset="0"/>
+              </a:rPr>
+              <a:t>&lt;</a:t>
+            </a:r>
+            <a:r>
+              <a:rPr lang="en-US" sz="1100" dirty="0">
+                <a:solidFill>
+                  <a:srgbClr val="990055"/>
+                </a:solidFill>
+                <a:latin typeface="Courier New" panose="02070309020205020404" pitchFamily="49" charset="0"/>
+              </a:rPr>
+              <a:t>p</a:t>
+            </a:r>
+            <a:r>
+              <a:rPr lang="en-US" sz="1100" dirty="0">
+                <a:solidFill>
+                  <a:srgbClr val="999999"/>
+                </a:solidFill>
+                <a:latin typeface="Courier New" panose="02070309020205020404" pitchFamily="49" charset="0"/>
+              </a:rPr>
+              <a:t>&gt;</a:t>
+            </a:r>
+            <a:r>
+              <a:rPr lang="en-US" sz="1100" dirty="0">
+                <a:solidFill>
+                  <a:srgbClr val="333333"/>
+                </a:solidFill>
+                <a:latin typeface="Courier New" panose="02070309020205020404" pitchFamily="49" charset="0"/>
+              </a:rPr>
+              <a:t>My cat is </a:t>
+            </a:r>
+            <a:r>
+              <a:rPr lang="en-US" sz="1100" dirty="0">
+                <a:solidFill>
+                  <a:srgbClr val="999999"/>
+                </a:solidFill>
+                <a:latin typeface="Courier New" panose="02070309020205020404" pitchFamily="49" charset="0"/>
+              </a:rPr>
+              <a:t>&lt;</a:t>
+            </a:r>
+            <a:r>
+              <a:rPr lang="en-US" sz="1100" dirty="0">
+                <a:solidFill>
+                  <a:srgbClr val="990055"/>
+                </a:solidFill>
+                <a:latin typeface="Courier New" panose="02070309020205020404" pitchFamily="49" charset="0"/>
+              </a:rPr>
+              <a:t>strong</a:t>
+            </a:r>
+            <a:r>
+              <a:rPr lang="en-US" sz="1100" dirty="0">
+                <a:solidFill>
+                  <a:srgbClr val="999999"/>
+                </a:solidFill>
+                <a:latin typeface="Courier New" panose="02070309020205020404" pitchFamily="49" charset="0"/>
+              </a:rPr>
+              <a:t>&gt;</a:t>
+            </a:r>
+            <a:r>
+              <a:rPr lang="en-US" sz="1100" dirty="0">
+                <a:solidFill>
+                  <a:srgbClr val="333333"/>
+                </a:solidFill>
+                <a:latin typeface="Courier New" panose="02070309020205020404" pitchFamily="49" charset="0"/>
+              </a:rPr>
+              <a:t>very</a:t>
+            </a:r>
+            <a:r>
+              <a:rPr lang="en-US" sz="1100" dirty="0">
+                <a:solidFill>
+                  <a:srgbClr val="999999"/>
+                </a:solidFill>
+                <a:latin typeface="Courier New" panose="02070309020205020404" pitchFamily="49" charset="0"/>
+              </a:rPr>
+              <a:t>&lt;/</a:t>
+            </a:r>
+            <a:r>
+              <a:rPr lang="en-US" sz="1100" dirty="0">
+                <a:solidFill>
+                  <a:srgbClr val="990055"/>
+                </a:solidFill>
+                <a:latin typeface="Courier New" panose="02070309020205020404" pitchFamily="49" charset="0"/>
+              </a:rPr>
+              <a:t>strong</a:t>
+            </a:r>
+            <a:r>
+              <a:rPr lang="en-US" sz="1100" dirty="0">
+                <a:solidFill>
+                  <a:srgbClr val="999999"/>
+                </a:solidFill>
+                <a:latin typeface="Courier New" panose="02070309020205020404" pitchFamily="49" charset="0"/>
+              </a:rPr>
+              <a:t>&gt;</a:t>
+            </a:r>
+            <a:r>
+              <a:rPr lang="en-US" sz="1100" dirty="0">
+                <a:solidFill>
+                  <a:srgbClr val="333333"/>
+                </a:solidFill>
+                <a:latin typeface="Courier New" panose="02070309020205020404" pitchFamily="49" charset="0"/>
+              </a:rPr>
+              <a:t> grumpy.</a:t>
+            </a:r>
+            <a:r>
+              <a:rPr lang="en-US" sz="1100" dirty="0">
+                <a:solidFill>
+                  <a:srgbClr val="999999"/>
+                </a:solidFill>
+                <a:latin typeface="Courier New" panose="02070309020205020404" pitchFamily="49" charset="0"/>
+              </a:rPr>
+              <a:t>&lt;/</a:t>
+            </a:r>
+            <a:r>
+              <a:rPr lang="en-US" sz="1100" dirty="0">
+                <a:solidFill>
+                  <a:srgbClr val="990055"/>
+                </a:solidFill>
+                <a:latin typeface="Courier New" panose="02070309020205020404" pitchFamily="49" charset="0"/>
+              </a:rPr>
+              <a:t>p</a:t>
+            </a:r>
+            <a:r>
+              <a:rPr lang="en-US" sz="1100" dirty="0">
+                <a:solidFill>
+                  <a:srgbClr val="999999"/>
+                </a:solidFill>
+                <a:latin typeface="Courier New" panose="02070309020205020404" pitchFamily="49" charset="0"/>
+              </a:rPr>
+              <a:t>&gt;</a:t>
+            </a:r>
+            <a:r>
               <a:rPr lang="en-US" dirty="0"/>
-              <a:t>A space between it and the element name. (For an element with more than one attribute, the attributes should be separated by spaces too.)</a:t>
-            </a:r>
-          </a:p>
-          <a:p>
-            <a:pPr lvl="1"/>
-            <a:r>
+              <a:t/>
+            </a:r>
+            <a:br>
               <a:rPr lang="en-US" dirty="0"/>
-              <a:t>The attribute name, followed by an equal sign.</a:t>
-            </a:r>
-          </a:p>
-          <a:p>
-            <a:pPr lvl="1"/>
-            <a:r>
-              <a:rPr lang="en-US" dirty="0"/>
-              <a:t>An attribute value, wrapped with opening and closing quote marks.</a:t>
-            </a:r>
-          </a:p>
-          <a:p>
-            <a:pPr lvl="1"/>
-            <a:endParaRPr lang="en-US" b="1" dirty="0"/>
-          </a:p>
-          <a:p>
-            <a:endParaRPr lang="vi-VN" dirty="0" smtClean="0"/>
-          </a:p>
-          <a:p>
-            <a:r>
-              <a:rPr lang="en-US" dirty="0"/>
-              <a:t>Boolean </a:t>
-            </a:r>
-            <a:r>
-              <a:rPr lang="en-US" dirty="0" smtClean="0"/>
-              <a:t>attributes</a:t>
-            </a:r>
-            <a:endParaRPr lang="vi-VN" dirty="0" smtClean="0"/>
-          </a:p>
-          <a:p>
-            <a:pPr lvl="1"/>
-            <a:r>
-              <a:rPr lang="en-US" sz="1400" dirty="0"/>
-              <a:t>&lt;input type="text" disabled="disabled</a:t>
-            </a:r>
-            <a:r>
-              <a:rPr lang="en-US" sz="1400" dirty="0" smtClean="0"/>
-              <a:t>"&gt;</a:t>
-            </a:r>
-            <a:endParaRPr lang="vi-VN" sz="1400" dirty="0" smtClean="0"/>
-          </a:p>
-          <a:p>
-            <a:pPr lvl="1"/>
-            <a:r>
-              <a:rPr lang="en-US" sz="1400" dirty="0"/>
-              <a:t>&lt;a </a:t>
-            </a:r>
-            <a:r>
-              <a:rPr lang="en-US" sz="1400" dirty="0" err="1"/>
-              <a:t>href</a:t>
-            </a:r>
-            <a:r>
-              <a:rPr lang="en-US" sz="1400" dirty="0"/>
-              <a:t>=https://www.mozilla.org/ title=The Mozilla homepage&gt;favorite website&lt;/a&gt;</a:t>
-            </a:r>
+            </a:br>
+            <a:endParaRPr lang="en-US" dirty="0"/>
           </a:p>
         </p:txBody>
       </p:sp>
       <p:pic>
         <p:nvPicPr>
-          <p:cNvPr id="1026" name="Picture 2" descr="&amp;amp;amp;amp;amp;amp;amp;amp;lt;p class=&quot;editor-note&quot;&gt;My cat is very grumpy&amp;amp;amp;amp;amp;amp;amp;amp;lt;/p&gt;"/>
+          <p:cNvPr id="3074" name="Picture 2" descr="https://lh3.googleusercontent.com/-ZVG6koO7dBt9MEwDEQX8iF3YERDgmf2hhX9vaPAHXynT15Cpwj_-KyWvrxOWcwnmFuZSk6CdeymQwaKQn6g4xNgI3xd3Y5WsMMgvNTaB9A9IzP0UIK0VQXSTjJatxbXzPfSorNZ"/>
           <p:cNvPicPr>
             <a:picLocks noChangeAspect="1" noChangeArrowheads="1"/>
           </p:cNvPicPr>
@@ -21342,8 +21882,8 @@
         </p:blipFill>
         <p:spPr bwMode="auto">
           <a:xfrm>
-            <a:off x="2438400" y="3028950"/>
-            <a:ext cx="4486275" cy="543791"/>
+            <a:off x="6248400" y="2163656"/>
+            <a:ext cx="2514600" cy="2898603"/>
           </a:xfrm>
           <a:prstGeom prst="rect">
             <a:avLst/>
@@ -21363,7 +21903,7 @@
     </p:spTree>
     <p:extLst>
       <p:ext uri="{BB962C8B-B14F-4D97-AF65-F5344CB8AC3E}">
-        <p14:creationId xmlns:p14="http://schemas.microsoft.com/office/powerpoint/2010/main" val="2053110585"/>
+        <p14:creationId xmlns:p14="http://schemas.microsoft.com/office/powerpoint/2010/main" val="1434046106"/>
       </p:ext>
     </p:extLst>
   </p:cSld>
@@ -21407,30 +21947,16 @@
             <p:ph type="title"/>
           </p:nvPr>
         </p:nvSpPr>
-        <p:spPr>
-          <a:xfrm>
-            <a:off x="2514600" y="273844"/>
-            <a:ext cx="6000805" cy="640200"/>
-          </a:xfrm>
-        </p:spPr>
+        <p:spPr/>
         <p:txBody>
           <a:bodyPr/>
           <a:lstStyle/>
           <a:p>
-            <a:pPr lvl="0">
-              <a:lnSpc>
-                <a:spcPct val="115000"/>
-              </a:lnSpc>
-            </a:pPr>
-            <a:r>
-              <a:rPr lang="vi-VN" sz="3600" b="1" dirty="0">
-                <a:latin typeface="Arial"/>
-                <a:ea typeface="Arial"/>
-                <a:cs typeface="Arial"/>
-                <a:sym typeface="Arial"/>
-              </a:rPr>
-              <a:t>Head elements and scripts</a:t>
-            </a:r>
+            <a:r>
+              <a:rPr lang="en-US" b="1" dirty="0" smtClean="0"/>
+              <a:t>Attributes</a:t>
+            </a:r>
+            <a:endParaRPr lang="en-US" dirty="0"/>
           </a:p>
         </p:txBody>
       </p:sp>
@@ -21444,519 +21970,134 @@
             <p:ph type="body" idx="1"/>
           </p:nvPr>
         </p:nvSpPr>
-        <p:spPr>
-          <a:xfrm>
-            <a:off x="628650" y="1369218"/>
-            <a:ext cx="7886700" cy="3564731"/>
-          </a:xfrm>
-        </p:spPr>
+        <p:spPr/>
         <p:txBody>
           <a:bodyPr/>
           <a:lstStyle/>
           <a:p>
             <a:r>
+              <a:rPr lang="en-US" dirty="0"/>
+              <a:t>An attribute should have</a:t>
+            </a:r>
+            <a:r>
               <a:rPr lang="en-US" dirty="0" smtClean="0"/>
-              <a:t>The</a:t>
-            </a:r>
-            <a:r>
-              <a:rPr lang="vi-VN" dirty="0" smtClean="0"/>
-              <a:t> head </a:t>
+              <a:t>:</a:t>
+            </a:r>
+            <a:endParaRPr lang="vi-VN" dirty="0" smtClean="0"/>
+          </a:p>
+          <a:p>
+            <a:pPr lvl="1"/>
+            <a:r>
+              <a:rPr lang="en-US" dirty="0"/>
+              <a:t>A space between it and the element name. (For an element with more than one attribute, the attributes should be separated by spaces too.)</a:t>
+            </a:r>
+          </a:p>
+          <a:p>
+            <a:pPr lvl="1"/>
+            <a:r>
+              <a:rPr lang="en-US" dirty="0"/>
+              <a:t>The attribute name, followed by an equal sign.</a:t>
+            </a:r>
+          </a:p>
+          <a:p>
+            <a:pPr lvl="1"/>
+            <a:r>
+              <a:rPr lang="en-US" dirty="0"/>
+              <a:t>An attribute value, wrapped with opening and closing quote marks.</a:t>
+            </a:r>
+          </a:p>
+          <a:p>
+            <a:pPr lvl="1"/>
+            <a:endParaRPr lang="en-US" b="1" dirty="0"/>
+          </a:p>
+          <a:p>
+            <a:endParaRPr lang="vi-VN" dirty="0" smtClean="0"/>
+          </a:p>
+          <a:p>
+            <a:r>
+              <a:rPr lang="en-US" dirty="0"/>
+              <a:t>Boolean </a:t>
             </a:r>
             <a:r>
               <a:rPr lang="en-US" dirty="0" smtClean="0"/>
-              <a:t>of </a:t>
-            </a:r>
-            <a:r>
-              <a:rPr lang="en-US" dirty="0"/>
-              <a:t>an HTML document is the part that is not displayed in the web browser when the page is loaded.</a:t>
-            </a:r>
-          </a:p>
-          <a:p>
-            <a:r>
-              <a:rPr lang="en-US" dirty="0"/>
-              <a:t>The </a:t>
-            </a:r>
-            <a:r>
-              <a:rPr lang="en-US" dirty="0">
-                <a:hlinkClick r:id="rId2"/>
-              </a:rPr>
-              <a:t>&lt;title&gt;</a:t>
-            </a:r>
-            <a:r>
-              <a:rPr lang="en-US" dirty="0"/>
-              <a:t> element is metadata that represents the title of the overall HTML document (not the document's content</a:t>
-            </a:r>
-            <a:r>
-              <a:rPr lang="en-US" dirty="0" smtClean="0"/>
-              <a:t>.)</a:t>
+              <a:t>attributes</a:t>
             </a:r>
             <a:endParaRPr lang="vi-VN" dirty="0" smtClean="0"/>
           </a:p>
           <a:p>
-            <a:pPr marL="95250" indent="0">
-              <a:buNone/>
-            </a:pPr>
-            <a:r>
-              <a:rPr lang="en-US" sz="1200" dirty="0">
-                <a:solidFill>
-                  <a:srgbClr val="2B91AF"/>
-                </a:solidFill>
-                <a:latin typeface="Monaco"/>
-              </a:rPr>
-              <a:t>&lt;!DOCTYPE html&gt;</a:t>
-            </a:r>
-            <a:r>
-              <a:rPr lang="en-US" sz="1200" dirty="0">
-                <a:solidFill>
-                  <a:srgbClr val="000000"/>
-                </a:solidFill>
-                <a:latin typeface="Monaco"/>
-              </a:rPr>
-              <a:t> </a:t>
-            </a:r>
-            <a:endParaRPr lang="vi-VN" sz="1200" dirty="0" smtClean="0">
-              <a:solidFill>
-                <a:srgbClr val="000000"/>
-              </a:solidFill>
-              <a:latin typeface="Monaco"/>
-            </a:endParaRPr>
-          </a:p>
-          <a:p>
-            <a:pPr marL="95250" indent="0">
-              <a:buNone/>
-            </a:pPr>
-            <a:r>
-              <a:rPr lang="en-US" sz="1200" dirty="0" smtClean="0">
-                <a:solidFill>
-                  <a:srgbClr val="0000FF"/>
-                </a:solidFill>
-                <a:latin typeface="Monaco"/>
-              </a:rPr>
-              <a:t>&lt;</a:t>
-            </a:r>
-            <a:r>
-              <a:rPr lang="en-US" sz="1200" dirty="0">
-                <a:solidFill>
-                  <a:srgbClr val="0000FF"/>
-                </a:solidFill>
-                <a:latin typeface="Monaco"/>
-              </a:rPr>
-              <a:t>html&gt;</a:t>
-            </a:r>
-            <a:r>
-              <a:rPr lang="en-US" sz="1200" dirty="0">
-                <a:solidFill>
-                  <a:srgbClr val="000000"/>
-                </a:solidFill>
-                <a:latin typeface="Monaco"/>
-              </a:rPr>
-              <a:t> </a:t>
-            </a:r>
-            <a:endParaRPr lang="vi-VN" sz="1200" dirty="0" smtClean="0">
-              <a:solidFill>
-                <a:srgbClr val="000000"/>
-              </a:solidFill>
-              <a:latin typeface="Monaco"/>
-            </a:endParaRPr>
-          </a:p>
-          <a:p>
-            <a:pPr marL="95250" indent="0">
-              <a:buNone/>
-            </a:pPr>
-            <a:r>
-              <a:rPr lang="vi-VN" sz="1200" dirty="0">
-                <a:solidFill>
-                  <a:srgbClr val="000000"/>
-                </a:solidFill>
-                <a:latin typeface="Monaco"/>
-              </a:rPr>
-              <a:t>	</a:t>
-            </a:r>
-            <a:r>
-              <a:rPr lang="en-US" sz="1200" dirty="0" smtClean="0">
-                <a:solidFill>
-                  <a:srgbClr val="0000FF"/>
-                </a:solidFill>
-                <a:latin typeface="Monaco"/>
-              </a:rPr>
-              <a:t>&lt;</a:t>
-            </a:r>
-            <a:r>
-              <a:rPr lang="en-US" sz="1200" dirty="0">
-                <a:solidFill>
-                  <a:srgbClr val="0000FF"/>
-                </a:solidFill>
-                <a:latin typeface="Monaco"/>
-              </a:rPr>
-              <a:t>head&gt;</a:t>
-            </a:r>
-            <a:r>
-              <a:rPr lang="en-US" sz="1200" dirty="0">
-                <a:solidFill>
-                  <a:srgbClr val="000000"/>
-                </a:solidFill>
-                <a:latin typeface="Monaco"/>
-              </a:rPr>
-              <a:t> </a:t>
-            </a:r>
-            <a:endParaRPr lang="vi-VN" sz="1200" dirty="0" smtClean="0">
-              <a:solidFill>
-                <a:srgbClr val="000000"/>
-              </a:solidFill>
-              <a:latin typeface="Monaco"/>
-            </a:endParaRPr>
-          </a:p>
-          <a:p>
-            <a:pPr marL="95250" indent="0">
-              <a:buNone/>
-            </a:pPr>
-            <a:r>
-              <a:rPr lang="vi-VN" sz="1200" dirty="0">
-                <a:solidFill>
-                  <a:srgbClr val="000000"/>
-                </a:solidFill>
-                <a:latin typeface="Monaco"/>
-              </a:rPr>
-              <a:t>	</a:t>
-            </a:r>
-            <a:r>
-              <a:rPr lang="vi-VN" sz="1200" dirty="0" smtClean="0">
-                <a:solidFill>
-                  <a:srgbClr val="000000"/>
-                </a:solidFill>
-                <a:latin typeface="Monaco"/>
-              </a:rPr>
-              <a:t>	</a:t>
-            </a:r>
-            <a:r>
-              <a:rPr lang="en-US" sz="1200" dirty="0" smtClean="0">
-                <a:solidFill>
-                  <a:srgbClr val="0000FF"/>
-                </a:solidFill>
-                <a:latin typeface="Monaco"/>
-              </a:rPr>
-              <a:t>&lt;</a:t>
-            </a:r>
-            <a:r>
-              <a:rPr lang="en-US" sz="1200" dirty="0">
-                <a:solidFill>
-                  <a:srgbClr val="0000FF"/>
-                </a:solidFill>
-                <a:latin typeface="Monaco"/>
-              </a:rPr>
-              <a:t>meta </a:t>
-            </a:r>
-            <a:r>
-              <a:rPr lang="en-US" sz="1200" dirty="0">
-                <a:solidFill>
-                  <a:srgbClr val="FF0000"/>
-                </a:solidFill>
-                <a:latin typeface="Monaco"/>
-              </a:rPr>
-              <a:t>charset</a:t>
-            </a:r>
-            <a:r>
-              <a:rPr lang="en-US" sz="1200" dirty="0">
-                <a:solidFill>
-                  <a:srgbClr val="0000FF"/>
-                </a:solidFill>
-                <a:latin typeface="Monaco"/>
-              </a:rPr>
-              <a:t>=</a:t>
-            </a:r>
-            <a:r>
-              <a:rPr lang="en-US" sz="1200" dirty="0">
-                <a:solidFill>
-                  <a:srgbClr val="A31515"/>
-                </a:solidFill>
-                <a:latin typeface="Monaco"/>
-              </a:rPr>
-              <a:t>"utf-8"</a:t>
-            </a:r>
-            <a:r>
-              <a:rPr lang="en-US" sz="1200" dirty="0">
-                <a:solidFill>
-                  <a:srgbClr val="0000FF"/>
-                </a:solidFill>
-                <a:latin typeface="Monaco"/>
-              </a:rPr>
-              <a:t>&gt;</a:t>
-            </a:r>
-            <a:r>
-              <a:rPr lang="en-US" sz="1200" dirty="0">
-                <a:solidFill>
-                  <a:srgbClr val="000000"/>
-                </a:solidFill>
-                <a:latin typeface="Monaco"/>
-              </a:rPr>
-              <a:t> </a:t>
-            </a:r>
-            <a:endParaRPr lang="vi-VN" sz="1200" dirty="0" smtClean="0">
-              <a:solidFill>
-                <a:srgbClr val="000000"/>
-              </a:solidFill>
-              <a:latin typeface="Monaco"/>
-            </a:endParaRPr>
-          </a:p>
-          <a:p>
-            <a:pPr marL="95250" indent="0">
-              <a:buNone/>
-            </a:pPr>
-            <a:r>
-              <a:rPr lang="vi-VN" sz="1200" dirty="0">
-                <a:solidFill>
-                  <a:srgbClr val="000000"/>
-                </a:solidFill>
-                <a:latin typeface="Monaco"/>
-              </a:rPr>
-              <a:t>	</a:t>
-            </a:r>
-            <a:r>
-              <a:rPr lang="vi-VN" sz="1200" dirty="0" smtClean="0">
-                <a:solidFill>
-                  <a:srgbClr val="000000"/>
-                </a:solidFill>
-                <a:latin typeface="Monaco"/>
-              </a:rPr>
-              <a:t>	</a:t>
-            </a:r>
-            <a:r>
-              <a:rPr lang="en-US" sz="1200" dirty="0" smtClean="0">
-                <a:solidFill>
-                  <a:srgbClr val="0000FF"/>
-                </a:solidFill>
-                <a:latin typeface="Monaco"/>
-              </a:rPr>
-              <a:t>&lt;</a:t>
-            </a:r>
-            <a:r>
-              <a:rPr lang="en-US" sz="1200" dirty="0">
-                <a:solidFill>
-                  <a:srgbClr val="0000FF"/>
-                </a:solidFill>
-                <a:latin typeface="Monaco"/>
-              </a:rPr>
-              <a:t>title&gt;</a:t>
-            </a:r>
-            <a:r>
-              <a:rPr lang="en-US" sz="1200" dirty="0">
-                <a:solidFill>
-                  <a:srgbClr val="000000"/>
-                </a:solidFill>
-                <a:latin typeface="Monaco"/>
-              </a:rPr>
-              <a:t>My test page</a:t>
-            </a:r>
-            <a:r>
-              <a:rPr lang="en-US" sz="1200" dirty="0">
-                <a:solidFill>
-                  <a:srgbClr val="0000FF"/>
-                </a:solidFill>
-                <a:latin typeface="Monaco"/>
-              </a:rPr>
-              <a:t>&lt;/title&gt;</a:t>
-            </a:r>
-            <a:r>
-              <a:rPr lang="en-US" sz="1200" dirty="0">
-                <a:solidFill>
-                  <a:srgbClr val="000000"/>
-                </a:solidFill>
-                <a:latin typeface="Monaco"/>
-              </a:rPr>
-              <a:t> </a:t>
-            </a:r>
-            <a:endParaRPr lang="vi-VN" sz="1200" dirty="0" smtClean="0">
-              <a:solidFill>
-                <a:srgbClr val="000000"/>
-              </a:solidFill>
-              <a:latin typeface="Monaco"/>
-            </a:endParaRPr>
-          </a:p>
-          <a:p>
-            <a:pPr marL="95250" indent="0">
-              <a:buNone/>
-            </a:pPr>
-            <a:r>
-              <a:rPr lang="vi-VN" sz="1200" dirty="0">
-                <a:solidFill>
-                  <a:srgbClr val="000000"/>
-                </a:solidFill>
-                <a:latin typeface="Monaco"/>
-              </a:rPr>
-              <a:t>	</a:t>
-            </a:r>
-            <a:r>
-              <a:rPr lang="en-US" sz="1200" dirty="0" smtClean="0">
-                <a:solidFill>
-                  <a:srgbClr val="0000FF"/>
-                </a:solidFill>
-                <a:latin typeface="Monaco"/>
-              </a:rPr>
-              <a:t>&lt;/</a:t>
-            </a:r>
-            <a:r>
-              <a:rPr lang="en-US" sz="1200" dirty="0">
-                <a:solidFill>
-                  <a:srgbClr val="0000FF"/>
-                </a:solidFill>
-                <a:latin typeface="Monaco"/>
-              </a:rPr>
-              <a:t>head&gt;</a:t>
-            </a:r>
-            <a:r>
-              <a:rPr lang="en-US" sz="1200" dirty="0">
-                <a:solidFill>
-                  <a:srgbClr val="000000"/>
-                </a:solidFill>
-                <a:latin typeface="Monaco"/>
-              </a:rPr>
-              <a:t> </a:t>
-            </a:r>
-            <a:endParaRPr lang="vi-VN" sz="1200" dirty="0" smtClean="0">
-              <a:solidFill>
-                <a:srgbClr val="000000"/>
-              </a:solidFill>
-              <a:latin typeface="Monaco"/>
-            </a:endParaRPr>
-          </a:p>
-          <a:p>
-            <a:pPr marL="95250" indent="0">
-              <a:buNone/>
-            </a:pPr>
-            <a:r>
-              <a:rPr lang="vi-VN" sz="1200" dirty="0">
-                <a:solidFill>
-                  <a:srgbClr val="000000"/>
-                </a:solidFill>
-                <a:latin typeface="Monaco"/>
-              </a:rPr>
-              <a:t>	</a:t>
-            </a:r>
-            <a:r>
-              <a:rPr lang="en-US" sz="1200" dirty="0" smtClean="0">
-                <a:solidFill>
-                  <a:srgbClr val="0000FF"/>
-                </a:solidFill>
-                <a:latin typeface="Monaco"/>
-              </a:rPr>
-              <a:t>&lt;</a:t>
-            </a:r>
-            <a:r>
-              <a:rPr lang="en-US" sz="1200" dirty="0">
-                <a:solidFill>
-                  <a:srgbClr val="0000FF"/>
-                </a:solidFill>
-                <a:latin typeface="Monaco"/>
-              </a:rPr>
-              <a:t>body&gt;</a:t>
-            </a:r>
-            <a:r>
-              <a:rPr lang="en-US" sz="1200" dirty="0">
-                <a:solidFill>
-                  <a:srgbClr val="000000"/>
-                </a:solidFill>
-                <a:latin typeface="Monaco"/>
-              </a:rPr>
-              <a:t> </a:t>
-            </a:r>
-            <a:r>
-              <a:rPr lang="en-US" sz="1200" dirty="0">
-                <a:solidFill>
-                  <a:srgbClr val="0000FF"/>
-                </a:solidFill>
-                <a:latin typeface="Monaco"/>
-              </a:rPr>
-              <a:t>&lt;p&gt;</a:t>
-            </a:r>
-            <a:r>
-              <a:rPr lang="en-US" sz="1200" dirty="0">
-                <a:solidFill>
-                  <a:srgbClr val="000000"/>
-                </a:solidFill>
-                <a:latin typeface="Monaco"/>
-              </a:rPr>
-              <a:t>This is my page</a:t>
-            </a:r>
-            <a:r>
-              <a:rPr lang="en-US" sz="1200" dirty="0">
-                <a:solidFill>
-                  <a:srgbClr val="0000FF"/>
-                </a:solidFill>
-                <a:latin typeface="Monaco"/>
-              </a:rPr>
-              <a:t>&lt;/p&gt;</a:t>
-            </a:r>
-            <a:r>
-              <a:rPr lang="en-US" sz="1200" dirty="0">
-                <a:solidFill>
-                  <a:srgbClr val="000000"/>
-                </a:solidFill>
-                <a:latin typeface="Monaco"/>
-              </a:rPr>
-              <a:t> </a:t>
-            </a:r>
-            <a:r>
-              <a:rPr lang="en-US" sz="1200" dirty="0">
-                <a:solidFill>
-                  <a:srgbClr val="0000FF"/>
-                </a:solidFill>
-                <a:latin typeface="Monaco"/>
-              </a:rPr>
-              <a:t>&lt;/body&gt;</a:t>
-            </a:r>
-            <a:r>
-              <a:rPr lang="en-US" sz="1200" dirty="0">
-                <a:solidFill>
-                  <a:srgbClr val="000000"/>
-                </a:solidFill>
-                <a:latin typeface="Monaco"/>
-              </a:rPr>
-              <a:t> </a:t>
-            </a:r>
-            <a:endParaRPr lang="vi-VN" sz="1200" dirty="0" smtClean="0">
-              <a:solidFill>
-                <a:srgbClr val="000000"/>
-              </a:solidFill>
-              <a:latin typeface="Monaco"/>
-            </a:endParaRPr>
-          </a:p>
-          <a:p>
-            <a:pPr marL="95250" indent="0">
-              <a:buNone/>
-            </a:pPr>
-            <a:r>
-              <a:rPr lang="en-US" sz="1200" dirty="0" smtClean="0">
-                <a:solidFill>
-                  <a:srgbClr val="0000FF"/>
-                </a:solidFill>
-                <a:latin typeface="Monaco"/>
-              </a:rPr>
-              <a:t>&lt;/</a:t>
-            </a:r>
-            <a:r>
-              <a:rPr lang="en-US" sz="1200" dirty="0">
-                <a:solidFill>
-                  <a:srgbClr val="0000FF"/>
-                </a:solidFill>
-                <a:latin typeface="Monaco"/>
-              </a:rPr>
-              <a:t>html&gt;</a:t>
-            </a:r>
-            <a:r>
-              <a:rPr lang="en-US" dirty="0" smtClean="0"/>
-              <a:t/>
-            </a:r>
-            <a:br>
-              <a:rPr lang="en-US" dirty="0" smtClean="0"/>
-            </a:br>
-            <a:endParaRPr lang="en-US" dirty="0"/>
+            <a:pPr lvl="1"/>
+            <a:r>
+              <a:rPr lang="en-US" sz="1400" dirty="0"/>
+              <a:t>&lt;input type="text" disabled="disabled</a:t>
+            </a:r>
+            <a:r>
+              <a:rPr lang="en-US" sz="1400" dirty="0" smtClean="0"/>
+              <a:t>"&gt;</a:t>
+            </a:r>
+            <a:endParaRPr lang="vi-VN" sz="1400" dirty="0" smtClean="0"/>
+          </a:p>
+          <a:p>
+            <a:pPr lvl="1"/>
+            <a:r>
+              <a:rPr lang="en-US" sz="1400" dirty="0"/>
+              <a:t>&lt;a </a:t>
+            </a:r>
+            <a:r>
+              <a:rPr lang="en-US" sz="1400" dirty="0" err="1"/>
+              <a:t>href</a:t>
+            </a:r>
+            <a:r>
+              <a:rPr lang="en-US" sz="1400" dirty="0"/>
+              <a:t>=https://www.mozilla.org/ title=The Mozilla homepage&gt;favorite website&lt;/a&gt;</a:t>
+            </a:r>
           </a:p>
         </p:txBody>
       </p:sp>
+      <p:pic>
+        <p:nvPicPr>
+          <p:cNvPr id="1026" name="Picture 2" descr="&amp;amp;amp;amp;amp;amp;amp;amp;lt;p class=&quot;editor-note&quot;&gt;My cat is very grumpy&amp;amp;amp;amp;amp;amp;amp;amp;lt;/p&gt;"/>
+          <p:cNvPicPr>
+            <a:picLocks noChangeAspect="1" noChangeArrowheads="1"/>
+          </p:cNvPicPr>
+          <p:nvPr/>
+        </p:nvPicPr>
+        <p:blipFill>
+          <a:blip r:embed="rId2">
+            <a:extLst>
+              <a:ext uri="{28A0092B-C50C-407E-A947-70E740481C1C}">
+                <a14:useLocalDpi xmlns:a14="http://schemas.microsoft.com/office/drawing/2010/main" val="0"/>
+              </a:ext>
+            </a:extLst>
+          </a:blip>
+          <a:srcRect/>
+          <a:stretch>
+            <a:fillRect/>
+          </a:stretch>
+        </p:blipFill>
+        <p:spPr bwMode="auto">
+          <a:xfrm>
+            <a:off x="2438400" y="3028950"/>
+            <a:ext cx="4486275" cy="543791"/>
+          </a:xfrm>
+          <a:prstGeom prst="rect">
+            <a:avLst/>
+          </a:prstGeom>
+          <a:noFill/>
+          <a:extLst>
+            <a:ext uri="{909E8E84-426E-40DD-AFC4-6F175D3DCCD1}">
+              <a14:hiddenFill xmlns:a14="http://schemas.microsoft.com/office/drawing/2010/main">
+                <a:solidFill>
+                  <a:srgbClr val="FFFFFF"/>
+                </a:solidFill>
+              </a14:hiddenFill>
+            </a:ext>
+          </a:extLst>
+        </p:spPr>
+      </p:pic>
     </p:spTree>
     <p:extLst>
       <p:ext uri="{BB962C8B-B14F-4D97-AF65-F5344CB8AC3E}">
-        <p14:creationId xmlns:p14="http://schemas.microsoft.com/office/powerpoint/2010/main" val="2881551354"/>
+        <p14:creationId xmlns:p14="http://schemas.microsoft.com/office/powerpoint/2010/main" val="2053110585"/>
       </p:ext>
     </p:extLst>
   </p:cSld>

--- a/docs/HTML.pptx
+++ b/docs/HTML.pptx
@@ -5,7 +5,7 @@
     <p:sldMasterId id="2147483659" r:id="rId1"/>
   </p:sldMasterIdLst>
   <p:notesMasterIdLst>
-    <p:notesMasterId r:id="rId34"/>
+    <p:notesMasterId r:id="rId35"/>
   </p:notesMasterIdLst>
   <p:sldIdLst>
     <p:sldId id="256" r:id="rId2"/>
@@ -25,31 +25,32 @@
     <p:sldId id="272" r:id="rId16"/>
     <p:sldId id="273" r:id="rId17"/>
     <p:sldId id="274" r:id="rId18"/>
-    <p:sldId id="275" r:id="rId19"/>
-    <p:sldId id="276" r:id="rId20"/>
-    <p:sldId id="277" r:id="rId21"/>
-    <p:sldId id="278" r:id="rId22"/>
-    <p:sldId id="279" r:id="rId23"/>
-    <p:sldId id="310" r:id="rId24"/>
-    <p:sldId id="311" r:id="rId25"/>
-    <p:sldId id="312" r:id="rId26"/>
-    <p:sldId id="313" r:id="rId27"/>
-    <p:sldId id="314" r:id="rId28"/>
-    <p:sldId id="315" r:id="rId29"/>
-    <p:sldId id="316" r:id="rId30"/>
-    <p:sldId id="317" r:id="rId31"/>
-    <p:sldId id="318" r:id="rId32"/>
-    <p:sldId id="319" r:id="rId33"/>
+    <p:sldId id="321" r:id="rId19"/>
+    <p:sldId id="275" r:id="rId20"/>
+    <p:sldId id="276" r:id="rId21"/>
+    <p:sldId id="277" r:id="rId22"/>
+    <p:sldId id="278" r:id="rId23"/>
+    <p:sldId id="279" r:id="rId24"/>
+    <p:sldId id="310" r:id="rId25"/>
+    <p:sldId id="311" r:id="rId26"/>
+    <p:sldId id="312" r:id="rId27"/>
+    <p:sldId id="313" r:id="rId28"/>
+    <p:sldId id="314" r:id="rId29"/>
+    <p:sldId id="315" r:id="rId30"/>
+    <p:sldId id="316" r:id="rId31"/>
+    <p:sldId id="317" r:id="rId32"/>
+    <p:sldId id="318" r:id="rId33"/>
+    <p:sldId id="319" r:id="rId34"/>
   </p:sldIdLst>
   <p:sldSz cx="9144000" cy="5143500" type="screen16x9"/>
   <p:notesSz cx="6858000" cy="9144000"/>
   <p:embeddedFontLst>
     <p:embeddedFont>
       <p:font typeface="Calibri" panose="020F0502020204030204" pitchFamily="34" charset="0"/>
-      <p:regular r:id="rId35"/>
-      <p:bold r:id="rId36"/>
-      <p:italic r:id="rId37"/>
-      <p:boldItalic r:id="rId38"/>
+      <p:regular r:id="rId36"/>
+      <p:bold r:id="rId37"/>
+      <p:italic r:id="rId38"/>
+      <p:boldItalic r:id="rId39"/>
     </p:embeddedFont>
   </p:embeddedFontLst>
   <p:defaultTextStyle>
@@ -18311,11 +18312,7 @@
           <a:bodyPr/>
           <a:lstStyle/>
           <a:p>
-            <a:r>
-              <a:rPr lang="en-US" dirty="0" smtClean="0"/>
-              <a:t>HTML Table</a:t>
-            </a:r>
-            <a:endParaRPr lang="en-US" dirty="0"/>
+            <a:endParaRPr lang="en-US"/>
           </a:p>
         </p:txBody>
       </p:sp>
@@ -18335,101 +18332,28 @@
           <a:lstStyle/>
           <a:p>
             <a:r>
-              <a:rPr lang="en-US" dirty="0"/>
-              <a:t>An HTML table is defined with the &lt;table&gt; tag.</a:t>
-            </a:r>
-          </a:p>
-          <a:p>
-            <a:pPr lvl="1" fontAlgn="base"/>
-            <a:r>
-              <a:rPr lang="en-US" dirty="0"/>
-              <a:t>Use the HTML &lt;table&gt; element to define a table</a:t>
-            </a:r>
-          </a:p>
-          <a:p>
-            <a:pPr lvl="1" fontAlgn="base"/>
-            <a:r>
-              <a:rPr lang="en-US" dirty="0"/>
-              <a:t>Use the HTML &lt;</a:t>
-            </a:r>
-            <a:r>
-              <a:rPr lang="en-US" dirty="0" err="1"/>
-              <a:t>tr</a:t>
-            </a:r>
-            <a:r>
-              <a:rPr lang="en-US" dirty="0"/>
-              <a:t>&gt; element to define a table row</a:t>
-            </a:r>
-          </a:p>
-          <a:p>
-            <a:pPr lvl="1" fontAlgn="base"/>
-            <a:r>
-              <a:rPr lang="en-US" dirty="0"/>
-              <a:t>Use the HTML &lt;td&gt; element to define a table data</a:t>
-            </a:r>
-          </a:p>
-          <a:p>
-            <a:pPr lvl="1" fontAlgn="base"/>
-            <a:r>
-              <a:rPr lang="en-US" dirty="0"/>
-              <a:t>Use the HTML &lt;</a:t>
-            </a:r>
-            <a:r>
-              <a:rPr lang="en-US" dirty="0" err="1"/>
-              <a:t>th</a:t>
-            </a:r>
-            <a:r>
-              <a:rPr lang="en-US" dirty="0"/>
-              <a:t>&gt; element to define a table heading</a:t>
-            </a:r>
-          </a:p>
-          <a:p>
-            <a:pPr lvl="1" fontAlgn="base"/>
-            <a:r>
-              <a:rPr lang="en-US" dirty="0"/>
-              <a:t>Use the HTML &lt;caption&gt; element to define a table caption</a:t>
-            </a:r>
-          </a:p>
-          <a:p>
-            <a:pPr lvl="1" fontAlgn="base"/>
-            <a:r>
-              <a:rPr lang="en-US" dirty="0"/>
-              <a:t>Use the CSS border property to define a border</a:t>
-            </a:r>
-          </a:p>
-          <a:p>
-            <a:pPr lvl="1" fontAlgn="base"/>
-            <a:r>
-              <a:rPr lang="en-US" dirty="0"/>
-              <a:t>Use the CSS border-collapse property to collapse cell borders</a:t>
-            </a:r>
-          </a:p>
-          <a:p>
-            <a:pPr lvl="1" fontAlgn="base"/>
-            <a:r>
-              <a:rPr lang="en-US" dirty="0"/>
-              <a:t>Use the CSS padding property to add padding to cells</a:t>
-            </a:r>
-          </a:p>
-          <a:p>
-            <a:pPr marL="95250" indent="0">
-              <a:buNone/>
-            </a:pPr>
-            <a:r>
-              <a:rPr lang="en-US" dirty="0"/>
-              <a:t/>
-            </a:r>
-            <a:br>
-              <a:rPr lang="en-US" dirty="0"/>
-            </a:br>
-            <a:endParaRPr lang="en-US" dirty="0"/>
+              <a:rPr lang="en-US" dirty="0">
+                <a:hlinkClick r:id="rId2"/>
+              </a:rPr>
+              <a:t>https://</a:t>
+            </a:r>
+            <a:r>
+              <a:rPr lang="en-US" dirty="0" smtClean="0">
+                <a:hlinkClick r:id="rId2"/>
+              </a:rPr>
+              <a:t>www.w3schools.com/html/html_forms.asp</a:t>
+            </a:r>
+            <a:endParaRPr lang="vi-VN" smtClean="0"/>
+          </a:p>
+          <a:p>
+            <a:endParaRPr lang="en-US"/>
           </a:p>
         </p:txBody>
       </p:sp>
     </p:spTree>
     <p:extLst>
       <p:ext uri="{BB962C8B-B14F-4D97-AF65-F5344CB8AC3E}">
-        <p14:creationId xmlns:p14="http://schemas.microsoft.com/office/powerpoint/2010/main" val="4213710167"/>
+        <p14:creationId xmlns:p14="http://schemas.microsoft.com/office/powerpoint/2010/main" val="2934702671"/>
       </p:ext>
     </p:extLst>
   </p:cSld>
@@ -18479,9 +18403,10 @@
           <a:lstStyle/>
           <a:p>
             <a:r>
-              <a:rPr lang="en-US" dirty="0"/>
+              <a:rPr lang="en-US" dirty="0" smtClean="0"/>
               <a:t>HTML Table</a:t>
             </a:r>
+            <a:endParaRPr lang="en-US" dirty="0"/>
           </a:p>
         </p:txBody>
       </p:sp>
@@ -18500,66 +18425,102 @@
           <a:bodyPr/>
           <a:lstStyle/>
           <a:p>
+            <a:r>
+              <a:rPr lang="en-US" dirty="0"/>
+              <a:t>An HTML table is defined with the &lt;table&gt; tag.</a:t>
+            </a:r>
+          </a:p>
+          <a:p>
             <a:pPr lvl="1" fontAlgn="base"/>
             <a:r>
-              <a:rPr lang="en-US" dirty="0" smtClean="0"/>
-              <a:t>Use </a:t>
-            </a:r>
-            <a:r>
               <a:rPr lang="en-US" dirty="0"/>
-              <a:t>the CSS text-align property to align cell text</a:t>
+              <a:t>Use the HTML &lt;table&gt; element to define a table</a:t>
             </a:r>
           </a:p>
           <a:p>
             <a:pPr lvl="1" fontAlgn="base"/>
             <a:r>
               <a:rPr lang="en-US" dirty="0"/>
-              <a:t>Use the CSS border-spacing property to set the spacing between cells</a:t>
+              <a:t>Use the HTML &lt;</a:t>
+            </a:r>
+            <a:r>
+              <a:rPr lang="en-US" dirty="0" err="1"/>
+              <a:t>tr</a:t>
+            </a:r>
+            <a:r>
+              <a:rPr lang="en-US" dirty="0"/>
+              <a:t>&gt; element to define a table row</a:t>
             </a:r>
           </a:p>
           <a:p>
             <a:pPr lvl="1" fontAlgn="base"/>
             <a:r>
               <a:rPr lang="en-US" dirty="0"/>
-              <a:t>Use the </a:t>
+              <a:t>Use the HTML &lt;td&gt; element to define a table data</a:t>
+            </a:r>
+          </a:p>
+          <a:p>
+            <a:pPr lvl="1" fontAlgn="base"/>
+            <a:r>
+              <a:rPr lang="en-US" dirty="0"/>
+              <a:t>Use the HTML &lt;</a:t>
             </a:r>
             <a:r>
               <a:rPr lang="en-US" dirty="0" err="1"/>
-              <a:t>colspan</a:t>
+              <a:t>th</a:t>
             </a:r>
             <a:r>
               <a:rPr lang="en-US" dirty="0"/>
-              <a:t> attribute to make a cell span many columns</a:t>
+              <a:t>&gt; element to define a table heading</a:t>
             </a:r>
           </a:p>
           <a:p>
             <a:pPr lvl="1" fontAlgn="base"/>
             <a:r>
               <a:rPr lang="en-US" dirty="0"/>
-              <a:t>Use the </a:t>
-            </a:r>
-            <a:r>
-              <a:rPr lang="en-US" dirty="0" err="1"/>
-              <a:t>rowspan</a:t>
-            </a:r>
+              <a:t>Use the HTML &lt;caption&gt; element to define a table caption</a:t>
+            </a:r>
+          </a:p>
+          <a:p>
+            <a:pPr lvl="1" fontAlgn="base"/>
             <a:r>
               <a:rPr lang="en-US" dirty="0"/>
-              <a:t> attribute to make a cell span many rows</a:t>
+              <a:t>Use the CSS border property to define a border</a:t>
             </a:r>
           </a:p>
           <a:p>
             <a:pPr lvl="1" fontAlgn="base"/>
             <a:r>
               <a:rPr lang="en-US" dirty="0"/>
-              <a:t>Use the id attribute to uniquely define one table</a:t>
-            </a:r>
+              <a:t>Use the CSS border-collapse property to collapse cell borders</a:t>
+            </a:r>
+          </a:p>
+          <a:p>
+            <a:pPr lvl="1" fontAlgn="base"/>
+            <a:r>
+              <a:rPr lang="en-US" dirty="0"/>
+              <a:t>Use the CSS padding property to add padding to cells</a:t>
+            </a:r>
+          </a:p>
+          <a:p>
+            <a:pPr marL="95250" indent="0">
+              <a:buNone/>
+            </a:pPr>
+            <a:r>
+              <a:rPr lang="en-US" dirty="0"/>
+              <a:t/>
+            </a:r>
+            <a:br>
+              <a:rPr lang="en-US" dirty="0"/>
+            </a:br>
+            <a:endParaRPr lang="en-US" dirty="0"/>
           </a:p>
         </p:txBody>
       </p:sp>
     </p:spTree>
     <p:extLst>
       <p:ext uri="{BB962C8B-B14F-4D97-AF65-F5344CB8AC3E}">
-        <p14:creationId xmlns:p14="http://schemas.microsoft.com/office/powerpoint/2010/main" val="3456550281"/>
+        <p14:creationId xmlns:p14="http://schemas.microsoft.com/office/powerpoint/2010/main" val="4213710167"/>
       </p:ext>
     </p:extLst>
   </p:cSld>
@@ -18997,7 +18958,7 @@
           <a:p>
             <a:r>
               <a:rPr lang="en-US" dirty="0"/>
-              <a:t>HTML &lt;div&gt; Tag</a:t>
+              <a:t>HTML Table</a:t>
             </a:r>
           </a:p>
         </p:txBody>
@@ -19017,42 +18978,66 @@
           <a:bodyPr/>
           <a:lstStyle/>
           <a:p>
+            <a:pPr lvl="1" fontAlgn="base"/>
+            <a:r>
+              <a:rPr lang="en-US" dirty="0" smtClean="0"/>
+              <a:t>Use </a:t>
+            </a:r>
             <a:r>
               <a:rPr lang="en-US" dirty="0"/>
-              <a:t>The &lt;div&gt; tag defines a division or a section in an HTML document.</a:t>
-            </a:r>
-          </a:p>
-          <a:p>
+              <a:t>the CSS text-align property to align cell text</a:t>
+            </a:r>
+          </a:p>
+          <a:p>
+            <a:pPr lvl="1" fontAlgn="base"/>
             <a:r>
               <a:rPr lang="en-US" dirty="0"/>
-              <a:t>The &lt;div&gt; tag is used as a container for HTML elements - which is then styled with CSS or manipulated with JavaScript.</a:t>
-            </a:r>
-          </a:p>
-          <a:p>
+              <a:t>Use the CSS border-spacing property to set the spacing between cells</a:t>
+            </a:r>
+          </a:p>
+          <a:p>
+            <a:pPr lvl="1" fontAlgn="base"/>
             <a:r>
               <a:rPr lang="en-US" dirty="0"/>
-              <a:t>The &lt;div&gt; tag is easily styled by using the class or id attribute.</a:t>
-            </a:r>
-          </a:p>
-          <a:p>
-            <a:pPr marL="95250" indent="0">
-              <a:buNone/>
-            </a:pPr>
+              <a:t>Use the </a:t>
+            </a:r>
+            <a:r>
+              <a:rPr lang="en-US" dirty="0" err="1"/>
+              <a:t>colspan</a:t>
+            </a:r>
             <a:r>
               <a:rPr lang="en-US" dirty="0"/>
-              <a:t/>
-            </a:r>
-            <a:br>
+              <a:t> attribute to make a cell span many columns</a:t>
+            </a:r>
+          </a:p>
+          <a:p>
+            <a:pPr lvl="1" fontAlgn="base"/>
+            <a:r>
               <a:rPr lang="en-US" dirty="0"/>
-            </a:br>
-            <a:endParaRPr lang="en-US" dirty="0"/>
+              <a:t>Use the </a:t>
+            </a:r>
+            <a:r>
+              <a:rPr lang="en-US" dirty="0" err="1"/>
+              <a:t>rowspan</a:t>
+            </a:r>
+            <a:r>
+              <a:rPr lang="en-US" dirty="0"/>
+              <a:t> attribute to make a cell span many rows</a:t>
+            </a:r>
+          </a:p>
+          <a:p>
+            <a:pPr lvl="1" fontAlgn="base"/>
+            <a:r>
+              <a:rPr lang="en-US" dirty="0"/>
+              <a:t>Use the id attribute to uniquely define one table</a:t>
+            </a:r>
           </a:p>
         </p:txBody>
       </p:sp>
     </p:spTree>
     <p:extLst>
       <p:ext uri="{BB962C8B-B14F-4D97-AF65-F5344CB8AC3E}">
-        <p14:creationId xmlns:p14="http://schemas.microsoft.com/office/powerpoint/2010/main" val="3344094287"/>
+        <p14:creationId xmlns:p14="http://schemas.microsoft.com/office/powerpoint/2010/main" val="3456550281"/>
       </p:ext>
     </p:extLst>
   </p:cSld>
@@ -19103,13 +19088,8 @@
           <a:p>
             <a:r>
               <a:rPr lang="en-US" dirty="0"/>
-              <a:t>HTML and </a:t>
-            </a:r>
-            <a:r>
-              <a:rPr lang="en-US" dirty="0" smtClean="0"/>
-              <a:t>debugging</a:t>
-            </a:r>
-            <a:endParaRPr lang="en-US" dirty="0"/>
+              <a:t>HTML &lt;div&gt; Tag</a:t>
+            </a:r>
           </a:p>
         </p:txBody>
       </p:sp>
@@ -19130,10 +19110,25 @@
           <a:p>
             <a:r>
               <a:rPr lang="en-US" dirty="0"/>
-              <a:t>In the DOM inspector, you can see what the rendered markup</a:t>
-            </a:r>
-          </a:p>
-          <a:p>
+              <a:t>The &lt;div&gt; tag defines a division or a section in an HTML document.</a:t>
+            </a:r>
+          </a:p>
+          <a:p>
+            <a:r>
+              <a:rPr lang="en-US" dirty="0"/>
+              <a:t>The &lt;div&gt; tag is used as a container for HTML elements - which is then styled with CSS or manipulated with JavaScript.</a:t>
+            </a:r>
+          </a:p>
+          <a:p>
+            <a:r>
+              <a:rPr lang="en-US" dirty="0"/>
+              <a:t>The &lt;div&gt; tag is easily styled by using the class or id attribute.</a:t>
+            </a:r>
+          </a:p>
+          <a:p>
+            <a:pPr marL="95250" indent="0">
+              <a:buNone/>
+            </a:pPr>
             <a:r>
               <a:rPr lang="en-US" dirty="0"/>
               <a:t/>
@@ -19145,51 +19140,10 @@
           </a:p>
         </p:txBody>
       </p:sp>
-      <p:pic>
-        <p:nvPicPr>
-          <p:cNvPr id="5122" name="Picture 2" descr="https://lh6.googleusercontent.com/Wsw9nKFGsgE4L5yUWfPYAZMJjcE8gqCwDr2mHKnnv8r9i8Q3qjrUVFF7_2-qqehSeAAEWrp27MQ2mAUmsvKEilKG1niCknvhZjV3Dx4OynzQE3MDLj6mCAvy-pT4DEZfrq3lE7OZ"/>
-          <p:cNvPicPr>
-            <a:picLocks noChangeAspect="1" noChangeArrowheads="1"/>
-          </p:cNvPicPr>
-          <p:nvPr/>
-        </p:nvPicPr>
-        <p:blipFill>
-          <a:blip r:embed="rId2">
-            <a:extLst>
-              <a:ext uri="{28A0092B-C50C-407E-A947-70E740481C1C}">
-                <a14:useLocalDpi xmlns:a14="http://schemas.microsoft.com/office/drawing/2010/main" val="0"/>
-              </a:ext>
-            </a:extLst>
-          </a:blip>
-          <a:srcRect/>
-          <a:stretch>
-            <a:fillRect/>
-          </a:stretch>
-        </p:blipFill>
-        <p:spPr bwMode="auto">
-          <a:xfrm>
-            <a:off x="2318455" y="1733550"/>
-            <a:ext cx="3657600" cy="3067050"/>
-          </a:xfrm>
-          <a:prstGeom prst="rect">
-            <a:avLst/>
-          </a:prstGeom>
-          <a:noFill/>
-          <a:extLst>
-            <a:ext uri="{909E8E84-426E-40DD-AFC4-6F175D3DCCD1}">
-              <a14:hiddenFill xmlns:a14="http://schemas.microsoft.com/office/drawing/2010/main">
-                <a:solidFill>
-                  <a:srgbClr val="FFFFFF"/>
-                </a:solidFill>
-              </a14:hiddenFill>
-            </a:ext>
-          </a:extLst>
-        </p:spPr>
-      </p:pic>
     </p:spTree>
     <p:extLst>
       <p:ext uri="{BB962C8B-B14F-4D97-AF65-F5344CB8AC3E}">
-        <p14:creationId xmlns:p14="http://schemas.microsoft.com/office/powerpoint/2010/main" val="3028655343"/>
+        <p14:creationId xmlns:p14="http://schemas.microsoft.com/office/powerpoint/2010/main" val="3344094287"/>
       </p:ext>
     </p:extLst>
   </p:cSld>
@@ -19240,8 +19194,13 @@
           <a:p>
             <a:r>
               <a:rPr lang="en-US" dirty="0"/>
-              <a:t>HTML and debugging</a:t>
-            </a:r>
+              <a:t>HTML and </a:t>
+            </a:r>
+            <a:r>
+              <a:rPr lang="en-US" dirty="0" smtClean="0"/>
+              <a:t>debugging</a:t>
+            </a:r>
+            <a:endParaRPr lang="en-US" dirty="0"/>
           </a:p>
         </p:txBody>
       </p:sp>
@@ -19261,34 +19220,32 @@
           <a:lstStyle/>
           <a:p>
             <a:r>
-              <a:rPr lang="en-US" u="sng" dirty="0">
-                <a:hlinkClick r:id="rId2"/>
-              </a:rPr>
-              <a:t>https://validator.w3.org</a:t>
-            </a:r>
-            <a:r>
-              <a:rPr lang="en-US" u="sng" dirty="0" smtClean="0">
-                <a:hlinkClick r:id="rId2"/>
-              </a:rPr>
-              <a:t>/</a:t>
-            </a:r>
-            <a:endParaRPr lang="vi-VN" u="sng" dirty="0" smtClean="0"/>
-          </a:p>
-          <a:p>
+              <a:rPr lang="en-US" dirty="0"/>
+              <a:t>In the DOM inspector, you can see what the rendered markup</a:t>
+            </a:r>
+          </a:p>
+          <a:p>
+            <a:r>
+              <a:rPr lang="en-US" dirty="0"/>
+              <a:t/>
+            </a:r>
+            <a:br>
+              <a:rPr lang="en-US" dirty="0"/>
+            </a:br>
             <a:endParaRPr lang="en-US" dirty="0"/>
           </a:p>
         </p:txBody>
       </p:sp>
       <p:pic>
         <p:nvPicPr>
-          <p:cNvPr id="6148" name="Picture 4" descr="https://lh4.googleusercontent.com/LCM1O9grLmI85u9_8o_CygMq4Rubnci0IrbtWyMvUiCIPrWd-5Z-UfIV7mKvCGI07AngnoNWcu_1egs8QpolaCM-mm6KZKTU4Ot_HRR5_xozyYX1xYbB2py_0AU0G0_EMr4qyQWp"/>
+          <p:cNvPr id="5122" name="Picture 2" descr="https://lh6.googleusercontent.com/Wsw9nKFGsgE4L5yUWfPYAZMJjcE8gqCwDr2mHKnnv8r9i8Q3qjrUVFF7_2-qqehSeAAEWrp27MQ2mAUmsvKEilKG1niCknvhZjV3Dx4OynzQE3MDLj6mCAvy-pT4DEZfrq3lE7OZ"/>
           <p:cNvPicPr>
             <a:picLocks noChangeAspect="1" noChangeArrowheads="1"/>
           </p:cNvPicPr>
           <p:nvPr/>
         </p:nvPicPr>
         <p:blipFill>
-          <a:blip r:embed="rId3">
+          <a:blip r:embed="rId2">
             <a:extLst>
               <a:ext uri="{28A0092B-C50C-407E-A947-70E740481C1C}">
                 <a14:useLocalDpi xmlns:a14="http://schemas.microsoft.com/office/drawing/2010/main" val="0"/>
@@ -19302,8 +19259,8 @@
         </p:blipFill>
         <p:spPr bwMode="auto">
           <a:xfrm>
-            <a:off x="381000" y="2002910"/>
-            <a:ext cx="4337816" cy="3048000"/>
+            <a:off x="2318455" y="1733550"/>
+            <a:ext cx="3657600" cy="3067050"/>
           </a:xfrm>
           <a:prstGeom prst="rect">
             <a:avLst/>
@@ -19320,51 +19277,10 @@
           </a:extLst>
         </p:spPr>
       </p:pic>
-      <p:pic>
-        <p:nvPicPr>
-          <p:cNvPr id="6150" name="Picture 6" descr="https://lh3.googleusercontent.com/BNOgjSBJSRTUAjYKIdDhnEB2cqw-hEH9UPMdYxibRh4fgxjesOo2C03k26YhitCXXPKp9Q_R-xvzKlr5uDdSsxPdyhuUt7iqhoEj5FuL1Dl27rOCszJK7P8SPHvFYTcv_KvGxeJW"/>
-          <p:cNvPicPr>
-            <a:picLocks noChangeAspect="1" noChangeArrowheads="1"/>
-          </p:cNvPicPr>
-          <p:nvPr/>
-        </p:nvPicPr>
-        <p:blipFill>
-          <a:blip r:embed="rId4">
-            <a:extLst>
-              <a:ext uri="{28A0092B-C50C-407E-A947-70E740481C1C}">
-                <a14:useLocalDpi xmlns:a14="http://schemas.microsoft.com/office/drawing/2010/main" val="0"/>
-              </a:ext>
-            </a:extLst>
-          </a:blip>
-          <a:srcRect/>
-          <a:stretch>
-            <a:fillRect/>
-          </a:stretch>
-        </p:blipFill>
-        <p:spPr bwMode="auto">
-          <a:xfrm>
-            <a:off x="4966466" y="2114550"/>
-            <a:ext cx="4137033" cy="2590800"/>
-          </a:xfrm>
-          <a:prstGeom prst="rect">
-            <a:avLst/>
-          </a:prstGeom>
-          <a:noFill/>
-          <a:extLst>
-            <a:ext uri="{909E8E84-426E-40DD-AFC4-6F175D3DCCD1}">
-              <a14:hiddenFill xmlns:a14="http://schemas.microsoft.com/office/drawing/2010/main">
-                <a:solidFill>
-                  <a:srgbClr val="FFFFFF"/>
-                </a:solidFill>
-              </a14:hiddenFill>
-            </a:ext>
-          </a:extLst>
-        </p:spPr>
-      </p:pic>
     </p:spTree>
     <p:extLst>
       <p:ext uri="{BB962C8B-B14F-4D97-AF65-F5344CB8AC3E}">
-        <p14:creationId xmlns:p14="http://schemas.microsoft.com/office/powerpoint/2010/main" val="362845379"/>
+        <p14:creationId xmlns:p14="http://schemas.microsoft.com/office/powerpoint/2010/main" val="3028655343"/>
       </p:ext>
     </p:extLst>
   </p:cSld>
@@ -19414,10 +19330,9 @@
           <a:lstStyle/>
           <a:p>
             <a:r>
-              <a:rPr lang="en-US" dirty="0" smtClean="0"/>
-              <a:t>Intro to HTML5</a:t>
-            </a:r>
-            <a:endParaRPr lang="en-US" dirty="0"/>
+              <a:rPr lang="en-US" dirty="0"/>
+              <a:t>HTML and debugging</a:t>
+            </a:r>
           </a:p>
         </p:txBody>
       </p:sp>
@@ -19436,24 +19351,19 @@
           <a:bodyPr/>
           <a:lstStyle/>
           <a:p>
-            <a:pPr lvl="1"/>
-            <a:r>
-              <a:rPr lang="vi-VN" dirty="0"/>
-              <a:t>Demo: </a:t>
-            </a:r>
-            <a:r>
-              <a:rPr lang="vi-VN" dirty="0">
+            <a:r>
+              <a:rPr lang="en-US" u="sng" dirty="0">
                 <a:hlinkClick r:id="rId2"/>
               </a:rPr>
-              <a:t>https://</a:t>
-            </a:r>
-            <a:r>
-              <a:rPr lang="vi-VN" dirty="0" smtClean="0">
+              <a:t>https://validator.w3.org</a:t>
+            </a:r>
+            <a:r>
+              <a:rPr lang="en-US" u="sng" dirty="0" smtClean="0">
                 <a:hlinkClick r:id="rId2"/>
               </a:rPr>
-              <a:t>github.com/giaule91/demo-html5.git</a:t>
-            </a:r>
-            <a:endParaRPr lang="vi-VN" dirty="0" smtClean="0"/>
+              <a:t>/</a:t>
+            </a:r>
+            <a:endParaRPr lang="vi-VN" u="sng" dirty="0" smtClean="0"/>
           </a:p>
           <a:p>
             <a:endParaRPr lang="en-US" dirty="0"/>
@@ -19462,7 +19372,7 @@
       </p:sp>
       <p:pic>
         <p:nvPicPr>
-          <p:cNvPr id="2050" name="Picture 2" descr="Difference Between HTML and HTML5"/>
+          <p:cNvPr id="6148" name="Picture 4" descr="https://lh4.googleusercontent.com/LCM1O9grLmI85u9_8o_CygMq4Rubnci0IrbtWyMvUiCIPrWd-5Z-UfIV7mKvCGI07AngnoNWcu_1egs8QpolaCM-mm6KZKTU4Ot_HRR5_xozyYX1xYbB2py_0AU0G0_EMr4qyQWp"/>
           <p:cNvPicPr>
             <a:picLocks noChangeAspect="1" noChangeArrowheads="1"/>
           </p:cNvPicPr>
@@ -19483,8 +19393,8 @@
         </p:blipFill>
         <p:spPr bwMode="auto">
           <a:xfrm>
-            <a:off x="1828800" y="1885950"/>
-            <a:ext cx="4791075" cy="3015419"/>
+            <a:off x="381000" y="2002910"/>
+            <a:ext cx="4337816" cy="3048000"/>
           </a:xfrm>
           <a:prstGeom prst="rect">
             <a:avLst/>
@@ -19501,10 +19411,51 @@
           </a:extLst>
         </p:spPr>
       </p:pic>
+      <p:pic>
+        <p:nvPicPr>
+          <p:cNvPr id="6150" name="Picture 6" descr="https://lh3.googleusercontent.com/BNOgjSBJSRTUAjYKIdDhnEB2cqw-hEH9UPMdYxibRh4fgxjesOo2C03k26YhitCXXPKp9Q_R-xvzKlr5uDdSsxPdyhuUt7iqhoEj5FuL1Dl27rOCszJK7P8SPHvFYTcv_KvGxeJW"/>
+          <p:cNvPicPr>
+            <a:picLocks noChangeAspect="1" noChangeArrowheads="1"/>
+          </p:cNvPicPr>
+          <p:nvPr/>
+        </p:nvPicPr>
+        <p:blipFill>
+          <a:blip r:embed="rId4">
+            <a:extLst>
+              <a:ext uri="{28A0092B-C50C-407E-A947-70E740481C1C}">
+                <a14:useLocalDpi xmlns:a14="http://schemas.microsoft.com/office/drawing/2010/main" val="0"/>
+              </a:ext>
+            </a:extLst>
+          </a:blip>
+          <a:srcRect/>
+          <a:stretch>
+            <a:fillRect/>
+          </a:stretch>
+        </p:blipFill>
+        <p:spPr bwMode="auto">
+          <a:xfrm>
+            <a:off x="4966466" y="2114550"/>
+            <a:ext cx="4137033" cy="2590800"/>
+          </a:xfrm>
+          <a:prstGeom prst="rect">
+            <a:avLst/>
+          </a:prstGeom>
+          <a:noFill/>
+          <a:extLst>
+            <a:ext uri="{909E8E84-426E-40DD-AFC4-6F175D3DCCD1}">
+              <a14:hiddenFill xmlns:a14="http://schemas.microsoft.com/office/drawing/2010/main">
+                <a:solidFill>
+                  <a:srgbClr val="FFFFFF"/>
+                </a:solidFill>
+              </a14:hiddenFill>
+            </a:ext>
+          </a:extLst>
+        </p:spPr>
+      </p:pic>
     </p:spTree>
     <p:extLst>
       <p:ext uri="{BB962C8B-B14F-4D97-AF65-F5344CB8AC3E}">
-        <p14:creationId xmlns:p14="http://schemas.microsoft.com/office/powerpoint/2010/main" val="3894073319"/>
+        <p14:creationId xmlns:p14="http://schemas.microsoft.com/office/powerpoint/2010/main" val="362845379"/>
       </p:ext>
     </p:extLst>
   </p:cSld>
@@ -19555,7 +19506,7 @@
           <a:p>
             <a:r>
               <a:rPr lang="en-US" dirty="0" smtClean="0"/>
-              <a:t>Best Practice</a:t>
+              <a:t>Intro to HTML5</a:t>
             </a:r>
             <a:endParaRPr lang="en-US" dirty="0"/>
           </a:p>
@@ -19576,52 +19527,40 @@
           <a:bodyPr/>
           <a:lstStyle/>
           <a:p>
-            <a:r>
-              <a:rPr lang="en-US" dirty="0" smtClean="0"/>
-              <a:t>Always </a:t>
-            </a:r>
-            <a:r>
-              <a:rPr lang="en-US" dirty="0"/>
-              <a:t>Declare a </a:t>
-            </a:r>
-            <a:r>
-              <a:rPr lang="en-US" dirty="0" err="1" smtClean="0"/>
-              <a:t>Doctype</a:t>
-            </a:r>
-            <a:endParaRPr lang="en-US" dirty="0" smtClean="0"/>
-          </a:p>
-          <a:p>
             <a:pPr lvl="1"/>
             <a:r>
-              <a:rPr lang="en-US" dirty="0"/>
-              <a:t>&lt;!DOCTYPE html PUBLIC "-//W3C//DTD XHTML 1.0 Strict//EN" "http://www.w3.org/TR/xhtml1/DTD/xhtml1-strict.dtd"&gt;</a:t>
-            </a:r>
-          </a:p>
-          <a:p>
-            <a:r>
-              <a:rPr lang="en-US" dirty="0"/>
-              <a:t>Use Meaningful Title Tags</a:t>
-            </a:r>
-          </a:p>
-          <a:p>
-            <a:pPr lvl="1"/>
-            <a:r>
-              <a:rPr lang="en-US" dirty="0"/>
-              <a:t>The &lt;title&gt; tag helps make a web page more meaningful and search-engine friendly.</a:t>
-            </a:r>
+              <a:rPr lang="vi-VN" dirty="0"/>
+              <a:t>Demo: </a:t>
+            </a:r>
+            <a:r>
+              <a:rPr lang="vi-VN" dirty="0">
+                <a:hlinkClick r:id="rId2"/>
+              </a:rPr>
+              <a:t>https://</a:t>
+            </a:r>
+            <a:r>
+              <a:rPr lang="vi-VN" dirty="0" smtClean="0">
+                <a:hlinkClick r:id="rId2"/>
+              </a:rPr>
+              <a:t>github.com/giaule91/demo-html5.git</a:t>
+            </a:r>
+            <a:endParaRPr lang="vi-VN" dirty="0" smtClean="0"/>
+          </a:p>
+          <a:p>
+            <a:endParaRPr lang="en-US" dirty="0"/>
           </a:p>
         </p:txBody>
       </p:sp>
       <p:pic>
         <p:nvPicPr>
-          <p:cNvPr id="1028" name="Picture 4" descr="https://www.webfx.com/blog/images/assets/images.sixrevisions.com/2010/08/22-01_title_example.png"/>
+          <p:cNvPr id="2050" name="Picture 2" descr="Difference Between HTML and HTML5"/>
           <p:cNvPicPr>
             <a:picLocks noChangeAspect="1" noChangeArrowheads="1"/>
           </p:cNvPicPr>
           <p:nvPr/>
         </p:nvPicPr>
         <p:blipFill>
-          <a:blip r:embed="rId2">
+          <a:blip r:embed="rId3">
             <a:extLst>
               <a:ext uri="{28A0092B-C50C-407E-A947-70E740481C1C}">
                 <a14:useLocalDpi xmlns:a14="http://schemas.microsoft.com/office/drawing/2010/main" val="0"/>
@@ -19635,8 +19574,8 @@
         </p:blipFill>
         <p:spPr bwMode="auto">
           <a:xfrm>
-            <a:off x="3276600" y="3160834"/>
-            <a:ext cx="3582151" cy="1458913"/>
+            <a:off x="1828800" y="1885950"/>
+            <a:ext cx="4791075" cy="3015419"/>
           </a:xfrm>
           <a:prstGeom prst="rect">
             <a:avLst/>
@@ -19656,7 +19595,7 @@
     </p:spTree>
     <p:extLst>
       <p:ext uri="{BB962C8B-B14F-4D97-AF65-F5344CB8AC3E}">
-        <p14:creationId xmlns:p14="http://schemas.microsoft.com/office/powerpoint/2010/main" val="232900765"/>
+        <p14:creationId xmlns:p14="http://schemas.microsoft.com/office/powerpoint/2010/main" val="3894073319"/>
       </p:ext>
     </p:extLst>
   </p:cSld>
@@ -19706,9 +19645,10 @@
           <a:lstStyle/>
           <a:p>
             <a:r>
-              <a:rPr lang="en-US" dirty="0"/>
+              <a:rPr lang="en-US" dirty="0" smtClean="0"/>
               <a:t>Best Practice</a:t>
             </a:r>
+            <a:endParaRPr lang="en-US" dirty="0"/>
           </a:p>
         </p:txBody>
       </p:sp>
@@ -19728,22 +19668,44 @@
           <a:lstStyle/>
           <a:p>
             <a:r>
-              <a:rPr lang="en-US" b="1" dirty="0"/>
-              <a:t>Use Descriptive Meta Tags</a:t>
-            </a:r>
+              <a:rPr lang="en-US" dirty="0" smtClean="0"/>
+              <a:t>Always </a:t>
+            </a:r>
+            <a:r>
+              <a:rPr lang="en-US" dirty="0"/>
+              <a:t>Declare a </a:t>
+            </a:r>
+            <a:r>
+              <a:rPr lang="en-US" dirty="0" err="1" smtClean="0"/>
+              <a:t>Doctype</a:t>
+            </a:r>
+            <a:endParaRPr lang="en-US" dirty="0" smtClean="0"/>
           </a:p>
           <a:p>
             <a:pPr lvl="1"/>
             <a:r>
               <a:rPr lang="en-US" dirty="0"/>
-              <a:t>&lt;meta name="description" content="Six Revisions is a blog that shares useful information about web development and design, dedicated to people who build websites." /&gt;</a:t>
+              <a:t>&lt;!DOCTYPE html PUBLIC "-//W3C//DTD XHTML 1.0 Strict//EN" "http://www.w3.org/TR/xhtml1/DTD/xhtml1-strict.dtd"&gt;</a:t>
+            </a:r>
+          </a:p>
+          <a:p>
+            <a:r>
+              <a:rPr lang="en-US" dirty="0"/>
+              <a:t>Use Meaningful Title Tags</a:t>
+            </a:r>
+          </a:p>
+          <a:p>
+            <a:pPr lvl="1"/>
+            <a:r>
+              <a:rPr lang="en-US" dirty="0"/>
+              <a:t>The &lt;title&gt; tag helps make a web page more meaningful and search-engine friendly.</a:t>
             </a:r>
           </a:p>
         </p:txBody>
       </p:sp>
       <p:pic>
         <p:nvPicPr>
-          <p:cNvPr id="2053" name="Picture 5" descr="https://www.webfx.com/blog/images/assets/images.sixrevisions.com/2010/08/22-02_description_example.png"/>
+          <p:cNvPr id="1028" name="Picture 4" descr="https://www.webfx.com/blog/images/assets/images.sixrevisions.com/2010/08/22-01_title_example.png"/>
           <p:cNvPicPr>
             <a:picLocks noChangeAspect="1" noChangeArrowheads="1"/>
           </p:cNvPicPr>
@@ -19764,8 +19726,8 @@
         </p:blipFill>
         <p:spPr bwMode="auto">
           <a:xfrm>
-            <a:off x="2209800" y="2724150"/>
-            <a:ext cx="4495800" cy="1831018"/>
+            <a:off x="3276600" y="3160834"/>
+            <a:ext cx="3582151" cy="1458913"/>
           </a:xfrm>
           <a:prstGeom prst="rect">
             <a:avLst/>
@@ -19785,7 +19747,7 @@
     </p:spTree>
     <p:extLst>
       <p:ext uri="{BB962C8B-B14F-4D97-AF65-F5344CB8AC3E}">
-        <p14:creationId xmlns:p14="http://schemas.microsoft.com/office/powerpoint/2010/main" val="1105259185"/>
+        <p14:creationId xmlns:p14="http://schemas.microsoft.com/office/powerpoint/2010/main" val="232900765"/>
       </p:ext>
     </p:extLst>
   </p:cSld>
@@ -19858,25 +19820,21 @@
           <a:p>
             <a:r>
               <a:rPr lang="en-US" b="1" dirty="0"/>
-              <a:t>Use </a:t>
-            </a:r>
-            <a:r>
-              <a:rPr lang="en-US" b="1" dirty="0" err="1"/>
-              <a:t>Divs</a:t>
-            </a:r>
-            <a:r>
-              <a:rPr lang="en-US" b="1" dirty="0"/>
-              <a:t> to Divide Your Layout into Major Sections</a:t>
-            </a:r>
-          </a:p>
-          <a:p>
-            <a:endParaRPr lang="en-US" dirty="0"/>
+              <a:t>Use Descriptive Meta Tags</a:t>
+            </a:r>
+          </a:p>
+          <a:p>
+            <a:pPr lvl="1"/>
+            <a:r>
+              <a:rPr lang="en-US" dirty="0"/>
+              <a:t>&lt;meta name="description" content="Six Revisions is a blog that shares useful information about web development and design, dedicated to people who build websites." /&gt;</a:t>
+            </a:r>
           </a:p>
         </p:txBody>
       </p:sp>
       <p:pic>
         <p:nvPicPr>
-          <p:cNvPr id="3074" name="Picture 2" descr="https://www.webfx.com/blog/images/assets/images.sixrevisions.com/2010/08/22-03_divide_into_sections.png"/>
+          <p:cNvPr id="2053" name="Picture 5" descr="https://www.webfx.com/blog/images/assets/images.sixrevisions.com/2010/08/22-02_description_example.png"/>
           <p:cNvPicPr>
             <a:picLocks noChangeAspect="1" noChangeArrowheads="1"/>
           </p:cNvPicPr>
@@ -19897,8 +19855,8 @@
         </p:blipFill>
         <p:spPr bwMode="auto">
           <a:xfrm>
-            <a:off x="1905000" y="2096043"/>
-            <a:ext cx="4572000" cy="1809751"/>
+            <a:off x="2209800" y="2724150"/>
+            <a:ext cx="4495800" cy="1831018"/>
           </a:xfrm>
           <a:prstGeom prst="rect">
             <a:avLst/>
@@ -19918,7 +19876,7 @@
     </p:spTree>
     <p:extLst>
       <p:ext uri="{BB962C8B-B14F-4D97-AF65-F5344CB8AC3E}">
-        <p14:creationId xmlns:p14="http://schemas.microsoft.com/office/powerpoint/2010/main" val="3373503032"/>
+        <p14:creationId xmlns:p14="http://schemas.microsoft.com/office/powerpoint/2010/main" val="1105259185"/>
       </p:ext>
     </p:extLst>
   </p:cSld>
@@ -19991,46 +19949,67 @@
           <a:p>
             <a:r>
               <a:rPr lang="en-US" b="1" dirty="0"/>
-              <a:t>Don't use inline styles</a:t>
-            </a:r>
-          </a:p>
-          <a:p>
-            <a:pPr lvl="1"/>
-            <a:r>
-              <a:rPr lang="en-US" dirty="0"/>
-              <a:t> it makes it harder to update and maintain a website.</a:t>
-            </a:r>
+              <a:t>Use </a:t>
+            </a:r>
+            <a:r>
+              <a:rPr lang="en-US" b="1" dirty="0" err="1"/>
+              <a:t>Divs</a:t>
+            </a:r>
+            <a:r>
+              <a:rPr lang="en-US" b="1" dirty="0"/>
+              <a:t> to Divide Your Layout into Major Sections</a:t>
+            </a:r>
+          </a:p>
+          <a:p>
+            <a:endParaRPr lang="en-US" dirty="0"/>
           </a:p>
         </p:txBody>
       </p:sp>
       <p:pic>
         <p:nvPicPr>
-          <p:cNvPr id="4" name="Picture 3"/>
+          <p:cNvPr id="3074" name="Picture 2" descr="https://www.webfx.com/blog/images/assets/images.sixrevisions.com/2010/08/22-03_divide_into_sections.png"/>
           <p:cNvPicPr>
-            <a:picLocks noChangeAspect="1"/>
+            <a:picLocks noChangeAspect="1" noChangeArrowheads="1"/>
           </p:cNvPicPr>
           <p:nvPr/>
         </p:nvPicPr>
         <p:blipFill>
-          <a:blip r:embed="rId2"/>
+          <a:blip r:embed="rId2">
+            <a:extLst>
+              <a:ext uri="{28A0092B-C50C-407E-A947-70E740481C1C}">
+                <a14:useLocalDpi xmlns:a14="http://schemas.microsoft.com/office/drawing/2010/main" val="0"/>
+              </a:ext>
+            </a:extLst>
+          </a:blip>
+          <a:srcRect/>
           <a:stretch>
             <a:fillRect/>
           </a:stretch>
         </p:blipFill>
-        <p:spPr>
+        <p:spPr bwMode="auto">
           <a:xfrm>
-            <a:off x="914400" y="2419350"/>
-            <a:ext cx="7696200" cy="737818"/>
+            <a:off x="1905000" y="2096043"/>
+            <a:ext cx="4572000" cy="1809751"/>
           </a:xfrm>
           <a:prstGeom prst="rect">
             <a:avLst/>
           </a:prstGeom>
+          <a:noFill/>
+          <a:extLst>
+            <a:ext uri="{909E8E84-426E-40DD-AFC4-6F175D3DCCD1}">
+              <a14:hiddenFill xmlns:a14="http://schemas.microsoft.com/office/drawing/2010/main">
+                <a:solidFill>
+                  <a:srgbClr val="FFFFFF"/>
+                </a:solidFill>
+              </a14:hiddenFill>
+            </a:ext>
+          </a:extLst>
         </p:spPr>
       </p:pic>
     </p:spTree>
     <p:extLst>
       <p:ext uri="{BB962C8B-B14F-4D97-AF65-F5344CB8AC3E}">
-        <p14:creationId xmlns:p14="http://schemas.microsoft.com/office/powerpoint/2010/main" val="3969239447"/>
+        <p14:creationId xmlns:p14="http://schemas.microsoft.com/office/powerpoint/2010/main" val="3373503032"/>
       </p:ext>
     </p:extLst>
   </p:cSld>
@@ -20103,67 +20082,21 @@
           <a:p>
             <a:r>
               <a:rPr lang="en-US" b="1" dirty="0"/>
-              <a:t>Don’t Use </a:t>
-            </a:r>
-            <a:r>
-              <a:rPr lang="en-US" b="1" dirty="0" err="1"/>
-              <a:t>Divs</a:t>
-            </a:r>
-            <a:r>
-              <a:rPr lang="en-US" b="1" dirty="0"/>
-              <a:t> for Everything</a:t>
+              <a:t>Don't use inline styles</a:t>
             </a:r>
           </a:p>
           <a:p>
             <a:pPr lvl="1"/>
             <a:r>
               <a:rPr lang="en-US" dirty="0"/>
-              <a:t>a &lt;div&gt; is a meaningless element that should be used “as an element of last resort, for when no </a:t>
-            </a:r>
-            <a:r>
-              <a:rPr lang="en-US" dirty="0" smtClean="0"/>
-              <a:t>other </a:t>
-            </a:r>
-            <a:r>
-              <a:rPr lang="en-US" dirty="0"/>
-              <a:t>element is suitable</a:t>
-            </a:r>
-            <a:r>
-              <a:rPr lang="en-US" dirty="0" smtClean="0"/>
-              <a:t>.</a:t>
-            </a:r>
-          </a:p>
-          <a:p>
-            <a:r>
-              <a:rPr lang="en-US" b="1" dirty="0"/>
-              <a:t>Close Your Tags</a:t>
-            </a:r>
-          </a:p>
-          <a:p>
-            <a:pPr lvl="1"/>
-            <a:r>
-              <a:rPr lang="en-US" dirty="0"/>
-              <a:t>Closing all your tags is a W3C specification</a:t>
-            </a:r>
-            <a:r>
-              <a:rPr lang="en-US" dirty="0" smtClean="0"/>
-              <a:t>.</a:t>
-            </a:r>
-          </a:p>
-          <a:p>
-            <a:r>
-              <a:rPr lang="en-US" b="1" dirty="0"/>
-              <a:t>Use Lower Case Markup</a:t>
-            </a:r>
-          </a:p>
-          <a:p>
-            <a:endParaRPr lang="en-US" dirty="0"/>
+              <a:t> it makes it harder to update and maintain a website.</a:t>
+            </a:r>
           </a:p>
         </p:txBody>
       </p:sp>
       <p:pic>
         <p:nvPicPr>
-          <p:cNvPr id="5" name="Picture 4"/>
+          <p:cNvPr id="4" name="Picture 3"/>
           <p:cNvPicPr>
             <a:picLocks noChangeAspect="1"/>
           </p:cNvPicPr>
@@ -20177,8 +20110,8 @@
         </p:blipFill>
         <p:spPr>
           <a:xfrm>
-            <a:off x="1752600" y="3562350"/>
-            <a:ext cx="4929187" cy="1342355"/>
+            <a:off x="914400" y="2419350"/>
+            <a:ext cx="7696200" cy="737818"/>
           </a:xfrm>
           <a:prstGeom prst="rect">
             <a:avLst/>
@@ -20188,7 +20121,7 @@
     </p:spTree>
     <p:extLst>
       <p:ext uri="{BB962C8B-B14F-4D97-AF65-F5344CB8AC3E}">
-        <p14:creationId xmlns:p14="http://schemas.microsoft.com/office/powerpoint/2010/main" val="1724721113"/>
+        <p14:creationId xmlns:p14="http://schemas.microsoft.com/office/powerpoint/2010/main" val="3969239447"/>
       </p:ext>
     </p:extLst>
   </p:cSld>
@@ -20261,22 +20194,30 @@
           <a:p>
             <a:r>
               <a:rPr lang="en-US" b="1" dirty="0"/>
-              <a:t>Use Alt Attributes with Images</a:t>
+              <a:t>Don’t Use </a:t>
+            </a:r>
+            <a:r>
+              <a:rPr lang="en-US" b="1" dirty="0" err="1"/>
+              <a:t>Divs</a:t>
+            </a:r>
+            <a:r>
+              <a:rPr lang="en-US" b="1" dirty="0"/>
+              <a:t> for Everything</a:t>
             </a:r>
           </a:p>
           <a:p>
             <a:pPr lvl="1"/>
             <a:r>
               <a:rPr lang="en-US" dirty="0"/>
-              <a:t>Using a meaningful alt attribute with &lt;</a:t>
-            </a:r>
-            <a:r>
-              <a:rPr lang="en-US" dirty="0" err="1"/>
-              <a:t>img</a:t>
+              <a:t>a &lt;div&gt; is a meaningless element that should be used “as an element of last resort, for when no </a:t>
+            </a:r>
+            <a:r>
+              <a:rPr lang="en-US" dirty="0" smtClean="0"/>
+              <a:t>other </a:t>
             </a:r>
             <a:r>
               <a:rPr lang="en-US" dirty="0"/>
-              <a:t>&gt; elements is a must for writing valid and semantic code</a:t>
+              <a:t>element is suitable</a:t>
             </a:r>
             <a:r>
               <a:rPr lang="en-US" dirty="0" smtClean="0"/>
@@ -20284,208 +20225,61 @@
             </a:r>
           </a:p>
           <a:p>
+            <a:r>
+              <a:rPr lang="en-US" b="1" dirty="0"/>
+              <a:t>Close Your Tags</a:t>
+            </a:r>
+          </a:p>
+          <a:p>
             <a:pPr lvl="1"/>
+            <a:r>
+              <a:rPr lang="en-US" dirty="0"/>
+              <a:t>Closing all your tags is a W3C specification</a:t>
+            </a:r>
+            <a:r>
+              <a:rPr lang="en-US" dirty="0" smtClean="0"/>
+              <a:t>.</a:t>
+            </a:r>
+          </a:p>
+          <a:p>
+            <a:r>
+              <a:rPr lang="en-US" b="1" dirty="0"/>
+              <a:t>Use Lower Case Markup</a:t>
+            </a:r>
+          </a:p>
+          <a:p>
             <a:endParaRPr lang="en-US" dirty="0"/>
           </a:p>
         </p:txBody>
       </p:sp>
-      <p:sp>
-        <p:nvSpPr>
-          <p:cNvPr id="4" name="Rectangle 1"/>
-          <p:cNvSpPr>
-            <a:spLocks noChangeArrowheads="1"/>
-          </p:cNvSpPr>
+      <p:pic>
+        <p:nvPicPr>
+          <p:cNvPr id="5" name="Picture 4"/>
+          <p:cNvPicPr>
+            <a:picLocks noChangeAspect="1"/>
+          </p:cNvPicPr>
           <p:nvPr/>
-        </p:nvSpPr>
-        <p:spPr bwMode="auto">
+        </p:nvPicPr>
+        <p:blipFill>
+          <a:blip r:embed="rId2"/>
+          <a:stretch>
+            <a:fillRect/>
+          </a:stretch>
+        </p:blipFill>
+        <p:spPr>
           <a:xfrm>
-            <a:off x="990600" y="2486367"/>
-            <a:ext cx="7524750" cy="323165"/>
+            <a:off x="1752600" y="3562350"/>
+            <a:ext cx="4929187" cy="1342355"/>
           </a:xfrm>
           <a:prstGeom prst="rect">
             <a:avLst/>
           </a:prstGeom>
-          <a:solidFill>
-            <a:srgbClr val="FFFFFF"/>
-          </a:solidFill>
-          <a:ln>
-            <a:noFill/>
-          </a:ln>
-          <a:effectLst/>
-          <a:extLst>
-            <a:ext uri="{91240B29-F687-4F45-9708-019B960494DF}">
-              <a14:hiddenLine xmlns:a14="http://schemas.microsoft.com/office/drawing/2010/main" w="9525">
-                <a:solidFill>
-                  <a:schemeClr val="tx1"/>
-                </a:solidFill>
-                <a:miter lim="800000"/>
-                <a:headEnd/>
-                <a:tailEnd/>
-              </a14:hiddenLine>
-            </a:ext>
-            <a:ext uri="{AF507438-7753-43E0-B8FC-AC1667EBCBE1}">
-              <a14:hiddenEffects xmlns:a14="http://schemas.microsoft.com/office/drawing/2010/main">
-                <a:effectLst>
-                  <a:outerShdw dist="35921" dir="2700000" algn="ctr" rotWithShape="0">
-                    <a:schemeClr val="bg2"/>
-                  </a:outerShdw>
-                </a:effectLst>
-              </a14:hiddenEffects>
-            </a:ext>
-          </a:extLst>
         </p:spPr>
-        <p:txBody>
-          <a:bodyPr vert="horz" wrap="square" lIns="91440" tIns="45720" rIns="91440" bIns="45720" numCol="1" anchor="ctr" anchorCtr="0" compatLnSpc="1">
-            <a:prstTxWarp prst="textNoShape">
-              <a:avLst/>
-            </a:prstTxWarp>
-            <a:spAutoFit/>
-          </a:bodyPr>
-          <a:lstStyle/>
-          <a:p>
-            <a:pPr marL="0" marR="0" lvl="0" indent="0" algn="l" defTabSz="914400" rtl="0" eaLnBrk="0" fontAlgn="base" latinLnBrk="0" hangingPunct="0">
-              <a:lnSpc>
-                <a:spcPct val="100000"/>
-              </a:lnSpc>
-              <a:spcBef>
-                <a:spcPct val="0"/>
-              </a:spcBef>
-              <a:spcAft>
-                <a:spcPct val="0"/>
-              </a:spcAft>
-              <a:buClrTx/>
-              <a:buSzTx/>
-              <a:buFontTx/>
-              <a:buNone/>
-              <a:tabLst/>
-            </a:pPr>
-            <a:r>
-              <a:rPr kumimoji="0" lang="en-US" altLang="en-US" sz="1500" b="0" i="0" u="none" strike="noStrike" cap="none" normalizeH="0" baseline="0" dirty="0" smtClean="0">
-                <a:ln>
-                  <a:noFill/>
-                </a:ln>
-                <a:solidFill>
-                  <a:srgbClr val="444444"/>
-                </a:solidFill>
-                <a:effectLst/>
-                <a:latin typeface="Courier New" panose="02070309020205020404" pitchFamily="49" charset="0"/>
-                <a:cs typeface="Courier New" panose="02070309020205020404" pitchFamily="49" charset="0"/>
-              </a:rPr>
-              <a:t>&lt;</a:t>
-            </a:r>
-            <a:r>
-              <a:rPr kumimoji="0" lang="en-US" altLang="en-US" sz="1500" b="0" i="0" u="none" strike="noStrike" cap="none" normalizeH="0" baseline="0" dirty="0" err="1" smtClean="0">
-                <a:ln>
-                  <a:noFill/>
-                </a:ln>
-                <a:solidFill>
-                  <a:srgbClr val="444444"/>
-                </a:solidFill>
-                <a:effectLst/>
-                <a:latin typeface="Courier New" panose="02070309020205020404" pitchFamily="49" charset="0"/>
-                <a:cs typeface="Courier New" panose="02070309020205020404" pitchFamily="49" charset="0"/>
-              </a:rPr>
-              <a:t>img</a:t>
-            </a:r>
-            <a:r>
-              <a:rPr kumimoji="0" lang="en-US" altLang="en-US" sz="1500" b="0" i="0" u="none" strike="noStrike" cap="none" normalizeH="0" baseline="0" dirty="0" smtClean="0">
-                <a:ln>
-                  <a:noFill/>
-                </a:ln>
-                <a:solidFill>
-                  <a:srgbClr val="444444"/>
-                </a:solidFill>
-                <a:effectLst/>
-                <a:latin typeface="Courier New" panose="02070309020205020404" pitchFamily="49" charset="0"/>
-                <a:cs typeface="Courier New" panose="02070309020205020404" pitchFamily="49" charset="0"/>
-              </a:rPr>
-              <a:t> id="logo" </a:t>
-            </a:r>
-            <a:r>
-              <a:rPr kumimoji="0" lang="en-US" altLang="en-US" sz="1500" b="0" i="0" u="none" strike="noStrike" cap="none" normalizeH="0" baseline="0" dirty="0" err="1" smtClean="0">
-                <a:ln>
-                  <a:noFill/>
-                </a:ln>
-                <a:solidFill>
-                  <a:srgbClr val="444444"/>
-                </a:solidFill>
-                <a:effectLst/>
-                <a:latin typeface="Courier New" panose="02070309020205020404" pitchFamily="49" charset="0"/>
-                <a:cs typeface="Courier New" panose="02070309020205020404" pitchFamily="49" charset="0"/>
-              </a:rPr>
-              <a:t>src</a:t>
-            </a:r>
-            <a:r>
-              <a:rPr kumimoji="0" lang="en-US" altLang="en-US" sz="1500" b="0" i="0" u="none" strike="noStrike" cap="none" normalizeH="0" baseline="0" dirty="0" smtClean="0">
-                <a:ln>
-                  <a:noFill/>
-                </a:ln>
-                <a:solidFill>
-                  <a:srgbClr val="444444"/>
-                </a:solidFill>
-                <a:effectLst/>
-                <a:latin typeface="Courier New" panose="02070309020205020404" pitchFamily="49" charset="0"/>
-                <a:cs typeface="Courier New" panose="02070309020205020404" pitchFamily="49" charset="0"/>
-              </a:rPr>
-              <a:t>="images/bgr_logo.png" </a:t>
-            </a:r>
-            <a:r>
-              <a:rPr kumimoji="0" lang="en-US" altLang="en-US" sz="1500" b="1" i="0" u="none" strike="noStrike" cap="none" normalizeH="0" baseline="0" dirty="0" smtClean="0">
-                <a:ln>
-                  <a:noFill/>
-                </a:ln>
-                <a:solidFill>
-                  <a:srgbClr val="444444"/>
-                </a:solidFill>
-                <a:effectLst/>
-                <a:latin typeface="Roboto"/>
-                <a:cs typeface="Courier New" panose="02070309020205020404" pitchFamily="49" charset="0"/>
-              </a:rPr>
-              <a:t>alt="Six Revisions Logo"</a:t>
-            </a:r>
-            <a:r>
-              <a:rPr kumimoji="0" lang="en-US" altLang="en-US" sz="1500" b="0" i="0" u="none" strike="noStrike" cap="none" normalizeH="0" baseline="0" dirty="0" smtClean="0">
-                <a:ln>
-                  <a:noFill/>
-                </a:ln>
-                <a:solidFill>
-                  <a:srgbClr val="444444"/>
-                </a:solidFill>
-                <a:effectLst/>
-                <a:latin typeface="Courier New" panose="02070309020205020404" pitchFamily="49" charset="0"/>
-                <a:cs typeface="Courier New" panose="02070309020205020404" pitchFamily="49" charset="0"/>
-              </a:rPr>
-              <a:t> /&gt;</a:t>
-            </a:r>
-            <a:r>
-              <a:rPr kumimoji="0" lang="en-US" altLang="en-US" sz="600" b="0" i="0" u="none" strike="noStrike" cap="none" normalizeH="0" baseline="0" dirty="0" smtClean="0">
-                <a:ln>
-                  <a:noFill/>
-                </a:ln>
-                <a:solidFill>
-                  <a:schemeClr val="tx1"/>
-                </a:solidFill>
-                <a:effectLst/>
-              </a:rPr>
-              <a:t> </a:t>
-            </a:r>
-            <a:endParaRPr kumimoji="0" lang="en-US" altLang="en-US" sz="1800" b="0" i="0" u="none" strike="noStrike" cap="none" normalizeH="0" baseline="0" dirty="0" smtClean="0">
-              <a:ln>
-                <a:noFill/>
-              </a:ln>
-              <a:solidFill>
-                <a:schemeClr val="tx1"/>
-              </a:solidFill>
-              <a:effectLst/>
-              <a:latin typeface="Arial" panose="020B0604020202020204" pitchFamily="34" charset="0"/>
-            </a:endParaRPr>
-          </a:p>
-        </p:txBody>
-      </p:sp>
+      </p:pic>
     </p:spTree>
     <p:extLst>
       <p:ext uri="{BB962C8B-B14F-4D97-AF65-F5344CB8AC3E}">
-        <p14:creationId xmlns:p14="http://schemas.microsoft.com/office/powerpoint/2010/main" val="17067224"/>
+        <p14:creationId xmlns:p14="http://schemas.microsoft.com/office/powerpoint/2010/main" val="1724721113"/>
       </p:ext>
     </p:extLst>
   </p:cSld>
@@ -20677,20 +20471,27 @@
           <a:lstStyle/>
           <a:p>
             <a:r>
+              <a:rPr lang="en-US" b="1" dirty="0"/>
+              <a:t>Use Alt Attributes with Images</a:t>
+            </a:r>
+          </a:p>
+          <a:p>
+            <a:pPr lvl="1"/>
+            <a:r>
               <a:rPr lang="en-US" dirty="0"/>
-              <a:t>Use </a:t>
+              <a:t>Using a meaningful alt attribute with &lt;</a:t>
             </a:r>
             <a:r>
               <a:rPr lang="en-US" dirty="0" err="1"/>
-              <a:t>Fieldset</a:t>
+              <a:t>img</a:t>
             </a:r>
             <a:r>
               <a:rPr lang="en-US" dirty="0"/>
-              <a:t> and Labels in Web </a:t>
+              <a:t>&gt; elements is a must for writing valid and semantic code</a:t>
             </a:r>
             <a:r>
               <a:rPr lang="en-US" dirty="0" smtClean="0"/>
-              <a:t>Forms</a:t>
+              <a:t>.</a:t>
             </a:r>
           </a:p>
           <a:p>
@@ -20699,34 +20500,203 @@
           </a:p>
         </p:txBody>
       </p:sp>
-      <p:pic>
-        <p:nvPicPr>
-          <p:cNvPr id="6" name="Picture 5"/>
-          <p:cNvPicPr>
-            <a:picLocks noChangeAspect="1"/>
-          </p:cNvPicPr>
+      <p:sp>
+        <p:nvSpPr>
+          <p:cNvPr id="4" name="Rectangle 1"/>
+          <p:cNvSpPr>
+            <a:spLocks noChangeArrowheads="1"/>
+          </p:cNvSpPr>
           <p:nvPr/>
-        </p:nvPicPr>
-        <p:blipFill>
-          <a:blip r:embed="rId2"/>
-          <a:stretch>
-            <a:fillRect/>
-          </a:stretch>
-        </p:blipFill>
-        <p:spPr>
+        </p:nvSpPr>
+        <p:spPr bwMode="auto">
           <a:xfrm>
-            <a:off x="1136307" y="2038350"/>
-            <a:ext cx="7391400" cy="2156089"/>
+            <a:off x="990600" y="2486367"/>
+            <a:ext cx="7524750" cy="323165"/>
           </a:xfrm>
           <a:prstGeom prst="rect">
             <a:avLst/>
           </a:prstGeom>
+          <a:solidFill>
+            <a:srgbClr val="FFFFFF"/>
+          </a:solidFill>
+          <a:ln>
+            <a:noFill/>
+          </a:ln>
+          <a:effectLst/>
+          <a:extLst>
+            <a:ext uri="{91240B29-F687-4F45-9708-019B960494DF}">
+              <a14:hiddenLine xmlns:a14="http://schemas.microsoft.com/office/drawing/2010/main" w="9525">
+                <a:solidFill>
+                  <a:schemeClr val="tx1"/>
+                </a:solidFill>
+                <a:miter lim="800000"/>
+                <a:headEnd/>
+                <a:tailEnd/>
+              </a14:hiddenLine>
+            </a:ext>
+            <a:ext uri="{AF507438-7753-43E0-B8FC-AC1667EBCBE1}">
+              <a14:hiddenEffects xmlns:a14="http://schemas.microsoft.com/office/drawing/2010/main">
+                <a:effectLst>
+                  <a:outerShdw dist="35921" dir="2700000" algn="ctr" rotWithShape="0">
+                    <a:schemeClr val="bg2"/>
+                  </a:outerShdw>
+                </a:effectLst>
+              </a14:hiddenEffects>
+            </a:ext>
+          </a:extLst>
         </p:spPr>
-      </p:pic>
+        <p:txBody>
+          <a:bodyPr vert="horz" wrap="square" lIns="91440" tIns="45720" rIns="91440" bIns="45720" numCol="1" anchor="ctr" anchorCtr="0" compatLnSpc="1">
+            <a:prstTxWarp prst="textNoShape">
+              <a:avLst/>
+            </a:prstTxWarp>
+            <a:spAutoFit/>
+          </a:bodyPr>
+          <a:lstStyle/>
+          <a:p>
+            <a:pPr marL="0" marR="0" lvl="0" indent="0" algn="l" defTabSz="914400" rtl="0" eaLnBrk="0" fontAlgn="base" latinLnBrk="0" hangingPunct="0">
+              <a:lnSpc>
+                <a:spcPct val="100000"/>
+              </a:lnSpc>
+              <a:spcBef>
+                <a:spcPct val="0"/>
+              </a:spcBef>
+              <a:spcAft>
+                <a:spcPct val="0"/>
+              </a:spcAft>
+              <a:buClrTx/>
+              <a:buSzTx/>
+              <a:buFontTx/>
+              <a:buNone/>
+              <a:tabLst/>
+            </a:pPr>
+            <a:r>
+              <a:rPr kumimoji="0" lang="en-US" altLang="en-US" sz="1500" b="0" i="0" u="none" strike="noStrike" cap="none" normalizeH="0" baseline="0" dirty="0" smtClean="0">
+                <a:ln>
+                  <a:noFill/>
+                </a:ln>
+                <a:solidFill>
+                  <a:srgbClr val="444444"/>
+                </a:solidFill>
+                <a:effectLst/>
+                <a:latin typeface="Courier New" panose="02070309020205020404" pitchFamily="49" charset="0"/>
+                <a:cs typeface="Courier New" panose="02070309020205020404" pitchFamily="49" charset="0"/>
+              </a:rPr>
+              <a:t>&lt;</a:t>
+            </a:r>
+            <a:r>
+              <a:rPr kumimoji="0" lang="en-US" altLang="en-US" sz="1500" b="0" i="0" u="none" strike="noStrike" cap="none" normalizeH="0" baseline="0" dirty="0" err="1" smtClean="0">
+                <a:ln>
+                  <a:noFill/>
+                </a:ln>
+                <a:solidFill>
+                  <a:srgbClr val="444444"/>
+                </a:solidFill>
+                <a:effectLst/>
+                <a:latin typeface="Courier New" panose="02070309020205020404" pitchFamily="49" charset="0"/>
+                <a:cs typeface="Courier New" panose="02070309020205020404" pitchFamily="49" charset="0"/>
+              </a:rPr>
+              <a:t>img</a:t>
+            </a:r>
+            <a:r>
+              <a:rPr kumimoji="0" lang="en-US" altLang="en-US" sz="1500" b="0" i="0" u="none" strike="noStrike" cap="none" normalizeH="0" baseline="0" dirty="0" smtClean="0">
+                <a:ln>
+                  <a:noFill/>
+                </a:ln>
+                <a:solidFill>
+                  <a:srgbClr val="444444"/>
+                </a:solidFill>
+                <a:effectLst/>
+                <a:latin typeface="Courier New" panose="02070309020205020404" pitchFamily="49" charset="0"/>
+                <a:cs typeface="Courier New" panose="02070309020205020404" pitchFamily="49" charset="0"/>
+              </a:rPr>
+              <a:t> id="logo" </a:t>
+            </a:r>
+            <a:r>
+              <a:rPr kumimoji="0" lang="en-US" altLang="en-US" sz="1500" b="0" i="0" u="none" strike="noStrike" cap="none" normalizeH="0" baseline="0" dirty="0" err="1" smtClean="0">
+                <a:ln>
+                  <a:noFill/>
+                </a:ln>
+                <a:solidFill>
+                  <a:srgbClr val="444444"/>
+                </a:solidFill>
+                <a:effectLst/>
+                <a:latin typeface="Courier New" panose="02070309020205020404" pitchFamily="49" charset="0"/>
+                <a:cs typeface="Courier New" panose="02070309020205020404" pitchFamily="49" charset="0"/>
+              </a:rPr>
+              <a:t>src</a:t>
+            </a:r>
+            <a:r>
+              <a:rPr kumimoji="0" lang="en-US" altLang="en-US" sz="1500" b="0" i="0" u="none" strike="noStrike" cap="none" normalizeH="0" baseline="0" dirty="0" smtClean="0">
+                <a:ln>
+                  <a:noFill/>
+                </a:ln>
+                <a:solidFill>
+                  <a:srgbClr val="444444"/>
+                </a:solidFill>
+                <a:effectLst/>
+                <a:latin typeface="Courier New" panose="02070309020205020404" pitchFamily="49" charset="0"/>
+                <a:cs typeface="Courier New" panose="02070309020205020404" pitchFamily="49" charset="0"/>
+              </a:rPr>
+              <a:t>="images/bgr_logo.png" </a:t>
+            </a:r>
+            <a:r>
+              <a:rPr kumimoji="0" lang="en-US" altLang="en-US" sz="1500" b="1" i="0" u="none" strike="noStrike" cap="none" normalizeH="0" baseline="0" dirty="0" smtClean="0">
+                <a:ln>
+                  <a:noFill/>
+                </a:ln>
+                <a:solidFill>
+                  <a:srgbClr val="444444"/>
+                </a:solidFill>
+                <a:effectLst/>
+                <a:latin typeface="Roboto"/>
+                <a:cs typeface="Courier New" panose="02070309020205020404" pitchFamily="49" charset="0"/>
+              </a:rPr>
+              <a:t>alt="Six Revisions Logo"</a:t>
+            </a:r>
+            <a:r>
+              <a:rPr kumimoji="0" lang="en-US" altLang="en-US" sz="1500" b="0" i="0" u="none" strike="noStrike" cap="none" normalizeH="0" baseline="0" dirty="0" smtClean="0">
+                <a:ln>
+                  <a:noFill/>
+                </a:ln>
+                <a:solidFill>
+                  <a:srgbClr val="444444"/>
+                </a:solidFill>
+                <a:effectLst/>
+                <a:latin typeface="Courier New" panose="02070309020205020404" pitchFamily="49" charset="0"/>
+                <a:cs typeface="Courier New" panose="02070309020205020404" pitchFamily="49" charset="0"/>
+              </a:rPr>
+              <a:t> /&gt;</a:t>
+            </a:r>
+            <a:r>
+              <a:rPr kumimoji="0" lang="en-US" altLang="en-US" sz="600" b="0" i="0" u="none" strike="noStrike" cap="none" normalizeH="0" baseline="0" dirty="0" smtClean="0">
+                <a:ln>
+                  <a:noFill/>
+                </a:ln>
+                <a:solidFill>
+                  <a:schemeClr val="tx1"/>
+                </a:solidFill>
+                <a:effectLst/>
+              </a:rPr>
+              <a:t> </a:t>
+            </a:r>
+            <a:endParaRPr kumimoji="0" lang="en-US" altLang="en-US" sz="1800" b="0" i="0" u="none" strike="noStrike" cap="none" normalizeH="0" baseline="0" dirty="0" smtClean="0">
+              <a:ln>
+                <a:noFill/>
+              </a:ln>
+              <a:solidFill>
+                <a:schemeClr val="tx1"/>
+              </a:solidFill>
+              <a:effectLst/>
+              <a:latin typeface="Arial" panose="020B0604020202020204" pitchFamily="34" charset="0"/>
+            </a:endParaRPr>
+          </a:p>
+        </p:txBody>
+      </p:sp>
     </p:spTree>
     <p:extLst>
       <p:ext uri="{BB962C8B-B14F-4D97-AF65-F5344CB8AC3E}">
-        <p14:creationId xmlns:p14="http://schemas.microsoft.com/office/powerpoint/2010/main" val="3810075128"/>
+        <p14:creationId xmlns:p14="http://schemas.microsoft.com/office/powerpoint/2010/main" val="17067224"/>
       </p:ext>
     </p:extLst>
   </p:cSld>
@@ -20798,6 +20768,127 @@
           <a:lstStyle/>
           <a:p>
             <a:r>
+              <a:rPr lang="en-US" dirty="0"/>
+              <a:t>Use </a:t>
+            </a:r>
+            <a:r>
+              <a:rPr lang="en-US" dirty="0" err="1"/>
+              <a:t>Fieldset</a:t>
+            </a:r>
+            <a:r>
+              <a:rPr lang="en-US" dirty="0"/>
+              <a:t> and Labels in Web </a:t>
+            </a:r>
+            <a:r>
+              <a:rPr lang="en-US" dirty="0" smtClean="0"/>
+              <a:t>Forms</a:t>
+            </a:r>
+          </a:p>
+          <a:p>
+            <a:pPr lvl="1"/>
+            <a:endParaRPr lang="en-US" dirty="0"/>
+          </a:p>
+        </p:txBody>
+      </p:sp>
+      <p:pic>
+        <p:nvPicPr>
+          <p:cNvPr id="6" name="Picture 5"/>
+          <p:cNvPicPr>
+            <a:picLocks noChangeAspect="1"/>
+          </p:cNvPicPr>
+          <p:nvPr/>
+        </p:nvPicPr>
+        <p:blipFill>
+          <a:blip r:embed="rId2"/>
+          <a:stretch>
+            <a:fillRect/>
+          </a:stretch>
+        </p:blipFill>
+        <p:spPr>
+          <a:xfrm>
+            <a:off x="1136307" y="2038350"/>
+            <a:ext cx="7391400" cy="2156089"/>
+          </a:xfrm>
+          <a:prstGeom prst="rect">
+            <a:avLst/>
+          </a:prstGeom>
+        </p:spPr>
+      </p:pic>
+    </p:spTree>
+    <p:extLst>
+      <p:ext uri="{BB962C8B-B14F-4D97-AF65-F5344CB8AC3E}">
+        <p14:creationId xmlns:p14="http://schemas.microsoft.com/office/powerpoint/2010/main" val="3810075128"/>
+      </p:ext>
+    </p:extLst>
+  </p:cSld>
+  <p:clrMapOvr>
+    <a:masterClrMapping/>
+  </p:clrMapOvr>
+  <p:timing>
+    <p:tnLst>
+      <p:par>
+        <p:cTn id="1" dur="indefinite" restart="never" nodeType="tmRoot"/>
+      </p:par>
+    </p:tnLst>
+  </p:timing>
+</p:sld>
+</file>
+
+<file path=ppt/slides/slide32.xml><?xml version="1.0" encoding="utf-8"?>
+<p:sld xmlns:a="http://schemas.openxmlformats.org/drawingml/2006/main" xmlns:r="http://schemas.openxmlformats.org/officeDocument/2006/relationships" xmlns:p="http://schemas.openxmlformats.org/presentationml/2006/main">
+  <p:cSld>
+    <p:spTree>
+      <p:nvGrpSpPr>
+        <p:cNvPr id="1" name=""/>
+        <p:cNvGrpSpPr/>
+        <p:nvPr/>
+      </p:nvGrpSpPr>
+      <p:grpSpPr>
+        <a:xfrm>
+          <a:off x="0" y="0"/>
+          <a:ext cx="0" cy="0"/>
+          <a:chOff x="0" y="0"/>
+          <a:chExt cx="0" cy="0"/>
+        </a:xfrm>
+      </p:grpSpPr>
+      <p:sp>
+        <p:nvSpPr>
+          <p:cNvPr id="2" name="Title 1"/>
+          <p:cNvSpPr>
+            <a:spLocks noGrp="1"/>
+          </p:cNvSpPr>
+          <p:nvPr>
+            <p:ph type="title"/>
+          </p:nvPr>
+        </p:nvSpPr>
+        <p:spPr/>
+        <p:txBody>
+          <a:bodyPr/>
+          <a:lstStyle/>
+          <a:p>
+            <a:r>
+              <a:rPr lang="en-US" dirty="0"/>
+              <a:t>Best Practice</a:t>
+            </a:r>
+          </a:p>
+        </p:txBody>
+      </p:sp>
+      <p:sp>
+        <p:nvSpPr>
+          <p:cNvPr id="3" name="Text Placeholder 2"/>
+          <p:cNvSpPr>
+            <a:spLocks noGrp="1"/>
+          </p:cNvSpPr>
+          <p:nvPr>
+            <p:ph type="body" idx="1"/>
+          </p:nvPr>
+        </p:nvSpPr>
+        <p:spPr/>
+        <p:txBody>
+          <a:bodyPr/>
+          <a:lstStyle/>
+          <a:p>
+            <a:r>
               <a:rPr lang="en-US" b="1" dirty="0"/>
               <a:t>Use Modular IE </a:t>
             </a:r>
@@ -20873,7 +20964,7 @@
 </p:sld>
 </file>
 
-<file path=ppt/slides/slide32.xml><?xml version="1.0" encoding="utf-8"?>
+<file path=ppt/slides/slide33.xml><?xml version="1.0" encoding="utf-8"?>
 <p:sld xmlns:a="http://schemas.openxmlformats.org/drawingml/2006/main" xmlns:r="http://schemas.openxmlformats.org/officeDocument/2006/relationships" xmlns:p="http://schemas.openxmlformats.org/presentationml/2006/main">
   <p:cSld>
     <p:spTree>
@@ -21395,9 +21486,43 @@
               <a:rPr lang="en-US" dirty="0">
                 <a:hlinkClick r:id="rId2"/>
               </a:rPr>
-              <a:t>://code.visualstudio.com/</a:t>
-            </a:r>
-            <a:endParaRPr lang="en-US" dirty="0"/>
+              <a:t>://code.visualstudio.com</a:t>
+            </a:r>
+            <a:r>
+              <a:rPr lang="en-US" dirty="0" smtClean="0">
+                <a:hlinkClick r:id="rId2"/>
+              </a:rPr>
+              <a:t>/</a:t>
+            </a:r>
+            <a:endParaRPr lang="vi-VN" dirty="0">
+              <a:hlinkClick r:id="rId2"/>
+            </a:endParaRPr>
+          </a:p>
+          <a:p>
+            <a:r>
+              <a:rPr lang="vi-VN" dirty="0" smtClean="0"/>
+              <a:t>Or</a:t>
+            </a:r>
+            <a:r>
+              <a:rPr lang="vi-VN" dirty="0"/>
+              <a:t> </a:t>
+            </a:r>
+            <a:r>
+              <a:rPr lang="vi-VN" dirty="0">
+                <a:hlinkClick r:id="rId3"/>
+              </a:rPr>
+              <a:t>https://www.sublimetext.com</a:t>
+            </a:r>
+            <a:r>
+              <a:rPr lang="vi-VN" dirty="0" smtClean="0">
+                <a:hlinkClick r:id="rId3"/>
+              </a:rPr>
+              <a:t>/</a:t>
+            </a:r>
+            <a:endParaRPr lang="vi-VN" dirty="0" smtClean="0"/>
+          </a:p>
+          <a:p>
+            <a:endParaRPr lang="vi-VN" dirty="0" smtClean="0"/>
           </a:p>
         </p:txBody>
       </p:sp>
@@ -21410,7 +21535,7 @@
           <p:nvPr/>
         </p:nvPicPr>
         <p:blipFill>
-          <a:blip r:embed="rId3"/>
+          <a:blip r:embed="rId4"/>
           <a:stretch>
             <a:fillRect/>
           </a:stretch>
